--- a/图示.pptx
+++ b/图示.pptx
@@ -12,7 +12,11 @@
     <p:sldId id="262" r:id="rId6"/>
     <p:sldId id="263" r:id="rId7"/>
     <p:sldId id="258" r:id="rId8"/>
-    <p:sldId id="259" r:id="rId9"/>
+    <p:sldId id="267" r:id="rId9"/>
+    <p:sldId id="266" r:id="rId10"/>
+    <p:sldId id="259" r:id="rId11"/>
+    <p:sldId id="265" r:id="rId12"/>
+    <p:sldId id="264" r:id="rId13"/>
   </p:sldIdLst>
   <p:sldSz cx="12192000" cy="6858000"/>
   <p:notesSz cx="6858000" cy="9144000"/>
@@ -135,7 +139,11 @@
         </p14:section>
         <p14:section name="角色招式" id="{D2EFD799-6C9B-4020-835C-67B93EFF3650}">
           <p14:sldIdLst>
+            <p14:sldId id="267"/>
+            <p14:sldId id="266"/>
             <p14:sldId id="259"/>
+            <p14:sldId id="265"/>
+            <p14:sldId id="264"/>
           </p14:sldIdLst>
         </p14:section>
       </p14:sectionLst>
@@ -294,7 +302,7 @@
           <a:p>
             <a:fld id="{E3DDA3C4-9B80-4E90-A943-39CB7BDDE635}" type="datetimeFigureOut">
               <a:rPr lang="zh-CN" altLang="en-US" smtClean="0"/>
-              <a:t>2022/2/2</a:t>
+              <a:t>2022/2/10</a:t>
             </a:fld>
             <a:endParaRPr lang="zh-CN" altLang="en-US"/>
           </a:p>
@@ -492,7 +500,7 @@
           <a:p>
             <a:fld id="{E3DDA3C4-9B80-4E90-A943-39CB7BDDE635}" type="datetimeFigureOut">
               <a:rPr lang="zh-CN" altLang="en-US" smtClean="0"/>
-              <a:t>2022/2/2</a:t>
+              <a:t>2022/2/10</a:t>
             </a:fld>
             <a:endParaRPr lang="zh-CN" altLang="en-US"/>
           </a:p>
@@ -700,7 +708,7 @@
           <a:p>
             <a:fld id="{E3DDA3C4-9B80-4E90-A943-39CB7BDDE635}" type="datetimeFigureOut">
               <a:rPr lang="zh-CN" altLang="en-US" smtClean="0"/>
-              <a:t>2022/2/2</a:t>
+              <a:t>2022/2/10</a:t>
             </a:fld>
             <a:endParaRPr lang="zh-CN" altLang="en-US"/>
           </a:p>
@@ -898,7 +906,7 @@
           <a:p>
             <a:fld id="{E3DDA3C4-9B80-4E90-A943-39CB7BDDE635}" type="datetimeFigureOut">
               <a:rPr lang="zh-CN" altLang="en-US" smtClean="0"/>
-              <a:t>2022/2/2</a:t>
+              <a:t>2022/2/10</a:t>
             </a:fld>
             <a:endParaRPr lang="zh-CN" altLang="en-US"/>
           </a:p>
@@ -1173,7 +1181,7 @@
           <a:p>
             <a:fld id="{E3DDA3C4-9B80-4E90-A943-39CB7BDDE635}" type="datetimeFigureOut">
               <a:rPr lang="zh-CN" altLang="en-US" smtClean="0"/>
-              <a:t>2022/2/2</a:t>
+              <a:t>2022/2/10</a:t>
             </a:fld>
             <a:endParaRPr lang="zh-CN" altLang="en-US"/>
           </a:p>
@@ -1438,7 +1446,7 @@
           <a:p>
             <a:fld id="{E3DDA3C4-9B80-4E90-A943-39CB7BDDE635}" type="datetimeFigureOut">
               <a:rPr lang="zh-CN" altLang="en-US" smtClean="0"/>
-              <a:t>2022/2/2</a:t>
+              <a:t>2022/2/10</a:t>
             </a:fld>
             <a:endParaRPr lang="zh-CN" altLang="en-US"/>
           </a:p>
@@ -1850,7 +1858,7 @@
           <a:p>
             <a:fld id="{E3DDA3C4-9B80-4E90-A943-39CB7BDDE635}" type="datetimeFigureOut">
               <a:rPr lang="zh-CN" altLang="en-US" smtClean="0"/>
-              <a:t>2022/2/2</a:t>
+              <a:t>2022/2/10</a:t>
             </a:fld>
             <a:endParaRPr lang="zh-CN" altLang="en-US"/>
           </a:p>
@@ -1991,7 +1999,7 @@
           <a:p>
             <a:fld id="{E3DDA3C4-9B80-4E90-A943-39CB7BDDE635}" type="datetimeFigureOut">
               <a:rPr lang="zh-CN" altLang="en-US" smtClean="0"/>
-              <a:t>2022/2/2</a:t>
+              <a:t>2022/2/10</a:t>
             </a:fld>
             <a:endParaRPr lang="zh-CN" altLang="en-US"/>
           </a:p>
@@ -2104,7 +2112,7 @@
           <a:p>
             <a:fld id="{E3DDA3C4-9B80-4E90-A943-39CB7BDDE635}" type="datetimeFigureOut">
               <a:rPr lang="zh-CN" altLang="en-US" smtClean="0"/>
-              <a:t>2022/2/2</a:t>
+              <a:t>2022/2/10</a:t>
             </a:fld>
             <a:endParaRPr lang="zh-CN" altLang="en-US"/>
           </a:p>
@@ -2415,7 +2423,7 @@
           <a:p>
             <a:fld id="{E3DDA3C4-9B80-4E90-A943-39CB7BDDE635}" type="datetimeFigureOut">
               <a:rPr lang="zh-CN" altLang="en-US" smtClean="0"/>
-              <a:t>2022/2/2</a:t>
+              <a:t>2022/2/10</a:t>
             </a:fld>
             <a:endParaRPr lang="zh-CN" altLang="en-US"/>
           </a:p>
@@ -2703,7 +2711,7 @@
           <a:p>
             <a:fld id="{E3DDA3C4-9B80-4E90-A943-39CB7BDDE635}" type="datetimeFigureOut">
               <a:rPr lang="zh-CN" altLang="en-US" smtClean="0"/>
-              <a:t>2022/2/2</a:t>
+              <a:t>2022/2/10</a:t>
             </a:fld>
             <a:endParaRPr lang="zh-CN" altLang="en-US"/>
           </a:p>
@@ -2944,7 +2952,7 @@
           <a:p>
             <a:fld id="{E3DDA3C4-9B80-4E90-A943-39CB7BDDE635}" type="datetimeFigureOut">
               <a:rPr lang="zh-CN" altLang="en-US" smtClean="0"/>
-              <a:t>2022/2/2</a:t>
+              <a:t>2022/2/10</a:t>
             </a:fld>
             <a:endParaRPr lang="zh-CN" altLang="en-US"/>
           </a:p>
@@ -4813,6 +4821,1863 @@
 </p:sld>
 </file>
 
+<file path=ppt/slides/slide10.xml><?xml version="1.0" encoding="utf-8"?>
+<p:sld xmlns:a="http://schemas.openxmlformats.org/drawingml/2006/main" xmlns:r="http://schemas.openxmlformats.org/officeDocument/2006/relationships" xmlns:p="http://schemas.openxmlformats.org/presentationml/2006/main">
+  <p:cSld>
+    <p:spTree>
+      <p:nvGrpSpPr>
+        <p:cNvPr id="1" name=""/>
+        <p:cNvGrpSpPr/>
+        <p:nvPr/>
+      </p:nvGrpSpPr>
+      <p:grpSpPr>
+        <a:xfrm>
+          <a:off x="0" y="0"/>
+          <a:ext cx="0" cy="0"/>
+          <a:chOff x="0" y="0"/>
+          <a:chExt cx="0" cy="0"/>
+        </a:xfrm>
+      </p:grpSpPr>
+      <p:sp>
+        <p:nvSpPr>
+          <p:cNvPr id="2" name="标题 1">
+            <a:extLst>
+              <a:ext uri="{FF2B5EF4-FFF2-40B4-BE49-F238E27FC236}">
+                <a16:creationId xmlns:a16="http://schemas.microsoft.com/office/drawing/2014/main" id="{BDDCA0CD-BECB-41F9-921C-F839C4ABCC6B}"/>
+              </a:ext>
+            </a:extLst>
+          </p:cNvPr>
+          <p:cNvSpPr>
+            <a:spLocks noGrp="1"/>
+          </p:cNvSpPr>
+          <p:nvPr>
+            <p:ph type="title"/>
+          </p:nvPr>
+        </p:nvSpPr>
+        <p:spPr/>
+        <p:txBody>
+          <a:bodyPr/>
+          <a:lstStyle/>
+          <a:p>
+            <a:r>
+              <a:rPr lang="zh-CN" altLang="en-US" dirty="0"/>
+              <a:t>洛的招式分类</a:t>
+            </a:r>
+          </a:p>
+        </p:txBody>
+      </p:sp>
+      <p:cxnSp>
+        <p:nvCxnSpPr>
+          <p:cNvPr id="4" name="直接连接符 3">
+            <a:extLst>
+              <a:ext uri="{FF2B5EF4-FFF2-40B4-BE49-F238E27FC236}">
+                <a16:creationId xmlns:a16="http://schemas.microsoft.com/office/drawing/2014/main" id="{FEA27CE9-705E-4EB6-AA45-4A7C7904E3DC}"/>
+              </a:ext>
+            </a:extLst>
+          </p:cNvPr>
+          <p:cNvCxnSpPr/>
+          <p:nvPr/>
+        </p:nvCxnSpPr>
+        <p:spPr>
+          <a:xfrm>
+            <a:off x="6096000" y="1993187"/>
+            <a:ext cx="0" cy="1952089"/>
+          </a:xfrm>
+          <a:prstGeom prst="line">
+            <a:avLst/>
+          </a:prstGeom>
+          <a:ln w="28575">
+            <a:solidFill>
+              <a:schemeClr val="tx1"/>
+            </a:solidFill>
+          </a:ln>
+        </p:spPr>
+        <p:style>
+          <a:lnRef idx="1">
+            <a:schemeClr val="accent1"/>
+          </a:lnRef>
+          <a:fillRef idx="0">
+            <a:schemeClr val="accent1"/>
+          </a:fillRef>
+          <a:effectRef idx="0">
+            <a:schemeClr val="accent1"/>
+          </a:effectRef>
+          <a:fontRef idx="minor">
+            <a:schemeClr val="tx1"/>
+          </a:fontRef>
+        </p:style>
+      </p:cxnSp>
+      <p:cxnSp>
+        <p:nvCxnSpPr>
+          <p:cNvPr id="6" name="直接连接符 5">
+            <a:extLst>
+              <a:ext uri="{FF2B5EF4-FFF2-40B4-BE49-F238E27FC236}">
+                <a16:creationId xmlns:a16="http://schemas.microsoft.com/office/drawing/2014/main" id="{8884567A-1CEA-422B-982A-1A4293D37859}"/>
+              </a:ext>
+            </a:extLst>
+          </p:cNvPr>
+          <p:cNvCxnSpPr/>
+          <p:nvPr/>
+        </p:nvCxnSpPr>
+        <p:spPr>
+          <a:xfrm flipH="1">
+            <a:off x="2270589" y="3955551"/>
+            <a:ext cx="3825411" cy="1910993"/>
+          </a:xfrm>
+          <a:prstGeom prst="line">
+            <a:avLst/>
+          </a:prstGeom>
+          <a:ln w="28575">
+            <a:solidFill>
+              <a:schemeClr val="tx1"/>
+            </a:solidFill>
+          </a:ln>
+        </p:spPr>
+        <p:style>
+          <a:lnRef idx="1">
+            <a:schemeClr val="accent1"/>
+          </a:lnRef>
+          <a:fillRef idx="0">
+            <a:schemeClr val="accent1"/>
+          </a:fillRef>
+          <a:effectRef idx="0">
+            <a:schemeClr val="accent1"/>
+          </a:effectRef>
+          <a:fontRef idx="minor">
+            <a:schemeClr val="tx1"/>
+          </a:fontRef>
+        </p:style>
+      </p:cxnSp>
+      <p:cxnSp>
+        <p:nvCxnSpPr>
+          <p:cNvPr id="8" name="直接连接符 7">
+            <a:extLst>
+              <a:ext uri="{FF2B5EF4-FFF2-40B4-BE49-F238E27FC236}">
+                <a16:creationId xmlns:a16="http://schemas.microsoft.com/office/drawing/2014/main" id="{2840AE90-4AA9-44DC-898F-B407CA12B71A}"/>
+              </a:ext>
+            </a:extLst>
+          </p:cNvPr>
+          <p:cNvCxnSpPr>
+            <a:cxnSpLocks/>
+          </p:cNvCxnSpPr>
+          <p:nvPr/>
+        </p:nvCxnSpPr>
+        <p:spPr>
+          <a:xfrm>
+            <a:off x="6096000" y="3945276"/>
+            <a:ext cx="3825411" cy="1921268"/>
+          </a:xfrm>
+          <a:prstGeom prst="line">
+            <a:avLst/>
+          </a:prstGeom>
+          <a:ln w="28575">
+            <a:solidFill>
+              <a:schemeClr val="tx1"/>
+            </a:solidFill>
+          </a:ln>
+        </p:spPr>
+        <p:style>
+          <a:lnRef idx="1">
+            <a:schemeClr val="accent1"/>
+          </a:lnRef>
+          <a:fillRef idx="0">
+            <a:schemeClr val="accent1"/>
+          </a:fillRef>
+          <a:effectRef idx="0">
+            <a:schemeClr val="accent1"/>
+          </a:effectRef>
+          <a:fontRef idx="minor">
+            <a:schemeClr val="tx1"/>
+          </a:fontRef>
+        </p:style>
+      </p:cxnSp>
+      <p:sp>
+        <p:nvSpPr>
+          <p:cNvPr id="12" name="文本框 11">
+            <a:extLst>
+              <a:ext uri="{FF2B5EF4-FFF2-40B4-BE49-F238E27FC236}">
+                <a16:creationId xmlns:a16="http://schemas.microsoft.com/office/drawing/2014/main" id="{B78DA853-0801-470E-8513-37BF65341B7F}"/>
+              </a:ext>
+            </a:extLst>
+          </p:cNvPr>
+          <p:cNvSpPr txBox="1"/>
+          <p:nvPr/>
+        </p:nvSpPr>
+        <p:spPr>
+          <a:xfrm>
+            <a:off x="1315093" y="2263984"/>
+            <a:ext cx="1107996" cy="461665"/>
+          </a:xfrm>
+          <a:prstGeom prst="rect">
+            <a:avLst/>
+          </a:prstGeom>
+          <a:noFill/>
+        </p:spPr>
+        <p:txBody>
+          <a:bodyPr wrap="none" rtlCol="0">
+            <a:spAutoFit/>
+          </a:bodyPr>
+          <a:lstStyle/>
+          <a:p>
+            <a:r>
+              <a:rPr lang="zh-CN" altLang="en-US" sz="2400" dirty="0"/>
+              <a:t>输出用</a:t>
+            </a:r>
+          </a:p>
+        </p:txBody>
+      </p:sp>
+      <p:sp>
+        <p:nvSpPr>
+          <p:cNvPr id="13" name="文本框 12">
+            <a:extLst>
+              <a:ext uri="{FF2B5EF4-FFF2-40B4-BE49-F238E27FC236}">
+                <a16:creationId xmlns:a16="http://schemas.microsoft.com/office/drawing/2014/main" id="{5A70BF72-12FC-4C85-B9D4-5B71847E3B5E}"/>
+              </a:ext>
+            </a:extLst>
+          </p:cNvPr>
+          <p:cNvSpPr txBox="1"/>
+          <p:nvPr/>
+        </p:nvSpPr>
+        <p:spPr>
+          <a:xfrm>
+            <a:off x="9768912" y="2263984"/>
+            <a:ext cx="1107996" cy="461665"/>
+          </a:xfrm>
+          <a:prstGeom prst="rect">
+            <a:avLst/>
+          </a:prstGeom>
+          <a:noFill/>
+        </p:spPr>
+        <p:txBody>
+          <a:bodyPr wrap="none" rtlCol="0">
+            <a:spAutoFit/>
+          </a:bodyPr>
+          <a:lstStyle/>
+          <a:p>
+            <a:r>
+              <a:rPr lang="zh-CN" altLang="en-US" sz="2400" dirty="0"/>
+              <a:t>连段用</a:t>
+            </a:r>
+          </a:p>
+        </p:txBody>
+      </p:sp>
+      <p:sp>
+        <p:nvSpPr>
+          <p:cNvPr id="14" name="文本框 13">
+            <a:extLst>
+              <a:ext uri="{FF2B5EF4-FFF2-40B4-BE49-F238E27FC236}">
+                <a16:creationId xmlns:a16="http://schemas.microsoft.com/office/drawing/2014/main" id="{070BAAC1-6272-4090-A4BA-4485171911A5}"/>
+              </a:ext>
+            </a:extLst>
+          </p:cNvPr>
+          <p:cNvSpPr txBox="1"/>
+          <p:nvPr/>
+        </p:nvSpPr>
+        <p:spPr>
+          <a:xfrm>
+            <a:off x="2270589" y="6127067"/>
+            <a:ext cx="1723549" cy="461665"/>
+          </a:xfrm>
+          <a:prstGeom prst="rect">
+            <a:avLst/>
+          </a:prstGeom>
+          <a:noFill/>
+        </p:spPr>
+        <p:txBody>
+          <a:bodyPr wrap="none" rtlCol="0">
+            <a:spAutoFit/>
+          </a:bodyPr>
+          <a:lstStyle/>
+          <a:p>
+            <a:r>
+              <a:rPr lang="zh-CN" altLang="en-US" sz="2400" dirty="0"/>
+              <a:t>衔接位移用</a:t>
+            </a:r>
+          </a:p>
+        </p:txBody>
+      </p:sp>
+      <p:sp>
+        <p:nvSpPr>
+          <p:cNvPr id="15" name="文本框 14">
+            <a:extLst>
+              <a:ext uri="{FF2B5EF4-FFF2-40B4-BE49-F238E27FC236}">
+                <a16:creationId xmlns:a16="http://schemas.microsoft.com/office/drawing/2014/main" id="{123D45C3-8BCB-4AF8-B401-38E81E446102}"/>
+              </a:ext>
+            </a:extLst>
+          </p:cNvPr>
+          <p:cNvSpPr txBox="1"/>
+          <p:nvPr/>
+        </p:nvSpPr>
+        <p:spPr>
+          <a:xfrm>
+            <a:off x="1919207" y="3105834"/>
+            <a:ext cx="1107996" cy="646331"/>
+          </a:xfrm>
+          <a:prstGeom prst="rect">
+            <a:avLst/>
+          </a:prstGeom>
+          <a:noFill/>
+        </p:spPr>
+        <p:txBody>
+          <a:bodyPr wrap="none" rtlCol="0">
+            <a:spAutoFit/>
+          </a:bodyPr>
+          <a:lstStyle/>
+          <a:p>
+            <a:r>
+              <a:rPr lang="zh-CN" altLang="en-US" dirty="0"/>
+              <a:t>牙砲</a:t>
+            </a:r>
+            <a:endParaRPr lang="en-US" altLang="zh-CN" dirty="0"/>
+          </a:p>
+          <a:p>
+            <a:r>
+              <a:rPr lang="zh-CN" altLang="en-US" dirty="0"/>
+              <a:t>灭神牙砲</a:t>
+            </a:r>
+          </a:p>
+        </p:txBody>
+      </p:sp>
+      <p:sp>
+        <p:nvSpPr>
+          <p:cNvPr id="16" name="文本框 15">
+            <a:extLst>
+              <a:ext uri="{FF2B5EF4-FFF2-40B4-BE49-F238E27FC236}">
+                <a16:creationId xmlns:a16="http://schemas.microsoft.com/office/drawing/2014/main" id="{081D22EB-636F-4D62-9E4A-AAFD1B4E22D9}"/>
+              </a:ext>
+            </a:extLst>
+          </p:cNvPr>
+          <p:cNvSpPr txBox="1"/>
+          <p:nvPr/>
+        </p:nvSpPr>
+        <p:spPr>
+          <a:xfrm>
+            <a:off x="8210048" y="3146476"/>
+            <a:ext cx="2140330" cy="1200329"/>
+          </a:xfrm>
+          <a:prstGeom prst="rect">
+            <a:avLst/>
+          </a:prstGeom>
+          <a:noFill/>
+        </p:spPr>
+        <p:txBody>
+          <a:bodyPr wrap="none" rtlCol="0">
+            <a:spAutoFit/>
+          </a:bodyPr>
+          <a:lstStyle/>
+          <a:p>
+            <a:r>
+              <a:rPr lang="zh-CN" altLang="en-US" dirty="0"/>
+              <a:t>连牙弹</a:t>
+            </a:r>
+            <a:r>
+              <a:rPr lang="en-US" altLang="zh-CN" dirty="0"/>
+              <a:t>(5hit)</a:t>
+            </a:r>
+          </a:p>
+          <a:p>
+            <a:r>
+              <a:rPr lang="zh-CN" altLang="en-US" dirty="0"/>
+              <a:t>超连牙弹</a:t>
+            </a:r>
+            <a:r>
+              <a:rPr lang="en-US" altLang="zh-CN" dirty="0"/>
+              <a:t>(7hit </a:t>
+            </a:r>
+            <a:r>
+              <a:rPr lang="zh-CN" altLang="en-US" dirty="0"/>
+              <a:t>升空</a:t>
+            </a:r>
+            <a:r>
+              <a:rPr lang="en-US" altLang="zh-CN" dirty="0"/>
+              <a:t>)</a:t>
+            </a:r>
+          </a:p>
+          <a:p>
+            <a:endParaRPr lang="en-US" altLang="zh-CN" dirty="0"/>
+          </a:p>
+          <a:p>
+            <a:r>
+              <a:rPr lang="zh-CN" altLang="en-US" dirty="0"/>
+              <a:t>牙连脚</a:t>
+            </a:r>
+            <a:r>
+              <a:rPr lang="en-US" altLang="zh-CN" dirty="0"/>
+              <a:t>(4hit </a:t>
+            </a:r>
+            <a:r>
+              <a:rPr lang="zh-CN" altLang="en-US" dirty="0"/>
+              <a:t>空中</a:t>
+            </a:r>
+            <a:r>
+              <a:rPr lang="en-US" altLang="zh-CN" dirty="0"/>
+              <a:t>)</a:t>
+            </a:r>
+            <a:endParaRPr lang="zh-CN" altLang="en-US" dirty="0"/>
+          </a:p>
+        </p:txBody>
+      </p:sp>
+      <p:sp>
+        <p:nvSpPr>
+          <p:cNvPr id="17" name="文本框 16">
+            <a:extLst>
+              <a:ext uri="{FF2B5EF4-FFF2-40B4-BE49-F238E27FC236}">
+                <a16:creationId xmlns:a16="http://schemas.microsoft.com/office/drawing/2014/main" id="{52BEB145-A797-44BF-9E3F-744FD7233935}"/>
+              </a:ext>
+            </a:extLst>
+          </p:cNvPr>
+          <p:cNvSpPr txBox="1"/>
+          <p:nvPr/>
+        </p:nvSpPr>
+        <p:spPr>
+          <a:xfrm>
+            <a:off x="5172510" y="2510657"/>
+            <a:ext cx="1846980" cy="646331"/>
+          </a:xfrm>
+          <a:prstGeom prst="rect">
+            <a:avLst/>
+          </a:prstGeom>
+          <a:solidFill>
+            <a:schemeClr val="bg1"/>
+          </a:solidFill>
+        </p:spPr>
+        <p:txBody>
+          <a:bodyPr wrap="none" rtlCol="0">
+            <a:spAutoFit/>
+          </a:bodyPr>
+          <a:lstStyle/>
+          <a:p>
+            <a:r>
+              <a:rPr lang="zh-CN" altLang="en-US" dirty="0"/>
+              <a:t>卧狼咆虎</a:t>
+            </a:r>
+            <a:r>
+              <a:rPr lang="en-US" altLang="zh-CN" dirty="0"/>
+              <a:t>(6hit)</a:t>
+            </a:r>
+          </a:p>
+          <a:p>
+            <a:r>
+              <a:rPr lang="zh-CN" altLang="en-US" dirty="0"/>
+              <a:t>飞燕连天脚</a:t>
+            </a:r>
+            <a:r>
+              <a:rPr lang="en-US" altLang="zh-CN" dirty="0"/>
+              <a:t>(5hit)</a:t>
+            </a:r>
+          </a:p>
+        </p:txBody>
+      </p:sp>
+      <p:sp>
+        <p:nvSpPr>
+          <p:cNvPr id="18" name="文本框 17">
+            <a:extLst>
+              <a:ext uri="{FF2B5EF4-FFF2-40B4-BE49-F238E27FC236}">
+                <a16:creationId xmlns:a16="http://schemas.microsoft.com/office/drawing/2014/main" id="{70F9488E-AE33-4495-9086-800623113A2A}"/>
+              </a:ext>
+            </a:extLst>
+          </p:cNvPr>
+          <p:cNvSpPr txBox="1"/>
+          <p:nvPr/>
+        </p:nvSpPr>
+        <p:spPr>
+          <a:xfrm>
+            <a:off x="4765830" y="4743839"/>
+            <a:ext cx="2858475" cy="1477328"/>
+          </a:xfrm>
+          <a:prstGeom prst="rect">
+            <a:avLst/>
+          </a:prstGeom>
+          <a:noFill/>
+        </p:spPr>
+        <p:txBody>
+          <a:bodyPr wrap="none" rtlCol="0">
+            <a:spAutoFit/>
+          </a:bodyPr>
+          <a:lstStyle/>
+          <a:p>
+            <a:r>
+              <a:rPr lang="zh-CN" altLang="en-US" dirty="0"/>
+              <a:t>无影掌</a:t>
+            </a:r>
+            <a:r>
+              <a:rPr lang="en-US" altLang="zh-CN" dirty="0"/>
+              <a:t>(</a:t>
+            </a:r>
+            <a:r>
+              <a:rPr lang="zh-CN" altLang="en-US" dirty="0"/>
+              <a:t>突进</a:t>
+            </a:r>
+            <a:r>
+              <a:rPr lang="en-US" altLang="zh-CN" dirty="0"/>
+              <a:t>)</a:t>
+            </a:r>
+          </a:p>
+          <a:p>
+            <a:r>
+              <a:rPr lang="zh-CN" altLang="en-US" dirty="0"/>
+              <a:t>卧龙空破</a:t>
+            </a:r>
+            <a:r>
+              <a:rPr lang="en-US" altLang="zh-CN" dirty="0"/>
+              <a:t>(</a:t>
+            </a:r>
+            <a:r>
+              <a:rPr lang="zh-CN" altLang="en-US" dirty="0"/>
+              <a:t>升空</a:t>
+            </a:r>
+            <a:r>
+              <a:rPr lang="en-US" altLang="zh-CN" dirty="0"/>
+              <a:t>)</a:t>
+            </a:r>
+          </a:p>
+          <a:p>
+            <a:r>
+              <a:rPr lang="zh-CN" altLang="en-US" dirty="0"/>
+              <a:t>飞燕连脚</a:t>
+            </a:r>
+            <a:r>
+              <a:rPr lang="en-US" altLang="zh-CN" dirty="0"/>
+              <a:t>(</a:t>
+            </a:r>
+            <a:r>
+              <a:rPr lang="zh-CN" altLang="en-US" dirty="0"/>
+              <a:t>升空</a:t>
+            </a:r>
+            <a:r>
+              <a:rPr lang="en-US" altLang="zh-CN" dirty="0"/>
+              <a:t>)</a:t>
+            </a:r>
+          </a:p>
+          <a:p>
+            <a:r>
+              <a:rPr lang="zh-CN" altLang="en-US" dirty="0"/>
+              <a:t>鹰爪袭击</a:t>
+            </a:r>
+            <a:r>
+              <a:rPr lang="en-US" altLang="zh-CN" dirty="0"/>
+              <a:t>(</a:t>
+            </a:r>
+            <a:r>
+              <a:rPr lang="zh-CN" altLang="en-US" dirty="0"/>
+              <a:t>落地</a:t>
+            </a:r>
+            <a:r>
+              <a:rPr lang="en-US" altLang="zh-CN" dirty="0"/>
+              <a:t>)</a:t>
+            </a:r>
+          </a:p>
+          <a:p>
+            <a:r>
+              <a:rPr lang="zh-CN" altLang="en-US" dirty="0"/>
+              <a:t>普通攻击第四段</a:t>
+            </a:r>
+            <a:r>
+              <a:rPr lang="en-US" altLang="zh-CN" dirty="0"/>
+              <a:t>(</a:t>
+            </a:r>
+            <a:r>
+              <a:rPr lang="zh-CN" altLang="en-US" dirty="0"/>
+              <a:t>低空升空</a:t>
+            </a:r>
+            <a:r>
+              <a:rPr lang="en-US" altLang="zh-CN" dirty="0"/>
+              <a:t>)</a:t>
+            </a:r>
+            <a:endParaRPr lang="zh-CN" altLang="en-US" dirty="0"/>
+          </a:p>
+        </p:txBody>
+      </p:sp>
+      <p:sp>
+        <p:nvSpPr>
+          <p:cNvPr id="19" name="文本框 18">
+            <a:extLst>
+              <a:ext uri="{FF2B5EF4-FFF2-40B4-BE49-F238E27FC236}">
+                <a16:creationId xmlns:a16="http://schemas.microsoft.com/office/drawing/2014/main" id="{914F50E6-99B9-4FDF-B30C-7706368A08B6}"/>
+              </a:ext>
+            </a:extLst>
+          </p:cNvPr>
+          <p:cNvSpPr txBox="1"/>
+          <p:nvPr/>
+        </p:nvSpPr>
+        <p:spPr>
+          <a:xfrm>
+            <a:off x="7287038" y="4518572"/>
+            <a:ext cx="2608406" cy="923330"/>
+          </a:xfrm>
+          <a:prstGeom prst="rect">
+            <a:avLst/>
+          </a:prstGeom>
+          <a:solidFill>
+            <a:schemeClr val="bg1"/>
+          </a:solidFill>
+        </p:spPr>
+        <p:txBody>
+          <a:bodyPr wrap="none" rtlCol="0">
+            <a:spAutoFit/>
+          </a:bodyPr>
+          <a:lstStyle/>
+          <a:p>
+            <a:r>
+              <a:rPr lang="zh-CN" altLang="en-US" dirty="0"/>
+              <a:t>炎霸爆碎拳</a:t>
+            </a:r>
+            <a:r>
+              <a:rPr lang="en-US" altLang="zh-CN" dirty="0"/>
+              <a:t>(5hit </a:t>
+            </a:r>
+            <a:r>
+              <a:rPr lang="zh-CN" altLang="en-US" dirty="0"/>
+              <a:t>落地</a:t>
+            </a:r>
+            <a:r>
+              <a:rPr lang="en-US" altLang="zh-CN" dirty="0"/>
+              <a:t>)</a:t>
+            </a:r>
+          </a:p>
+          <a:p>
+            <a:r>
+              <a:rPr lang="zh-CN" altLang="en-US" dirty="0"/>
+              <a:t>散华猛袭脚</a:t>
+            </a:r>
+            <a:r>
+              <a:rPr lang="en-US" altLang="zh-CN" dirty="0"/>
+              <a:t>(4-5hit </a:t>
+            </a:r>
+            <a:r>
+              <a:rPr lang="zh-CN" altLang="en-US" dirty="0"/>
+              <a:t>落地</a:t>
+            </a:r>
+            <a:r>
+              <a:rPr lang="en-US" altLang="zh-CN" dirty="0"/>
+              <a:t>)</a:t>
+            </a:r>
+          </a:p>
+          <a:p>
+            <a:r>
+              <a:rPr lang="zh-CN" altLang="en-US" dirty="0"/>
+              <a:t>鹰爪落瀑蹴</a:t>
+            </a:r>
+            <a:r>
+              <a:rPr lang="en-US" altLang="zh-CN" dirty="0"/>
+              <a:t>(4hit </a:t>
+            </a:r>
+            <a:r>
+              <a:rPr lang="zh-CN" altLang="en-US" dirty="0"/>
+              <a:t>落地</a:t>
+            </a:r>
+            <a:r>
+              <a:rPr lang="en-US" altLang="zh-CN" dirty="0"/>
+              <a:t>)</a:t>
+            </a:r>
+            <a:endParaRPr lang="zh-CN" altLang="en-US" dirty="0"/>
+          </a:p>
+        </p:txBody>
+      </p:sp>
+      <p:sp>
+        <p:nvSpPr>
+          <p:cNvPr id="20" name="文本框 19">
+            <a:extLst>
+              <a:ext uri="{FF2B5EF4-FFF2-40B4-BE49-F238E27FC236}">
+                <a16:creationId xmlns:a16="http://schemas.microsoft.com/office/drawing/2014/main" id="{48C3F571-6D01-48FE-90CB-AC30C2975873}"/>
+              </a:ext>
+            </a:extLst>
+          </p:cNvPr>
+          <p:cNvSpPr txBox="1"/>
+          <p:nvPr/>
+        </p:nvSpPr>
+        <p:spPr>
+          <a:xfrm>
+            <a:off x="1885704" y="4018043"/>
+            <a:ext cx="2282997" cy="369332"/>
+          </a:xfrm>
+          <a:prstGeom prst="rect">
+            <a:avLst/>
+          </a:prstGeom>
+          <a:noFill/>
+        </p:spPr>
+        <p:txBody>
+          <a:bodyPr wrap="none" rtlCol="0">
+            <a:spAutoFit/>
+          </a:bodyPr>
+          <a:lstStyle/>
+          <a:p>
+            <a:r>
+              <a:rPr lang="zh-CN" altLang="en-US" dirty="0"/>
+              <a:t>各种少</a:t>
+            </a:r>
+            <a:r>
+              <a:rPr lang="en-US" altLang="zh-CN" dirty="0"/>
+              <a:t>hit</a:t>
+            </a:r>
+            <a:r>
+              <a:rPr lang="zh-CN" altLang="en-US" dirty="0"/>
+              <a:t>数的属性技</a:t>
+            </a:r>
+          </a:p>
+        </p:txBody>
+      </p:sp>
+    </p:spTree>
+    <p:extLst>
+      <p:ext uri="{BB962C8B-B14F-4D97-AF65-F5344CB8AC3E}">
+        <p14:creationId xmlns:p14="http://schemas.microsoft.com/office/powerpoint/2010/main" val="3314187485"/>
+      </p:ext>
+    </p:extLst>
+  </p:cSld>
+  <p:clrMapOvr>
+    <a:masterClrMapping/>
+  </p:clrMapOvr>
+</p:sld>
+</file>
+
+<file path=ppt/slides/slide11.xml><?xml version="1.0" encoding="utf-8"?>
+<p:sld xmlns:a="http://schemas.openxmlformats.org/drawingml/2006/main" xmlns:r="http://schemas.openxmlformats.org/officeDocument/2006/relationships" xmlns:p="http://schemas.openxmlformats.org/presentationml/2006/main">
+  <p:cSld>
+    <p:spTree>
+      <p:nvGrpSpPr>
+        <p:cNvPr id="1" name=""/>
+        <p:cNvGrpSpPr/>
+        <p:nvPr/>
+      </p:nvGrpSpPr>
+      <p:grpSpPr>
+        <a:xfrm>
+          <a:off x="0" y="0"/>
+          <a:ext cx="0" cy="0"/>
+          <a:chOff x="0" y="0"/>
+          <a:chExt cx="0" cy="0"/>
+        </a:xfrm>
+      </p:grpSpPr>
+      <p:sp>
+        <p:nvSpPr>
+          <p:cNvPr id="2" name="标题 1">
+            <a:extLst>
+              <a:ext uri="{FF2B5EF4-FFF2-40B4-BE49-F238E27FC236}">
+                <a16:creationId xmlns:a16="http://schemas.microsoft.com/office/drawing/2014/main" id="{41B5655C-6564-45B7-B53F-16A3CF0E5EE2}"/>
+              </a:ext>
+            </a:extLst>
+          </p:cNvPr>
+          <p:cNvSpPr>
+            <a:spLocks noGrp="1"/>
+          </p:cNvSpPr>
+          <p:nvPr>
+            <p:ph type="title"/>
+          </p:nvPr>
+        </p:nvSpPr>
+        <p:spPr/>
+        <p:txBody>
+          <a:bodyPr/>
+          <a:lstStyle/>
+          <a:p>
+            <a:r>
+              <a:rPr lang="zh-CN" altLang="en-US" dirty="0"/>
+              <a:t>杜欧哈林的招式分类</a:t>
+            </a:r>
+          </a:p>
+        </p:txBody>
+      </p:sp>
+      <p:cxnSp>
+        <p:nvCxnSpPr>
+          <p:cNvPr id="3" name="直接连接符 2">
+            <a:extLst>
+              <a:ext uri="{FF2B5EF4-FFF2-40B4-BE49-F238E27FC236}">
+                <a16:creationId xmlns:a16="http://schemas.microsoft.com/office/drawing/2014/main" id="{99D09AF6-CE67-4FB8-B676-5DC28A245D42}"/>
+              </a:ext>
+            </a:extLst>
+          </p:cNvPr>
+          <p:cNvCxnSpPr/>
+          <p:nvPr/>
+        </p:nvCxnSpPr>
+        <p:spPr>
+          <a:xfrm>
+            <a:off x="1027415" y="3976099"/>
+            <a:ext cx="9852917" cy="0"/>
+          </a:xfrm>
+          <a:prstGeom prst="line">
+            <a:avLst/>
+          </a:prstGeom>
+          <a:ln w="28575">
+            <a:solidFill>
+              <a:schemeClr val="tx1"/>
+            </a:solidFill>
+          </a:ln>
+        </p:spPr>
+        <p:style>
+          <a:lnRef idx="1">
+            <a:schemeClr val="accent1"/>
+          </a:lnRef>
+          <a:fillRef idx="0">
+            <a:schemeClr val="accent1"/>
+          </a:fillRef>
+          <a:effectRef idx="0">
+            <a:schemeClr val="accent1"/>
+          </a:effectRef>
+          <a:fontRef idx="minor">
+            <a:schemeClr val="tx1"/>
+          </a:fontRef>
+        </p:style>
+      </p:cxnSp>
+      <p:cxnSp>
+        <p:nvCxnSpPr>
+          <p:cNvPr id="4" name="直接连接符 3">
+            <a:extLst>
+              <a:ext uri="{FF2B5EF4-FFF2-40B4-BE49-F238E27FC236}">
+                <a16:creationId xmlns:a16="http://schemas.microsoft.com/office/drawing/2014/main" id="{C03A8BE5-4748-450D-8AF8-4AF07BED9193}"/>
+              </a:ext>
+            </a:extLst>
+          </p:cNvPr>
+          <p:cNvCxnSpPr/>
+          <p:nvPr/>
+        </p:nvCxnSpPr>
+        <p:spPr>
+          <a:xfrm>
+            <a:off x="5989834" y="1869897"/>
+            <a:ext cx="0" cy="4541177"/>
+          </a:xfrm>
+          <a:prstGeom prst="line">
+            <a:avLst/>
+          </a:prstGeom>
+          <a:ln w="28575">
+            <a:solidFill>
+              <a:schemeClr val="tx1"/>
+            </a:solidFill>
+          </a:ln>
+        </p:spPr>
+        <p:style>
+          <a:lnRef idx="1">
+            <a:schemeClr val="accent1"/>
+          </a:lnRef>
+          <a:fillRef idx="0">
+            <a:schemeClr val="accent1"/>
+          </a:fillRef>
+          <a:effectRef idx="0">
+            <a:schemeClr val="accent1"/>
+          </a:effectRef>
+          <a:fontRef idx="minor">
+            <a:schemeClr val="tx1"/>
+          </a:fontRef>
+        </p:style>
+      </p:cxnSp>
+      <p:sp>
+        <p:nvSpPr>
+          <p:cNvPr id="5" name="文本框 4">
+            <a:extLst>
+              <a:ext uri="{FF2B5EF4-FFF2-40B4-BE49-F238E27FC236}">
+                <a16:creationId xmlns:a16="http://schemas.microsoft.com/office/drawing/2014/main" id="{CA0DE662-DBDE-4F28-B65F-D63EC5FCC39C}"/>
+              </a:ext>
+            </a:extLst>
+          </p:cNvPr>
+          <p:cNvSpPr txBox="1"/>
+          <p:nvPr/>
+        </p:nvSpPr>
+        <p:spPr>
+          <a:xfrm>
+            <a:off x="2178121" y="2147298"/>
+            <a:ext cx="1532792" cy="369332"/>
+          </a:xfrm>
+          <a:prstGeom prst="rect">
+            <a:avLst/>
+          </a:prstGeom>
+          <a:noFill/>
+        </p:spPr>
+        <p:txBody>
+          <a:bodyPr wrap="none" rtlCol="0">
+            <a:spAutoFit/>
+          </a:bodyPr>
+          <a:lstStyle/>
+          <a:p>
+            <a:r>
+              <a:rPr lang="en-US" altLang="zh-CN" dirty="0"/>
+              <a:t>1AG</a:t>
+            </a:r>
+            <a:r>
+              <a:rPr lang="zh-CN" altLang="en-US" dirty="0"/>
+              <a:t>地面技能</a:t>
+            </a:r>
+            <a:endParaRPr lang="en-US" altLang="zh-CN" dirty="0"/>
+          </a:p>
+        </p:txBody>
+      </p:sp>
+      <p:sp>
+        <p:nvSpPr>
+          <p:cNvPr id="6" name="文本框 5">
+            <a:extLst>
+              <a:ext uri="{FF2B5EF4-FFF2-40B4-BE49-F238E27FC236}">
+                <a16:creationId xmlns:a16="http://schemas.microsoft.com/office/drawing/2014/main" id="{8CFDEB1A-5F70-4CED-BE24-6DD9D39481B3}"/>
+              </a:ext>
+            </a:extLst>
+          </p:cNvPr>
+          <p:cNvSpPr txBox="1"/>
+          <p:nvPr/>
+        </p:nvSpPr>
+        <p:spPr>
+          <a:xfrm>
+            <a:off x="6753443" y="1722669"/>
+            <a:ext cx="3320140" cy="1200329"/>
+          </a:xfrm>
+          <a:prstGeom prst="rect">
+            <a:avLst/>
+          </a:prstGeom>
+          <a:noFill/>
+        </p:spPr>
+        <p:txBody>
+          <a:bodyPr wrap="none" rtlCol="0">
+            <a:spAutoFit/>
+          </a:bodyPr>
+          <a:lstStyle/>
+          <a:p>
+            <a:r>
+              <a:rPr lang="en-US" altLang="zh-CN" dirty="0"/>
+              <a:t>2AG</a:t>
+            </a:r>
+            <a:r>
+              <a:rPr lang="zh-CN" altLang="en-US" dirty="0"/>
+              <a:t>地面属性技能</a:t>
+            </a:r>
+            <a:endParaRPr lang="en-US" altLang="zh-CN" dirty="0"/>
+          </a:p>
+          <a:p>
+            <a:r>
+              <a:rPr lang="zh-CN" altLang="en-US" dirty="0"/>
+              <a:t>石破天惊</a:t>
+            </a:r>
+            <a:r>
+              <a:rPr lang="en-US" altLang="zh-CN" dirty="0"/>
+              <a:t>(</a:t>
+            </a:r>
+            <a:r>
+              <a:rPr lang="zh-CN" altLang="en-US" dirty="0"/>
+              <a:t>土</a:t>
+            </a:r>
+            <a:r>
+              <a:rPr lang="en-US" altLang="zh-CN" dirty="0"/>
+              <a:t>)</a:t>
+            </a:r>
+            <a:r>
+              <a:rPr lang="zh-CN" altLang="en-US" dirty="0"/>
+              <a:t>：突进</a:t>
+            </a:r>
+            <a:endParaRPr lang="en-US" altLang="zh-CN" dirty="0"/>
+          </a:p>
+          <a:p>
+            <a:r>
+              <a:rPr lang="zh-CN" altLang="en-US" dirty="0"/>
+              <a:t>大轮月华</a:t>
+            </a:r>
+            <a:r>
+              <a:rPr lang="en-US" altLang="zh-CN" dirty="0"/>
+              <a:t>(</a:t>
+            </a:r>
+            <a:r>
+              <a:rPr lang="zh-CN" altLang="en-US" dirty="0"/>
+              <a:t>风</a:t>
+            </a:r>
+            <a:r>
+              <a:rPr lang="en-US" altLang="zh-CN" dirty="0"/>
+              <a:t>)</a:t>
+            </a:r>
+            <a:r>
+              <a:rPr lang="zh-CN" altLang="en-US" dirty="0"/>
+              <a:t>：</a:t>
+            </a:r>
+            <a:r>
+              <a:rPr lang="en-US" altLang="zh-CN" dirty="0"/>
+              <a:t>AOE</a:t>
+            </a:r>
+          </a:p>
+          <a:p>
+            <a:r>
+              <a:rPr lang="zh-CN" altLang="en-US" dirty="0"/>
+              <a:t>蔷薇之血</a:t>
+            </a:r>
+            <a:r>
+              <a:rPr lang="en-US" altLang="zh-CN" dirty="0"/>
+              <a:t>(</a:t>
+            </a:r>
+            <a:r>
+              <a:rPr lang="zh-CN" altLang="en-US" dirty="0"/>
+              <a:t>暗</a:t>
+            </a:r>
+            <a:r>
+              <a:rPr lang="en-US" altLang="zh-CN" dirty="0"/>
+              <a:t>)</a:t>
+            </a:r>
+            <a:r>
+              <a:rPr lang="zh-CN" altLang="en-US" dirty="0"/>
+              <a:t>：长时间锁定对单</a:t>
+            </a:r>
+            <a:endParaRPr lang="en-US" altLang="zh-CN" dirty="0"/>
+          </a:p>
+        </p:txBody>
+      </p:sp>
+      <p:sp>
+        <p:nvSpPr>
+          <p:cNvPr id="7" name="文本框 6">
+            <a:extLst>
+              <a:ext uri="{FF2B5EF4-FFF2-40B4-BE49-F238E27FC236}">
+                <a16:creationId xmlns:a16="http://schemas.microsoft.com/office/drawing/2014/main" id="{5B77D460-E6C6-4540-9F4F-8D6B9A51EFB0}"/>
+              </a:ext>
+            </a:extLst>
+          </p:cNvPr>
+          <p:cNvSpPr txBox="1"/>
+          <p:nvPr/>
+        </p:nvSpPr>
+        <p:spPr>
+          <a:xfrm>
+            <a:off x="6937000" y="4339430"/>
+            <a:ext cx="1107996" cy="369332"/>
+          </a:xfrm>
+          <a:prstGeom prst="rect">
+            <a:avLst/>
+          </a:prstGeom>
+          <a:noFill/>
+        </p:spPr>
+        <p:txBody>
+          <a:bodyPr wrap="none" rtlCol="0">
+            <a:spAutoFit/>
+          </a:bodyPr>
+          <a:lstStyle/>
+          <a:p>
+            <a:r>
+              <a:rPr lang="zh-CN" altLang="en-US" dirty="0"/>
+              <a:t>空战技能</a:t>
+            </a:r>
+            <a:endParaRPr lang="en-US" altLang="zh-CN" dirty="0"/>
+          </a:p>
+        </p:txBody>
+      </p:sp>
+      <p:sp>
+        <p:nvSpPr>
+          <p:cNvPr id="8" name="文本框 7">
+            <a:extLst>
+              <a:ext uri="{FF2B5EF4-FFF2-40B4-BE49-F238E27FC236}">
+                <a16:creationId xmlns:a16="http://schemas.microsoft.com/office/drawing/2014/main" id="{B64F8760-B7B6-4433-AAD7-0F902CD5F1CF}"/>
+              </a:ext>
+            </a:extLst>
+          </p:cNvPr>
+          <p:cNvSpPr txBox="1"/>
+          <p:nvPr/>
+        </p:nvSpPr>
+        <p:spPr>
+          <a:xfrm>
+            <a:off x="1296488" y="4396477"/>
+            <a:ext cx="877163" cy="369332"/>
+          </a:xfrm>
+          <a:prstGeom prst="rect">
+            <a:avLst/>
+          </a:prstGeom>
+          <a:noFill/>
+        </p:spPr>
+        <p:txBody>
+          <a:bodyPr wrap="none" rtlCol="0">
+            <a:spAutoFit/>
+          </a:bodyPr>
+          <a:lstStyle/>
+          <a:p>
+            <a:r>
+              <a:rPr lang="zh-CN" altLang="en-US" dirty="0"/>
+              <a:t>治疗术</a:t>
+            </a:r>
+            <a:endParaRPr lang="en-US" altLang="zh-CN" dirty="0"/>
+          </a:p>
+        </p:txBody>
+      </p:sp>
+      <p:sp>
+        <p:nvSpPr>
+          <p:cNvPr id="9" name="文本框 8">
+            <a:extLst>
+              <a:ext uri="{FF2B5EF4-FFF2-40B4-BE49-F238E27FC236}">
+                <a16:creationId xmlns:a16="http://schemas.microsoft.com/office/drawing/2014/main" id="{15EAC1B9-F54A-409B-A566-4103EC77516D}"/>
+              </a:ext>
+            </a:extLst>
+          </p:cNvPr>
+          <p:cNvSpPr txBox="1"/>
+          <p:nvPr/>
+        </p:nvSpPr>
+        <p:spPr>
+          <a:xfrm>
+            <a:off x="2944517" y="4396477"/>
+            <a:ext cx="2462534" cy="646331"/>
+          </a:xfrm>
+          <a:prstGeom prst="rect">
+            <a:avLst/>
+          </a:prstGeom>
+          <a:noFill/>
+        </p:spPr>
+        <p:txBody>
+          <a:bodyPr wrap="none" rtlCol="0">
+            <a:spAutoFit/>
+          </a:bodyPr>
+          <a:lstStyle/>
+          <a:p>
+            <a:r>
+              <a:rPr lang="zh-CN" altLang="en-US" dirty="0"/>
+              <a:t>攻击法术：</a:t>
+            </a:r>
+            <a:endParaRPr lang="en-US" altLang="zh-CN" dirty="0"/>
+          </a:p>
+          <a:p>
+            <a:r>
+              <a:rPr lang="zh-CN" altLang="en-US" dirty="0"/>
+              <a:t>土暗属性的</a:t>
+            </a:r>
+            <a:r>
+              <a:rPr lang="en-US" altLang="zh-CN" dirty="0"/>
+              <a:t>2-4AG</a:t>
+            </a:r>
+            <a:r>
+              <a:rPr lang="zh-CN" altLang="en-US" dirty="0"/>
+              <a:t>法术</a:t>
+            </a:r>
+            <a:endParaRPr lang="en-US" altLang="zh-CN" dirty="0"/>
+          </a:p>
+        </p:txBody>
+      </p:sp>
+    </p:spTree>
+    <p:extLst>
+      <p:ext uri="{BB962C8B-B14F-4D97-AF65-F5344CB8AC3E}">
+        <p14:creationId xmlns:p14="http://schemas.microsoft.com/office/powerpoint/2010/main" val="311280310"/>
+      </p:ext>
+    </p:extLst>
+  </p:cSld>
+  <p:clrMapOvr>
+    <a:masterClrMapping/>
+  </p:clrMapOvr>
+</p:sld>
+</file>
+
+<file path=ppt/slides/slide12.xml><?xml version="1.0" encoding="utf-8"?>
+<p:sld xmlns:a="http://schemas.openxmlformats.org/drawingml/2006/main" xmlns:r="http://schemas.openxmlformats.org/officeDocument/2006/relationships" xmlns:p="http://schemas.openxmlformats.org/presentationml/2006/main">
+  <p:cSld>
+    <p:spTree>
+      <p:nvGrpSpPr>
+        <p:cNvPr id="1" name=""/>
+        <p:cNvGrpSpPr/>
+        <p:nvPr/>
+      </p:nvGrpSpPr>
+      <p:grpSpPr>
+        <a:xfrm>
+          <a:off x="0" y="0"/>
+          <a:ext cx="0" cy="0"/>
+          <a:chOff x="0" y="0"/>
+          <a:chExt cx="0" cy="0"/>
+        </a:xfrm>
+      </p:grpSpPr>
+      <p:sp>
+        <p:nvSpPr>
+          <p:cNvPr id="2" name="标题 1">
+            <a:extLst>
+              <a:ext uri="{FF2B5EF4-FFF2-40B4-BE49-F238E27FC236}">
+                <a16:creationId xmlns:a16="http://schemas.microsoft.com/office/drawing/2014/main" id="{FC5DA7F3-FCD0-4296-BF58-587834577F9A}"/>
+              </a:ext>
+            </a:extLst>
+          </p:cNvPr>
+          <p:cNvSpPr>
+            <a:spLocks noGrp="1"/>
+          </p:cNvSpPr>
+          <p:nvPr>
+            <p:ph type="title"/>
+          </p:nvPr>
+        </p:nvSpPr>
+        <p:spPr/>
+        <p:txBody>
+          <a:bodyPr/>
+          <a:lstStyle/>
+          <a:p>
+            <a:r>
+              <a:rPr lang="zh-CN" altLang="en-US" dirty="0"/>
+              <a:t>奇莎兰的招式分类</a:t>
+            </a:r>
+          </a:p>
+        </p:txBody>
+      </p:sp>
+      <p:cxnSp>
+        <p:nvCxnSpPr>
+          <p:cNvPr id="4" name="直接连接符 3">
+            <a:extLst>
+              <a:ext uri="{FF2B5EF4-FFF2-40B4-BE49-F238E27FC236}">
+                <a16:creationId xmlns:a16="http://schemas.microsoft.com/office/drawing/2014/main" id="{60D16380-C06C-4628-8869-3A0414A82DF2}"/>
+              </a:ext>
+            </a:extLst>
+          </p:cNvPr>
+          <p:cNvCxnSpPr/>
+          <p:nvPr/>
+        </p:nvCxnSpPr>
+        <p:spPr>
+          <a:xfrm>
+            <a:off x="1027415" y="3976099"/>
+            <a:ext cx="9852917" cy="0"/>
+          </a:xfrm>
+          <a:prstGeom prst="line">
+            <a:avLst/>
+          </a:prstGeom>
+          <a:ln w="28575">
+            <a:solidFill>
+              <a:schemeClr val="tx1"/>
+            </a:solidFill>
+          </a:ln>
+        </p:spPr>
+        <p:style>
+          <a:lnRef idx="1">
+            <a:schemeClr val="accent1"/>
+          </a:lnRef>
+          <a:fillRef idx="0">
+            <a:schemeClr val="accent1"/>
+          </a:fillRef>
+          <a:effectRef idx="0">
+            <a:schemeClr val="accent1"/>
+          </a:effectRef>
+          <a:fontRef idx="minor">
+            <a:schemeClr val="tx1"/>
+          </a:fontRef>
+        </p:style>
+      </p:cxnSp>
+      <p:cxnSp>
+        <p:nvCxnSpPr>
+          <p:cNvPr id="6" name="直接连接符 5">
+            <a:extLst>
+              <a:ext uri="{FF2B5EF4-FFF2-40B4-BE49-F238E27FC236}">
+                <a16:creationId xmlns:a16="http://schemas.microsoft.com/office/drawing/2014/main" id="{8463F65C-4CAC-4F9E-8702-EF985EC3C38E}"/>
+              </a:ext>
+            </a:extLst>
+          </p:cNvPr>
+          <p:cNvCxnSpPr/>
+          <p:nvPr/>
+        </p:nvCxnSpPr>
+        <p:spPr>
+          <a:xfrm>
+            <a:off x="5989834" y="1869897"/>
+            <a:ext cx="0" cy="4541177"/>
+          </a:xfrm>
+          <a:prstGeom prst="line">
+            <a:avLst/>
+          </a:prstGeom>
+          <a:ln w="28575">
+            <a:solidFill>
+              <a:schemeClr val="tx1"/>
+            </a:solidFill>
+          </a:ln>
+        </p:spPr>
+        <p:style>
+          <a:lnRef idx="1">
+            <a:schemeClr val="accent1"/>
+          </a:lnRef>
+          <a:fillRef idx="0">
+            <a:schemeClr val="accent1"/>
+          </a:fillRef>
+          <a:effectRef idx="0">
+            <a:schemeClr val="accent1"/>
+          </a:effectRef>
+          <a:fontRef idx="minor">
+            <a:schemeClr val="tx1"/>
+          </a:fontRef>
+        </p:style>
+      </p:cxnSp>
+      <p:sp>
+        <p:nvSpPr>
+          <p:cNvPr id="7" name="文本框 6">
+            <a:extLst>
+              <a:ext uri="{FF2B5EF4-FFF2-40B4-BE49-F238E27FC236}">
+                <a16:creationId xmlns:a16="http://schemas.microsoft.com/office/drawing/2014/main" id="{08B5DCBC-71D8-4BF7-B8A3-03E13D95668C}"/>
+              </a:ext>
+            </a:extLst>
+          </p:cNvPr>
+          <p:cNvSpPr txBox="1"/>
+          <p:nvPr/>
+        </p:nvSpPr>
+        <p:spPr>
+          <a:xfrm>
+            <a:off x="2044557" y="2147299"/>
+            <a:ext cx="2217274" cy="1200329"/>
+          </a:xfrm>
+          <a:prstGeom prst="rect">
+            <a:avLst/>
+          </a:prstGeom>
+          <a:noFill/>
+        </p:spPr>
+        <p:txBody>
+          <a:bodyPr wrap="none" rtlCol="0">
+            <a:spAutoFit/>
+          </a:bodyPr>
+          <a:lstStyle/>
+          <a:p>
+            <a:r>
+              <a:rPr lang="zh-CN" altLang="en-US" dirty="0"/>
+              <a:t>岩属性主力输出：</a:t>
+            </a:r>
+            <a:endParaRPr lang="en-US" altLang="zh-CN" dirty="0"/>
+          </a:p>
+          <a:p>
+            <a:r>
+              <a:rPr lang="zh-CN" altLang="en-US" b="0" i="0" dirty="0">
+                <a:solidFill>
+                  <a:srgbClr val="24292E"/>
+                </a:solidFill>
+                <a:effectLst/>
+                <a:latin typeface="-apple-system"/>
+              </a:rPr>
+              <a:t>炸岩击</a:t>
+            </a:r>
+            <a:r>
+              <a:rPr lang="en-US" altLang="zh-CN" b="0" i="0" dirty="0">
+                <a:solidFill>
+                  <a:srgbClr val="24292E"/>
+                </a:solidFill>
+                <a:effectLst/>
+                <a:latin typeface="-apple-system"/>
+              </a:rPr>
+              <a:t>-&gt;</a:t>
+            </a:r>
+            <a:r>
+              <a:rPr lang="zh-CN" altLang="en-US" b="1" i="0" dirty="0">
+                <a:solidFill>
+                  <a:srgbClr val="24292E"/>
+                </a:solidFill>
+                <a:effectLst/>
+                <a:latin typeface="-apple-system"/>
+              </a:rPr>
+              <a:t>狮吼</a:t>
+            </a:r>
+            <a:r>
+              <a:rPr lang="zh-CN" altLang="en-US" b="0" i="0" dirty="0">
+                <a:solidFill>
+                  <a:srgbClr val="24292E"/>
+                </a:solidFill>
+                <a:effectLst/>
+                <a:latin typeface="-apple-system"/>
+              </a:rPr>
+              <a:t>爆碎击</a:t>
+            </a:r>
+            <a:endParaRPr lang="en-US" altLang="zh-CN" b="0" i="0" dirty="0">
+              <a:solidFill>
+                <a:srgbClr val="24292E"/>
+              </a:solidFill>
+              <a:effectLst/>
+              <a:latin typeface="-apple-system"/>
+            </a:endParaRPr>
+          </a:p>
+          <a:p>
+            <a:r>
+              <a:rPr lang="zh-CN" altLang="en-US" b="0" i="0" dirty="0">
+                <a:solidFill>
+                  <a:srgbClr val="24292E"/>
+                </a:solidFill>
+                <a:effectLst/>
+                <a:latin typeface="-apple-system"/>
+              </a:rPr>
+              <a:t>轰卧冲</a:t>
+            </a:r>
+            <a:r>
+              <a:rPr lang="en-US" altLang="zh-CN" b="0" i="0" dirty="0">
+                <a:solidFill>
+                  <a:srgbClr val="24292E"/>
+                </a:solidFill>
+                <a:effectLst/>
+                <a:latin typeface="-apple-system"/>
+              </a:rPr>
+              <a:t>-&gt;</a:t>
+            </a:r>
+            <a:r>
+              <a:rPr lang="zh-CN" altLang="en-US" b="0" i="0" dirty="0">
+                <a:solidFill>
+                  <a:srgbClr val="24292E"/>
+                </a:solidFill>
+                <a:effectLst/>
+                <a:latin typeface="-apple-system"/>
+              </a:rPr>
+              <a:t>岩斩灭碎阵</a:t>
+            </a:r>
+            <a:endParaRPr lang="en-US" altLang="zh-CN" b="0" i="0" dirty="0">
+              <a:solidFill>
+                <a:srgbClr val="24292E"/>
+              </a:solidFill>
+              <a:effectLst/>
+              <a:latin typeface="-apple-system"/>
+            </a:endParaRPr>
+          </a:p>
+          <a:p>
+            <a:r>
+              <a:rPr lang="zh-CN" altLang="en-US" b="0" i="0" dirty="0">
+                <a:solidFill>
+                  <a:srgbClr val="24292E"/>
+                </a:solidFill>
+                <a:effectLst/>
+                <a:latin typeface="-apple-system"/>
+              </a:rPr>
+              <a:t>弧月</a:t>
+            </a:r>
+            <a:r>
+              <a:rPr lang="en-US" altLang="zh-CN" b="0" i="0" dirty="0">
+                <a:solidFill>
+                  <a:srgbClr val="24292E"/>
+                </a:solidFill>
+                <a:effectLst/>
+                <a:latin typeface="-apple-system"/>
+              </a:rPr>
+              <a:t>-&gt;</a:t>
+            </a:r>
+            <a:r>
+              <a:rPr lang="zh-CN" altLang="en-US" b="0" i="0" dirty="0">
+                <a:solidFill>
+                  <a:srgbClr val="24292E"/>
+                </a:solidFill>
+                <a:effectLst/>
+                <a:latin typeface="-apple-system"/>
+              </a:rPr>
+              <a:t>弧空月破</a:t>
+            </a:r>
+            <a:endParaRPr lang="zh-CN" altLang="en-US" dirty="0"/>
+          </a:p>
+        </p:txBody>
+      </p:sp>
+      <p:sp>
+        <p:nvSpPr>
+          <p:cNvPr id="8" name="文本框 7">
+            <a:extLst>
+              <a:ext uri="{FF2B5EF4-FFF2-40B4-BE49-F238E27FC236}">
+                <a16:creationId xmlns:a16="http://schemas.microsoft.com/office/drawing/2014/main" id="{2B5E638F-EF07-47FE-9FF9-30C400335678}"/>
+              </a:ext>
+            </a:extLst>
+          </p:cNvPr>
+          <p:cNvSpPr txBox="1"/>
+          <p:nvPr/>
+        </p:nvSpPr>
+        <p:spPr>
+          <a:xfrm>
+            <a:off x="6976152" y="1867096"/>
+            <a:ext cx="1107996" cy="1477328"/>
+          </a:xfrm>
+          <a:prstGeom prst="rect">
+            <a:avLst/>
+          </a:prstGeom>
+          <a:noFill/>
+        </p:spPr>
+        <p:txBody>
+          <a:bodyPr wrap="none" rtlCol="0">
+            <a:spAutoFit/>
+          </a:bodyPr>
+          <a:lstStyle/>
+          <a:p>
+            <a:r>
+              <a:rPr lang="zh-CN" altLang="en-US" dirty="0"/>
+              <a:t>位移：</a:t>
+            </a:r>
+            <a:endParaRPr lang="en-US" altLang="zh-CN" dirty="0"/>
+          </a:p>
+          <a:p>
+            <a:r>
+              <a:rPr lang="zh-CN" altLang="en-US" b="1" i="0" dirty="0">
+                <a:solidFill>
+                  <a:srgbClr val="24292E"/>
+                </a:solidFill>
+                <a:effectLst/>
+                <a:latin typeface="-apple-system"/>
+              </a:rPr>
+              <a:t>狮子</a:t>
+            </a:r>
+            <a:r>
+              <a:rPr lang="zh-CN" altLang="en-US" b="0" i="0" dirty="0">
+                <a:solidFill>
+                  <a:srgbClr val="24292E"/>
+                </a:solidFill>
+                <a:effectLst/>
+                <a:latin typeface="-apple-system"/>
+              </a:rPr>
+              <a:t>战吼</a:t>
+            </a:r>
+            <a:endParaRPr lang="en-US" altLang="zh-CN" b="0" i="0" dirty="0">
+              <a:solidFill>
+                <a:srgbClr val="24292E"/>
+              </a:solidFill>
+              <a:effectLst/>
+              <a:latin typeface="-apple-system"/>
+            </a:endParaRPr>
+          </a:p>
+          <a:p>
+            <a:r>
+              <a:rPr lang="zh-CN" altLang="en-US" b="0" i="0" dirty="0">
+                <a:solidFill>
+                  <a:srgbClr val="24292E"/>
+                </a:solidFill>
+                <a:effectLst/>
+                <a:latin typeface="-apple-system"/>
+              </a:rPr>
+              <a:t>石火袭</a:t>
+            </a:r>
+            <a:endParaRPr lang="en-US" altLang="zh-CN" dirty="0">
+              <a:solidFill>
+                <a:srgbClr val="24292E"/>
+              </a:solidFill>
+              <a:latin typeface="-apple-system"/>
+            </a:endParaRPr>
+          </a:p>
+          <a:p>
+            <a:r>
+              <a:rPr lang="zh-CN" altLang="en-US" b="0" i="0" dirty="0">
+                <a:solidFill>
+                  <a:srgbClr val="24292E"/>
+                </a:solidFill>
+                <a:effectLst/>
+                <a:latin typeface="-apple-system"/>
+              </a:rPr>
+              <a:t>月穿吼</a:t>
+            </a:r>
+            <a:endParaRPr lang="en-US" altLang="zh-CN" b="0" i="0" dirty="0">
+              <a:solidFill>
+                <a:srgbClr val="24292E"/>
+              </a:solidFill>
+              <a:effectLst/>
+              <a:latin typeface="-apple-system"/>
+            </a:endParaRPr>
+          </a:p>
+          <a:p>
+            <a:r>
+              <a:rPr lang="zh-CN" altLang="en-US" b="0" i="0" dirty="0">
+                <a:solidFill>
+                  <a:srgbClr val="24292E"/>
+                </a:solidFill>
+                <a:effectLst/>
+                <a:latin typeface="-apple-system"/>
+              </a:rPr>
+              <a:t>冰葬华</a:t>
+            </a:r>
+            <a:endParaRPr lang="en-US" altLang="zh-CN" dirty="0">
+              <a:solidFill>
+                <a:srgbClr val="24292E"/>
+              </a:solidFill>
+              <a:latin typeface="-apple-system"/>
+            </a:endParaRPr>
+          </a:p>
+        </p:txBody>
+      </p:sp>
+      <p:sp>
+        <p:nvSpPr>
+          <p:cNvPr id="9" name="文本框 8">
+            <a:extLst>
+              <a:ext uri="{FF2B5EF4-FFF2-40B4-BE49-F238E27FC236}">
+                <a16:creationId xmlns:a16="http://schemas.microsoft.com/office/drawing/2014/main" id="{8B61CC52-66C5-45EB-AC3F-DBFC89096537}"/>
+              </a:ext>
+            </a:extLst>
+          </p:cNvPr>
+          <p:cNvSpPr txBox="1"/>
+          <p:nvPr/>
+        </p:nvSpPr>
+        <p:spPr>
+          <a:xfrm>
+            <a:off x="7006975" y="4454923"/>
+            <a:ext cx="1569660" cy="369332"/>
+          </a:xfrm>
+          <a:prstGeom prst="rect">
+            <a:avLst/>
+          </a:prstGeom>
+          <a:noFill/>
+        </p:spPr>
+        <p:txBody>
+          <a:bodyPr wrap="none" rtlCol="0">
+            <a:spAutoFit/>
+          </a:bodyPr>
+          <a:lstStyle/>
+          <a:p>
+            <a:r>
+              <a:rPr lang="zh-CN" altLang="en-US" dirty="0"/>
+              <a:t>其他地面招式</a:t>
+            </a:r>
+          </a:p>
+        </p:txBody>
+      </p:sp>
+      <p:sp>
+        <p:nvSpPr>
+          <p:cNvPr id="10" name="文本框 9">
+            <a:extLst>
+              <a:ext uri="{FF2B5EF4-FFF2-40B4-BE49-F238E27FC236}">
+                <a16:creationId xmlns:a16="http://schemas.microsoft.com/office/drawing/2014/main" id="{7096920D-8336-42F9-8ACA-446C67DA4FB7}"/>
+              </a:ext>
+            </a:extLst>
+          </p:cNvPr>
+          <p:cNvSpPr txBox="1"/>
+          <p:nvPr/>
+        </p:nvSpPr>
+        <p:spPr>
+          <a:xfrm>
+            <a:off x="1204613" y="4167734"/>
+            <a:ext cx="4785221" cy="1477328"/>
+          </a:xfrm>
+          <a:prstGeom prst="rect">
+            <a:avLst/>
+          </a:prstGeom>
+          <a:noFill/>
+        </p:spPr>
+        <p:txBody>
+          <a:bodyPr wrap="none" rtlCol="0">
+            <a:spAutoFit/>
+          </a:bodyPr>
+          <a:lstStyle/>
+          <a:p>
+            <a:r>
+              <a:rPr lang="zh-CN" altLang="en-US" b="0" i="0" dirty="0">
+                <a:solidFill>
+                  <a:srgbClr val="24292E"/>
+                </a:solidFill>
+                <a:effectLst/>
+                <a:latin typeface="-apple-system"/>
+              </a:rPr>
+              <a:t>空战：</a:t>
+            </a:r>
+            <a:endParaRPr lang="en-US" altLang="zh-CN" b="0" i="0" dirty="0">
+              <a:solidFill>
+                <a:srgbClr val="24292E"/>
+              </a:solidFill>
+              <a:effectLst/>
+              <a:latin typeface="-apple-system"/>
+            </a:endParaRPr>
+          </a:p>
+          <a:p>
+            <a:r>
+              <a:rPr lang="zh-CN" altLang="en-US" b="0" i="0" dirty="0">
+                <a:solidFill>
+                  <a:srgbClr val="24292E"/>
+                </a:solidFill>
+                <a:effectLst/>
+                <a:latin typeface="-apple-system"/>
+              </a:rPr>
+              <a:t>升空：风斩，</a:t>
+            </a:r>
+            <a:r>
+              <a:rPr lang="zh-CN" altLang="en-US" b="1" i="0" dirty="0">
+                <a:solidFill>
+                  <a:srgbClr val="24292E"/>
+                </a:solidFill>
+                <a:effectLst/>
+                <a:latin typeface="-apple-system"/>
+              </a:rPr>
+              <a:t>狮吼</a:t>
+            </a:r>
+            <a:r>
+              <a:rPr lang="zh-CN" altLang="en-US" b="0" i="0" dirty="0">
+                <a:solidFill>
+                  <a:srgbClr val="24292E"/>
+                </a:solidFill>
+                <a:effectLst/>
+                <a:latin typeface="-apple-system"/>
+              </a:rPr>
+              <a:t>崩坠击</a:t>
+            </a:r>
+          </a:p>
+          <a:p>
+            <a:r>
+              <a:rPr lang="zh-CN" altLang="en-US" b="0" i="0" dirty="0">
+                <a:solidFill>
+                  <a:srgbClr val="24292E"/>
+                </a:solidFill>
+                <a:effectLst/>
+                <a:latin typeface="-apple-system"/>
+              </a:rPr>
+              <a:t>空中：</a:t>
+            </a:r>
+            <a:r>
+              <a:rPr lang="zh-CN" altLang="en-US" b="1" i="0" dirty="0">
+                <a:solidFill>
+                  <a:srgbClr val="24292E"/>
+                </a:solidFill>
+                <a:effectLst/>
+                <a:latin typeface="-apple-system"/>
+              </a:rPr>
+              <a:t>狮子</a:t>
+            </a:r>
+            <a:r>
+              <a:rPr lang="zh-CN" altLang="en-US" b="0" i="0" dirty="0">
+                <a:solidFill>
+                  <a:srgbClr val="24292E"/>
+                </a:solidFill>
+                <a:effectLst/>
+                <a:latin typeface="-apple-system"/>
+              </a:rPr>
+              <a:t>战坠，袭迅脚，闪空裂破</a:t>
+            </a:r>
+          </a:p>
+          <a:p>
+            <a:r>
+              <a:rPr lang="zh-CN" altLang="en-US" b="0" i="0" dirty="0">
+                <a:solidFill>
+                  <a:srgbClr val="24292E"/>
+                </a:solidFill>
+                <a:effectLst/>
+                <a:latin typeface="-apple-system"/>
+              </a:rPr>
+              <a:t>落地：舞迅蹴</a:t>
+            </a:r>
+            <a:r>
+              <a:rPr lang="en-US" altLang="zh-CN" b="0" i="0" dirty="0">
+                <a:solidFill>
+                  <a:srgbClr val="24292E"/>
+                </a:solidFill>
+                <a:effectLst/>
+                <a:latin typeface="-apple-system"/>
+              </a:rPr>
+              <a:t>(1AG)</a:t>
+            </a:r>
+            <a:r>
+              <a:rPr lang="zh-CN" altLang="en-US" b="0" i="0" dirty="0">
+                <a:solidFill>
+                  <a:srgbClr val="24292E"/>
+                </a:solidFill>
+                <a:effectLst/>
+                <a:latin typeface="-apple-system"/>
+              </a:rPr>
+              <a:t>，风迅爆裂冲</a:t>
+            </a:r>
+            <a:r>
+              <a:rPr lang="en-US" altLang="zh-CN" b="0" i="0" dirty="0">
+                <a:solidFill>
+                  <a:srgbClr val="24292E"/>
+                </a:solidFill>
+                <a:effectLst/>
+                <a:latin typeface="-apple-system"/>
+              </a:rPr>
+              <a:t>(</a:t>
+            </a:r>
+            <a:r>
+              <a:rPr lang="zh-CN" altLang="en-US" b="0" i="0" dirty="0">
+                <a:solidFill>
+                  <a:srgbClr val="24292E"/>
+                </a:solidFill>
+                <a:effectLst/>
+                <a:latin typeface="-apple-system"/>
+              </a:rPr>
+              <a:t>原地下落</a:t>
+            </a:r>
+            <a:r>
+              <a:rPr lang="en-US" altLang="zh-CN" b="0" i="0" dirty="0">
+                <a:solidFill>
+                  <a:srgbClr val="24292E"/>
+                </a:solidFill>
+                <a:effectLst/>
+                <a:latin typeface="-apple-system"/>
+              </a:rPr>
+              <a:t>)</a:t>
+            </a:r>
+            <a:r>
+              <a:rPr lang="zh-CN" altLang="en-US" b="0" i="0" dirty="0">
+                <a:solidFill>
+                  <a:srgbClr val="24292E"/>
+                </a:solidFill>
+                <a:effectLst/>
+                <a:latin typeface="-apple-system"/>
+              </a:rPr>
+              <a:t>，</a:t>
+            </a:r>
+            <a:endParaRPr lang="en-US" altLang="zh-CN" b="0" i="0" dirty="0">
+              <a:solidFill>
+                <a:srgbClr val="24292E"/>
+              </a:solidFill>
+              <a:effectLst/>
+              <a:latin typeface="-apple-system"/>
+            </a:endParaRPr>
+          </a:p>
+          <a:p>
+            <a:r>
+              <a:rPr lang="zh-CN" altLang="en-US" b="0" i="0" dirty="0">
+                <a:solidFill>
+                  <a:srgbClr val="24292E"/>
+                </a:solidFill>
+                <a:effectLst/>
+                <a:latin typeface="-apple-system"/>
+              </a:rPr>
+              <a:t>风雪华</a:t>
+            </a:r>
+            <a:r>
+              <a:rPr lang="en-US" altLang="zh-CN" b="0" i="0" dirty="0">
+                <a:solidFill>
+                  <a:srgbClr val="24292E"/>
+                </a:solidFill>
+                <a:effectLst/>
+                <a:latin typeface="-apple-system"/>
+              </a:rPr>
+              <a:t>(</a:t>
+            </a:r>
+            <a:r>
+              <a:rPr lang="zh-CN" altLang="en-US" b="0" i="0" dirty="0">
+                <a:solidFill>
+                  <a:srgbClr val="24292E"/>
+                </a:solidFill>
+                <a:effectLst/>
+                <a:latin typeface="-apple-system"/>
+              </a:rPr>
+              <a:t>斜下方落地</a:t>
+            </a:r>
+            <a:r>
+              <a:rPr lang="en-US" altLang="zh-CN" b="0" i="0" dirty="0">
+                <a:solidFill>
+                  <a:srgbClr val="24292E"/>
+                </a:solidFill>
+                <a:effectLst/>
+                <a:latin typeface="-apple-system"/>
+              </a:rPr>
+              <a:t>)</a:t>
+            </a:r>
+          </a:p>
+        </p:txBody>
+      </p:sp>
+      <p:sp>
+        <p:nvSpPr>
+          <p:cNvPr id="11" name="文本框 10">
+            <a:extLst>
+              <a:ext uri="{FF2B5EF4-FFF2-40B4-BE49-F238E27FC236}">
+                <a16:creationId xmlns:a16="http://schemas.microsoft.com/office/drawing/2014/main" id="{94CDCC93-67B4-43C2-8784-384AACEFAAD2}"/>
+              </a:ext>
+            </a:extLst>
+          </p:cNvPr>
+          <p:cNvSpPr txBox="1"/>
+          <p:nvPr/>
+        </p:nvSpPr>
+        <p:spPr>
+          <a:xfrm>
+            <a:off x="5205005" y="3652933"/>
+            <a:ext cx="1569660" cy="646331"/>
+          </a:xfrm>
+          <a:prstGeom prst="rect">
+            <a:avLst/>
+          </a:prstGeom>
+          <a:solidFill>
+            <a:schemeClr val="bg1"/>
+          </a:solidFill>
+        </p:spPr>
+        <p:txBody>
+          <a:bodyPr wrap="none" rtlCol="0">
+            <a:spAutoFit/>
+          </a:bodyPr>
+          <a:lstStyle/>
+          <a:p>
+            <a:r>
+              <a:rPr lang="zh-CN" altLang="en-US" b="1" dirty="0"/>
+              <a:t>狮子</a:t>
+            </a:r>
+            <a:r>
+              <a:rPr lang="zh-CN" altLang="en-US" dirty="0"/>
+              <a:t>系列：</a:t>
+            </a:r>
+            <a:endParaRPr lang="en-US" altLang="zh-CN" dirty="0"/>
+          </a:p>
+          <a:p>
+            <a:r>
+              <a:rPr lang="zh-CN" altLang="en-US" dirty="0"/>
+              <a:t>往往性能较好</a:t>
+            </a:r>
+          </a:p>
+        </p:txBody>
+      </p:sp>
+    </p:spTree>
+    <p:extLst>
+      <p:ext uri="{BB962C8B-B14F-4D97-AF65-F5344CB8AC3E}">
+        <p14:creationId xmlns:p14="http://schemas.microsoft.com/office/powerpoint/2010/main" val="1543142431"/>
+      </p:ext>
+    </p:extLst>
+  </p:cSld>
+  <p:clrMapOvr>
+    <a:masterClrMapping/>
+  </p:clrMapOvr>
+</p:sld>
+</file>
+
 <file path=ppt/slides/slide2.xml><?xml version="1.0" encoding="utf-8"?>
 <p:sld xmlns:a="http://schemas.openxmlformats.org/drawingml/2006/main" xmlns:r="http://schemas.openxmlformats.org/officeDocument/2006/relationships" xmlns:p="http://schemas.openxmlformats.org/presentationml/2006/main">
   <p:cSld>
@@ -9984,7 +11849,7 @@
           <p:cNvPr id="2" name="标题 1">
             <a:extLst>
               <a:ext uri="{FF2B5EF4-FFF2-40B4-BE49-F238E27FC236}">
-                <a16:creationId xmlns:a16="http://schemas.microsoft.com/office/drawing/2014/main" id="{BDDCA0CD-BECB-41F9-921C-F839C4ABCC6B}"/>
+                <a16:creationId xmlns:a16="http://schemas.microsoft.com/office/drawing/2014/main" id="{A2BFD830-B67B-4657-89B6-95B9E6B73FB0}"/>
               </a:ext>
             </a:extLst>
           </p:cNvPr>
@@ -10002,17 +11867,17 @@
           <a:p>
             <a:r>
               <a:rPr lang="zh-CN" altLang="en-US" dirty="0"/>
-              <a:t>洛的招式分类</a:t>
+              <a:t>希侬的招式分类</a:t>
             </a:r>
           </a:p>
         </p:txBody>
       </p:sp>
       <p:cxnSp>
         <p:nvCxnSpPr>
-          <p:cNvPr id="4" name="直接连接符 3">
-            <a:extLst>
-              <a:ext uri="{FF2B5EF4-FFF2-40B4-BE49-F238E27FC236}">
-                <a16:creationId xmlns:a16="http://schemas.microsoft.com/office/drawing/2014/main" id="{FEA27CE9-705E-4EB6-AA45-4A7C7904E3DC}"/>
+          <p:cNvPr id="3" name="直接连接符 2">
+            <a:extLst>
+              <a:ext uri="{FF2B5EF4-FFF2-40B4-BE49-F238E27FC236}">
+                <a16:creationId xmlns:a16="http://schemas.microsoft.com/office/drawing/2014/main" id="{5AC67411-9ED7-468F-8134-D877D5E241C2}"/>
               </a:ext>
             </a:extLst>
           </p:cNvPr>
@@ -10050,10 +11915,10 @@
       </p:cxnSp>
       <p:cxnSp>
         <p:nvCxnSpPr>
-          <p:cNvPr id="6" name="直接连接符 5">
-            <a:extLst>
-              <a:ext uri="{FF2B5EF4-FFF2-40B4-BE49-F238E27FC236}">
-                <a16:creationId xmlns:a16="http://schemas.microsoft.com/office/drawing/2014/main" id="{8884567A-1CEA-422B-982A-1A4293D37859}"/>
+          <p:cNvPr id="4" name="直接连接符 3">
+            <a:extLst>
+              <a:ext uri="{FF2B5EF4-FFF2-40B4-BE49-F238E27FC236}">
+                <a16:creationId xmlns:a16="http://schemas.microsoft.com/office/drawing/2014/main" id="{DDF02953-8970-4797-B137-5A1E142F6313}"/>
               </a:ext>
             </a:extLst>
           </p:cNvPr>
@@ -10091,10 +11956,10 @@
       </p:cxnSp>
       <p:cxnSp>
         <p:nvCxnSpPr>
-          <p:cNvPr id="8" name="直接连接符 7">
-            <a:extLst>
-              <a:ext uri="{FF2B5EF4-FFF2-40B4-BE49-F238E27FC236}">
-                <a16:creationId xmlns:a16="http://schemas.microsoft.com/office/drawing/2014/main" id="{2840AE90-4AA9-44DC-898F-B407CA12B71A}"/>
+          <p:cNvPr id="5" name="直接连接符 4">
+            <a:extLst>
+              <a:ext uri="{FF2B5EF4-FFF2-40B4-BE49-F238E27FC236}">
+                <a16:creationId xmlns:a16="http://schemas.microsoft.com/office/drawing/2014/main" id="{7A1E4976-F49D-43F5-AE36-9D25B01EB814}"/>
               </a:ext>
             </a:extLst>
           </p:cNvPr>
@@ -10134,10 +11999,10 @@
       </p:cxnSp>
       <p:sp>
         <p:nvSpPr>
-          <p:cNvPr id="12" name="文本框 11">
-            <a:extLst>
-              <a:ext uri="{FF2B5EF4-FFF2-40B4-BE49-F238E27FC236}">
-                <a16:creationId xmlns:a16="http://schemas.microsoft.com/office/drawing/2014/main" id="{B78DA853-0801-470E-8513-37BF65341B7F}"/>
+          <p:cNvPr id="6" name="文本框 5">
+            <a:extLst>
+              <a:ext uri="{FF2B5EF4-FFF2-40B4-BE49-F238E27FC236}">
+                <a16:creationId xmlns:a16="http://schemas.microsoft.com/office/drawing/2014/main" id="{63751AEA-17E2-4254-BB74-9D106630AF0C}"/>
               </a:ext>
             </a:extLst>
           </p:cNvPr>
@@ -10146,8 +12011,8 @@
         </p:nvSpPr>
         <p:spPr>
           <a:xfrm>
-            <a:off x="1315093" y="2263984"/>
-            <a:ext cx="1107996" cy="461665"/>
+            <a:off x="2424701" y="2533117"/>
+            <a:ext cx="1107996" cy="369332"/>
           </a:xfrm>
           <a:prstGeom prst="rect">
             <a:avLst/>
@@ -10161,18 +12026,18 @@
           <a:lstStyle/>
           <a:p>
             <a:r>
-              <a:rPr lang="zh-CN" altLang="en-US" sz="2400" dirty="0"/>
-              <a:t>输出用</a:t>
-            </a:r>
-          </a:p>
-        </p:txBody>
-      </p:sp>
-      <p:sp>
-        <p:nvSpPr>
-          <p:cNvPr id="13" name="文本框 12">
-            <a:extLst>
-              <a:ext uri="{FF2B5EF4-FFF2-40B4-BE49-F238E27FC236}">
-                <a16:creationId xmlns:a16="http://schemas.microsoft.com/office/drawing/2014/main" id="{5A70BF72-12FC-4C85-B9D4-5B71847E3B5E}"/>
+              <a:rPr lang="zh-CN" altLang="en-US" dirty="0"/>
+              <a:t>普通战技</a:t>
+            </a:r>
+          </a:p>
+        </p:txBody>
+      </p:sp>
+      <p:sp>
+        <p:nvSpPr>
+          <p:cNvPr id="7" name="文本框 6">
+            <a:extLst>
+              <a:ext uri="{FF2B5EF4-FFF2-40B4-BE49-F238E27FC236}">
+                <a16:creationId xmlns:a16="http://schemas.microsoft.com/office/drawing/2014/main" id="{E58FFF5F-6E12-4B26-AD9E-1E8D54E2F607}"/>
               </a:ext>
             </a:extLst>
           </p:cNvPr>
@@ -10181,8 +12046,8 @@
         </p:nvSpPr>
         <p:spPr>
           <a:xfrm>
-            <a:off x="9768912" y="2263984"/>
-            <a:ext cx="1107996" cy="461665"/>
+            <a:off x="7161087" y="2266930"/>
+            <a:ext cx="3647152" cy="646331"/>
           </a:xfrm>
           <a:prstGeom prst="rect">
             <a:avLst/>
@@ -10196,18 +12061,25 @@
           <a:lstStyle/>
           <a:p>
             <a:r>
-              <a:rPr lang="zh-CN" altLang="en-US" sz="2400" dirty="0"/>
-              <a:t>连段用</a:t>
-            </a:r>
-          </a:p>
-        </p:txBody>
-      </p:sp>
-      <p:sp>
-        <p:nvSpPr>
-          <p:cNvPr id="14" name="文本框 13">
-            <a:extLst>
-              <a:ext uri="{FF2B5EF4-FFF2-40B4-BE49-F238E27FC236}">
-                <a16:creationId xmlns:a16="http://schemas.microsoft.com/office/drawing/2014/main" id="{070BAAC1-6272-4090-A4BA-4485171911A5}"/>
+              <a:rPr lang="zh-CN" altLang="en-US" dirty="0"/>
+              <a:t>炸弹技能：</a:t>
+            </a:r>
+            <a:endParaRPr lang="en-US" altLang="zh-CN" dirty="0"/>
+          </a:p>
+          <a:p>
+            <a:r>
+              <a:rPr lang="zh-CN" altLang="en-US" dirty="0"/>
+              <a:t>长按可消耗特殊弹药使用进阶形态</a:t>
+            </a:r>
+          </a:p>
+        </p:txBody>
+      </p:sp>
+      <p:sp>
+        <p:nvSpPr>
+          <p:cNvPr id="8" name="文本框 7">
+            <a:extLst>
+              <a:ext uri="{FF2B5EF4-FFF2-40B4-BE49-F238E27FC236}">
+                <a16:creationId xmlns:a16="http://schemas.microsoft.com/office/drawing/2014/main" id="{FC07481E-0346-41C8-AF89-46D555B5F4E0}"/>
               </a:ext>
             </a:extLst>
           </p:cNvPr>
@@ -10216,8 +12088,8 @@
         </p:nvSpPr>
         <p:spPr>
           <a:xfrm>
-            <a:off x="2270589" y="6127067"/>
-            <a:ext cx="1723549" cy="461665"/>
+            <a:off x="4614808" y="4732811"/>
+            <a:ext cx="2073003" cy="1477328"/>
           </a:xfrm>
           <a:prstGeom prst="rect">
             <a:avLst/>
@@ -10231,18 +12103,233 @@
           <a:lstStyle/>
           <a:p>
             <a:r>
-              <a:rPr lang="zh-CN" altLang="en-US" sz="2400" dirty="0"/>
-              <a:t>衔接位移用</a:t>
-            </a:r>
-          </a:p>
-        </p:txBody>
-      </p:sp>
-      <p:sp>
-        <p:nvSpPr>
-          <p:cNvPr id="15" name="文本框 14">
-            <a:extLst>
-              <a:ext uri="{FF2B5EF4-FFF2-40B4-BE49-F238E27FC236}">
-                <a16:creationId xmlns:a16="http://schemas.microsoft.com/office/drawing/2014/main" id="{123D45C3-8BCB-4AF8-B401-38E81E446102}"/>
+              <a:rPr lang="zh-CN" altLang="en-US" dirty="0"/>
+              <a:t>治疗术</a:t>
+            </a:r>
+            <a:endParaRPr lang="en-US" altLang="zh-CN" dirty="0"/>
+          </a:p>
+          <a:p>
+            <a:endParaRPr lang="en-US" altLang="zh-CN" dirty="0"/>
+          </a:p>
+          <a:p>
+            <a:r>
+              <a:rPr lang="zh-CN" altLang="en-US" dirty="0"/>
+              <a:t>攻击法术：</a:t>
+            </a:r>
+            <a:endParaRPr lang="en-US" altLang="zh-CN" dirty="0"/>
+          </a:p>
+          <a:p>
+            <a:r>
+              <a:rPr lang="zh-CN" altLang="en-US" dirty="0"/>
+              <a:t>火属性：</a:t>
+            </a:r>
+            <a:r>
+              <a:rPr lang="en-US" altLang="zh-CN" dirty="0"/>
+              <a:t>2AG-4AG</a:t>
+            </a:r>
+          </a:p>
+          <a:p>
+            <a:r>
+              <a:rPr lang="zh-CN" altLang="en-US" dirty="0"/>
+              <a:t>水属性：</a:t>
+            </a:r>
+            <a:r>
+              <a:rPr lang="en-US" altLang="zh-CN" dirty="0"/>
+              <a:t>2AG</a:t>
+            </a:r>
+            <a:endParaRPr lang="zh-CN" altLang="en-US" dirty="0"/>
+          </a:p>
+        </p:txBody>
+      </p:sp>
+    </p:spTree>
+    <p:extLst>
+      <p:ext uri="{BB962C8B-B14F-4D97-AF65-F5344CB8AC3E}">
+        <p14:creationId xmlns:p14="http://schemas.microsoft.com/office/powerpoint/2010/main" val="3286365879"/>
+      </p:ext>
+    </p:extLst>
+  </p:cSld>
+  <p:clrMapOvr>
+    <a:masterClrMapping/>
+  </p:clrMapOvr>
+</p:sld>
+</file>
+
+<file path=ppt/slides/slide9.xml><?xml version="1.0" encoding="utf-8"?>
+<p:sld xmlns:a="http://schemas.openxmlformats.org/drawingml/2006/main" xmlns:r="http://schemas.openxmlformats.org/officeDocument/2006/relationships" xmlns:p="http://schemas.openxmlformats.org/presentationml/2006/main">
+  <p:cSld>
+    <p:spTree>
+      <p:nvGrpSpPr>
+        <p:cNvPr id="1" name=""/>
+        <p:cNvGrpSpPr/>
+        <p:nvPr/>
+      </p:nvGrpSpPr>
+      <p:grpSpPr>
+        <a:xfrm>
+          <a:off x="0" y="0"/>
+          <a:ext cx="0" cy="0"/>
+          <a:chOff x="0" y="0"/>
+          <a:chExt cx="0" cy="0"/>
+        </a:xfrm>
+      </p:grpSpPr>
+      <p:sp>
+        <p:nvSpPr>
+          <p:cNvPr id="2" name="标题 1">
+            <a:extLst>
+              <a:ext uri="{FF2B5EF4-FFF2-40B4-BE49-F238E27FC236}">
+                <a16:creationId xmlns:a16="http://schemas.microsoft.com/office/drawing/2014/main" id="{9C23BCFB-5F14-4496-8A02-355C26F7F1E7}"/>
+              </a:ext>
+            </a:extLst>
+          </p:cNvPr>
+          <p:cNvSpPr>
+            <a:spLocks noGrp="1"/>
+          </p:cNvSpPr>
+          <p:nvPr>
+            <p:ph type="title"/>
+          </p:nvPr>
+        </p:nvSpPr>
+        <p:spPr/>
+        <p:txBody>
+          <a:bodyPr/>
+          <a:lstStyle/>
+          <a:p>
+            <a:r>
+              <a:rPr lang="zh-CN" altLang="en-US" dirty="0"/>
+              <a:t>琳薇儿的招式分类</a:t>
+            </a:r>
+          </a:p>
+        </p:txBody>
+      </p:sp>
+      <p:cxnSp>
+        <p:nvCxnSpPr>
+          <p:cNvPr id="3" name="直接连接符 2">
+            <a:extLst>
+              <a:ext uri="{FF2B5EF4-FFF2-40B4-BE49-F238E27FC236}">
+                <a16:creationId xmlns:a16="http://schemas.microsoft.com/office/drawing/2014/main" id="{D4C50FE1-C0A7-45F9-BE90-3CC58EB35151}"/>
+              </a:ext>
+            </a:extLst>
+          </p:cNvPr>
+          <p:cNvCxnSpPr/>
+          <p:nvPr/>
+        </p:nvCxnSpPr>
+        <p:spPr>
+          <a:xfrm>
+            <a:off x="6096000" y="1993187"/>
+            <a:ext cx="0" cy="1952089"/>
+          </a:xfrm>
+          <a:prstGeom prst="line">
+            <a:avLst/>
+          </a:prstGeom>
+          <a:ln w="28575">
+            <a:solidFill>
+              <a:schemeClr val="tx1"/>
+            </a:solidFill>
+          </a:ln>
+        </p:spPr>
+        <p:style>
+          <a:lnRef idx="1">
+            <a:schemeClr val="accent1"/>
+          </a:lnRef>
+          <a:fillRef idx="0">
+            <a:schemeClr val="accent1"/>
+          </a:fillRef>
+          <a:effectRef idx="0">
+            <a:schemeClr val="accent1"/>
+          </a:effectRef>
+          <a:fontRef idx="minor">
+            <a:schemeClr val="tx1"/>
+          </a:fontRef>
+        </p:style>
+      </p:cxnSp>
+      <p:cxnSp>
+        <p:nvCxnSpPr>
+          <p:cNvPr id="4" name="直接连接符 3">
+            <a:extLst>
+              <a:ext uri="{FF2B5EF4-FFF2-40B4-BE49-F238E27FC236}">
+                <a16:creationId xmlns:a16="http://schemas.microsoft.com/office/drawing/2014/main" id="{8063F145-F80D-48EA-AF37-17CC44A4F728}"/>
+              </a:ext>
+            </a:extLst>
+          </p:cNvPr>
+          <p:cNvCxnSpPr/>
+          <p:nvPr/>
+        </p:nvCxnSpPr>
+        <p:spPr>
+          <a:xfrm flipH="1">
+            <a:off x="2270589" y="3955551"/>
+            <a:ext cx="3825411" cy="1910993"/>
+          </a:xfrm>
+          <a:prstGeom prst="line">
+            <a:avLst/>
+          </a:prstGeom>
+          <a:ln w="28575">
+            <a:solidFill>
+              <a:schemeClr val="tx1"/>
+            </a:solidFill>
+          </a:ln>
+        </p:spPr>
+        <p:style>
+          <a:lnRef idx="1">
+            <a:schemeClr val="accent1"/>
+          </a:lnRef>
+          <a:fillRef idx="0">
+            <a:schemeClr val="accent1"/>
+          </a:fillRef>
+          <a:effectRef idx="0">
+            <a:schemeClr val="accent1"/>
+          </a:effectRef>
+          <a:fontRef idx="minor">
+            <a:schemeClr val="tx1"/>
+          </a:fontRef>
+        </p:style>
+      </p:cxnSp>
+      <p:cxnSp>
+        <p:nvCxnSpPr>
+          <p:cNvPr id="5" name="直接连接符 4">
+            <a:extLst>
+              <a:ext uri="{FF2B5EF4-FFF2-40B4-BE49-F238E27FC236}">
+                <a16:creationId xmlns:a16="http://schemas.microsoft.com/office/drawing/2014/main" id="{0C0B13C9-C14A-4C2E-AAC7-C4BAB5569774}"/>
+              </a:ext>
+            </a:extLst>
+          </p:cNvPr>
+          <p:cNvCxnSpPr>
+            <a:cxnSpLocks/>
+          </p:cNvCxnSpPr>
+          <p:nvPr/>
+        </p:nvCxnSpPr>
+        <p:spPr>
+          <a:xfrm>
+            <a:off x="6096000" y="3945276"/>
+            <a:ext cx="3825411" cy="1921268"/>
+          </a:xfrm>
+          <a:prstGeom prst="line">
+            <a:avLst/>
+          </a:prstGeom>
+          <a:ln w="28575">
+            <a:solidFill>
+              <a:schemeClr val="tx1"/>
+            </a:solidFill>
+          </a:ln>
+        </p:spPr>
+        <p:style>
+          <a:lnRef idx="1">
+            <a:schemeClr val="accent1"/>
+          </a:lnRef>
+          <a:fillRef idx="0">
+            <a:schemeClr val="accent1"/>
+          </a:fillRef>
+          <a:effectRef idx="0">
+            <a:schemeClr val="accent1"/>
+          </a:effectRef>
+          <a:fontRef idx="minor">
+            <a:schemeClr val="tx1"/>
+          </a:fontRef>
+        </p:style>
+      </p:cxnSp>
+      <p:sp>
+        <p:nvSpPr>
+          <p:cNvPr id="6" name="文本框 5">
+            <a:extLst>
+              <a:ext uri="{FF2B5EF4-FFF2-40B4-BE49-F238E27FC236}">
+                <a16:creationId xmlns:a16="http://schemas.microsoft.com/office/drawing/2014/main" id="{7F14A121-BEF4-4497-B260-0C1376EA3EF5}"/>
               </a:ext>
             </a:extLst>
           </p:cNvPr>
@@ -10251,8 +12338,8 @@
         </p:nvSpPr>
         <p:spPr>
           <a:xfrm>
-            <a:off x="1919207" y="3105834"/>
-            <a:ext cx="1107996" cy="646331"/>
+            <a:off x="1756881" y="2075379"/>
+            <a:ext cx="3227165" cy="646331"/>
           </a:xfrm>
           <a:prstGeom prst="rect">
             <a:avLst/>
@@ -10267,24 +12354,60 @@
           <a:p>
             <a:r>
               <a:rPr lang="zh-CN" altLang="en-US" dirty="0"/>
-              <a:t>牙砲</a:t>
+              <a:t>战技：</a:t>
             </a:r>
             <a:endParaRPr lang="en-US" altLang="zh-CN" dirty="0"/>
           </a:p>
           <a:p>
             <a:r>
               <a:rPr lang="zh-CN" altLang="en-US" dirty="0"/>
-              <a:t>灭神牙砲</a:t>
-            </a:r>
-          </a:p>
-        </p:txBody>
-      </p:sp>
-      <p:sp>
-        <p:nvSpPr>
-          <p:cNvPr id="16" name="文本框 15">
-            <a:extLst>
-              <a:ext uri="{FF2B5EF4-FFF2-40B4-BE49-F238E27FC236}">
-                <a16:creationId xmlns:a16="http://schemas.microsoft.com/office/drawing/2014/main" id="{081D22EB-636F-4D62-9E4A-AAFD1B4E22D9}"/>
+              <a:t>水</a:t>
+            </a:r>
+            <a:r>
+              <a:rPr lang="en-US" altLang="zh-CN" dirty="0"/>
+              <a:t>/</a:t>
+            </a:r>
+            <a:r>
+              <a:rPr lang="zh-CN" altLang="en-US" dirty="0"/>
+              <a:t>风</a:t>
+            </a:r>
+            <a:r>
+              <a:rPr lang="en-US" altLang="zh-CN" dirty="0"/>
+              <a:t>/</a:t>
+            </a:r>
+            <a:r>
+              <a:rPr lang="zh-CN" altLang="en-US" dirty="0"/>
+              <a:t>光</a:t>
+            </a:r>
+            <a:r>
+              <a:rPr lang="en-US" altLang="zh-CN" dirty="0"/>
+              <a:t>-</a:t>
+            </a:r>
+            <a:r>
+              <a:rPr lang="zh-CN" altLang="en-US" dirty="0"/>
+              <a:t>地面</a:t>
+            </a:r>
+            <a:r>
+              <a:rPr lang="en-US" altLang="zh-CN" dirty="0"/>
+              <a:t>/</a:t>
+            </a:r>
+            <a:r>
+              <a:rPr lang="zh-CN" altLang="en-US" dirty="0"/>
+              <a:t>空中</a:t>
+            </a:r>
+            <a:r>
+              <a:rPr lang="en-US" altLang="zh-CN" dirty="0"/>
+              <a:t>-1AG/2AG</a:t>
+            </a:r>
+          </a:p>
+        </p:txBody>
+      </p:sp>
+      <p:sp>
+        <p:nvSpPr>
+          <p:cNvPr id="7" name="文本框 6">
+            <a:extLst>
+              <a:ext uri="{FF2B5EF4-FFF2-40B4-BE49-F238E27FC236}">
+                <a16:creationId xmlns:a16="http://schemas.microsoft.com/office/drawing/2014/main" id="{3362AFD4-FE29-48C3-B20A-2C4B1BF4B8D0}"/>
               </a:ext>
             </a:extLst>
           </p:cNvPr>
@@ -10293,8 +12416,8 @@
         </p:nvSpPr>
         <p:spPr>
           <a:xfrm>
-            <a:off x="8210048" y="3146476"/>
-            <a:ext cx="2140330" cy="1200329"/>
+            <a:off x="6575460" y="1848485"/>
+            <a:ext cx="5325497" cy="1477328"/>
           </a:xfrm>
           <a:prstGeom prst="rect">
             <a:avLst/>
@@ -10309,61 +12432,106 @@
           <a:p>
             <a:r>
               <a:rPr lang="zh-CN" altLang="en-US" dirty="0"/>
-              <a:t>连牙弹</a:t>
+              <a:t>基础法术</a:t>
+            </a:r>
+            <a:endParaRPr lang="en-US" altLang="zh-CN" dirty="0"/>
+          </a:p>
+          <a:p>
+            <a:r>
+              <a:rPr lang="zh-CN" altLang="en-US" dirty="0"/>
+              <a:t>水：流水蔓延</a:t>
             </a:r>
             <a:r>
               <a:rPr lang="en-US" altLang="zh-CN" dirty="0"/>
-              <a:t>(5hit)</a:t>
-            </a:r>
-          </a:p>
-          <a:p>
+              <a:t>(2AG)-</a:t>
+            </a:r>
             <a:r>
               <a:rPr lang="zh-CN" altLang="en-US" dirty="0"/>
-              <a:t>超连牙弹</a:t>
+              <a:t>大气冰枪</a:t>
             </a:r>
             <a:r>
               <a:rPr lang="en-US" altLang="zh-CN" dirty="0"/>
-              <a:t>(7hit </a:t>
+              <a:t>(3AG)-</a:t>
             </a:r>
             <a:r>
               <a:rPr lang="zh-CN" altLang="en-US" dirty="0"/>
-              <a:t>升空</a:t>
+              <a:t>潮浪汹涌</a:t>
             </a:r>
             <a:r>
               <a:rPr lang="en-US" altLang="zh-CN" dirty="0"/>
-              <a:t>)</a:t>
-            </a:r>
-          </a:p>
-          <a:p>
-            <a:endParaRPr lang="en-US" altLang="zh-CN" dirty="0"/>
+              <a:t>(4AG)</a:t>
+            </a:r>
           </a:p>
           <a:p>
             <a:r>
               <a:rPr lang="zh-CN" altLang="en-US" dirty="0"/>
-              <a:t>牙连脚</a:t>
+              <a:t>风：风压刃</a:t>
             </a:r>
             <a:r>
               <a:rPr lang="en-US" altLang="zh-CN" dirty="0"/>
-              <a:t>(4hit </a:t>
+              <a:t>(2AG)-</a:t>
             </a:r>
             <a:r>
               <a:rPr lang="zh-CN" altLang="en-US" dirty="0"/>
-              <a:t>空中</a:t>
+              <a:t>十字刀刃</a:t>
             </a:r>
             <a:r>
               <a:rPr lang="en-US" altLang="zh-CN" dirty="0"/>
-              <a:t>)</a:t>
-            </a:r>
-            <a:endParaRPr lang="zh-CN" altLang="en-US" dirty="0"/>
-          </a:p>
-        </p:txBody>
-      </p:sp>
-      <p:sp>
-        <p:nvSpPr>
-          <p:cNvPr id="17" name="文本框 16">
-            <a:extLst>
-              <a:ext uri="{FF2B5EF4-FFF2-40B4-BE49-F238E27FC236}">
-                <a16:creationId xmlns:a16="http://schemas.microsoft.com/office/drawing/2014/main" id="{52BEB145-A797-44BF-9E3F-744FD7233935}"/>
+              <a:t>(3AG)-</a:t>
+            </a:r>
+            <a:r>
+              <a:rPr lang="zh-CN" altLang="en-US" dirty="0"/>
+              <a:t>龙卷暴风</a:t>
+            </a:r>
+            <a:r>
+              <a:rPr lang="en-US" altLang="zh-CN" dirty="0"/>
+              <a:t>(4AG)</a:t>
+            </a:r>
+          </a:p>
+          <a:p>
+            <a:r>
+              <a:rPr lang="zh-CN" altLang="en-US" dirty="0"/>
+              <a:t>光：轰雷刃</a:t>
+            </a:r>
+            <a:r>
+              <a:rPr lang="en-US" altLang="zh-CN" dirty="0"/>
+              <a:t>(2AG)-</a:t>
+            </a:r>
+            <a:r>
+              <a:rPr lang="zh-CN" altLang="en-US" dirty="0"/>
+              <a:t>神圣之枪</a:t>
+            </a:r>
+            <a:r>
+              <a:rPr lang="en-US" altLang="zh-CN" dirty="0"/>
+              <a:t>(3AG)-</a:t>
+            </a:r>
+            <a:r>
+              <a:rPr lang="zh-CN" altLang="en-US" dirty="0"/>
+              <a:t>天赐之剑</a:t>
+            </a:r>
+            <a:r>
+              <a:rPr lang="en-US" altLang="zh-CN" dirty="0"/>
+              <a:t>(4AG)</a:t>
+            </a:r>
+          </a:p>
+          <a:p>
+            <a:r>
+              <a:rPr lang="zh-CN" altLang="en-US" dirty="0"/>
+              <a:t>火：怒火强击</a:t>
+            </a:r>
+            <a:r>
+              <a:rPr lang="en-US" altLang="zh-CN" dirty="0"/>
+              <a:t>(2AG)</a:t>
+            </a:r>
+          </a:p>
+        </p:txBody>
+      </p:sp>
+      <p:sp>
+        <p:nvSpPr>
+          <p:cNvPr id="8" name="文本框 7">
+            <a:extLst>
+              <a:ext uri="{FF2B5EF4-FFF2-40B4-BE49-F238E27FC236}">
+                <a16:creationId xmlns:a16="http://schemas.microsoft.com/office/drawing/2014/main" id="{EF05957F-BB41-40E1-A9B5-0B9F7E663751}"/>
               </a:ext>
             </a:extLst>
           </p:cNvPr>
@@ -10372,15 +12540,13 @@
         </p:nvSpPr>
         <p:spPr>
           <a:xfrm>
-            <a:off x="5172510" y="2510657"/>
-            <a:ext cx="1846980" cy="646331"/>
+            <a:off x="4602003" y="4668662"/>
+            <a:ext cx="3406702" cy="1477328"/>
           </a:xfrm>
           <a:prstGeom prst="rect">
             <a:avLst/>
           </a:prstGeom>
-          <a:solidFill>
-            <a:schemeClr val="bg1"/>
-          </a:solidFill>
+          <a:noFill/>
         </p:spPr>
         <p:txBody>
           <a:bodyPr wrap="none" rtlCol="0">
@@ -10390,260 +12556,92 @@
           <a:p>
             <a:r>
               <a:rPr lang="zh-CN" altLang="en-US" dirty="0"/>
-              <a:t>卧狼咆虎</a:t>
+              <a:t>组合法术：</a:t>
+            </a:r>
+            <a:endParaRPr lang="en-US" altLang="zh-CN" dirty="0"/>
+          </a:p>
+          <a:p>
+            <a:r>
+              <a:rPr lang="zh-CN" altLang="en-US" dirty="0"/>
+              <a:t>巨大漩涡</a:t>
             </a:r>
             <a:r>
               <a:rPr lang="en-US" altLang="zh-CN" dirty="0"/>
-              <a:t>(6hit)</a:t>
-            </a:r>
-          </a:p>
-          <a:p>
+              <a:t>=</a:t>
+            </a:r>
             <a:r>
               <a:rPr lang="zh-CN" altLang="en-US" dirty="0"/>
-              <a:t>飞燕连天脚</a:t>
+              <a:t>流水蔓延</a:t>
             </a:r>
             <a:r>
               <a:rPr lang="en-US" altLang="zh-CN" dirty="0"/>
-              <a:t>(5hit)</a:t>
-            </a:r>
-          </a:p>
-        </p:txBody>
-      </p:sp>
-      <p:sp>
-        <p:nvSpPr>
-          <p:cNvPr id="18" name="文本框 17">
-            <a:extLst>
-              <a:ext uri="{FF2B5EF4-FFF2-40B4-BE49-F238E27FC236}">
-                <a16:creationId xmlns:a16="http://schemas.microsoft.com/office/drawing/2014/main" id="{70F9488E-AE33-4495-9086-800623113A2A}"/>
-              </a:ext>
-            </a:extLst>
-          </p:cNvPr>
-          <p:cNvSpPr txBox="1"/>
-          <p:nvPr/>
-        </p:nvSpPr>
-        <p:spPr>
-          <a:xfrm>
-            <a:off x="4765830" y="4743839"/>
-            <a:ext cx="2858475" cy="1477328"/>
-          </a:xfrm>
-          <a:prstGeom prst="rect">
-            <a:avLst/>
-          </a:prstGeom>
-          <a:noFill/>
-        </p:spPr>
-        <p:txBody>
-          <a:bodyPr wrap="none" rtlCol="0">
-            <a:spAutoFit/>
-          </a:bodyPr>
-          <a:lstStyle/>
-          <a:p>
+              <a:t>+</a:t>
+            </a:r>
             <a:r>
               <a:rPr lang="zh-CN" altLang="en-US" dirty="0"/>
-              <a:t>无影掌</a:t>
+              <a:t>十字刀刃</a:t>
+            </a:r>
+            <a:endParaRPr lang="en-US" altLang="zh-CN" dirty="0"/>
+          </a:p>
+          <a:p>
+            <a:r>
+              <a:rPr lang="zh-CN" altLang="en-US" dirty="0"/>
+              <a:t>瞬星射击</a:t>
             </a:r>
             <a:r>
               <a:rPr lang="en-US" altLang="zh-CN" dirty="0"/>
-              <a:t>(</a:t>
+              <a:t>=</a:t>
             </a:r>
             <a:r>
               <a:rPr lang="zh-CN" altLang="en-US" dirty="0"/>
-              <a:t>突进</a:t>
+              <a:t>大气冰枪</a:t>
             </a:r>
             <a:r>
               <a:rPr lang="en-US" altLang="zh-CN" dirty="0"/>
-              <a:t>)</a:t>
-            </a:r>
-          </a:p>
-          <a:p>
+              <a:t>+</a:t>
+            </a:r>
             <a:r>
               <a:rPr lang="zh-CN" altLang="en-US" dirty="0"/>
-              <a:t>卧龙空破</a:t>
+              <a:t>神圣之枪</a:t>
+            </a:r>
+            <a:endParaRPr lang="en-US" altLang="zh-CN" dirty="0"/>
+          </a:p>
+          <a:p>
+            <a:r>
+              <a:rPr lang="zh-CN" altLang="en-US" dirty="0"/>
+              <a:t>陨石风暴</a:t>
             </a:r>
             <a:r>
               <a:rPr lang="en-US" altLang="zh-CN" dirty="0"/>
-              <a:t>(</a:t>
+              <a:t>=</a:t>
             </a:r>
             <a:r>
               <a:rPr lang="zh-CN" altLang="en-US" dirty="0"/>
-              <a:t>升空</a:t>
+              <a:t>怒火强击</a:t>
             </a:r>
             <a:r>
               <a:rPr lang="en-US" altLang="zh-CN" dirty="0"/>
-              <a:t>)</a:t>
-            </a:r>
-          </a:p>
-          <a:p>
+              <a:t>+</a:t>
+            </a:r>
             <a:r>
               <a:rPr lang="zh-CN" altLang="en-US" dirty="0"/>
-              <a:t>飞燕连脚</a:t>
-            </a:r>
-            <a:r>
-              <a:rPr lang="en-US" altLang="zh-CN" dirty="0"/>
-              <a:t>(</a:t>
-            </a:r>
+              <a:t>天赐之剑</a:t>
+            </a:r>
+            <a:endParaRPr lang="en-US" altLang="zh-CN" dirty="0"/>
+          </a:p>
+          <a:p>
             <a:r>
               <a:rPr lang="zh-CN" altLang="en-US" dirty="0"/>
-              <a:t>升空</a:t>
-            </a:r>
-            <a:r>
-              <a:rPr lang="en-US" altLang="zh-CN" dirty="0"/>
-              <a:t>)</a:t>
-            </a:r>
-          </a:p>
-          <a:p>
-            <a:r>
-              <a:rPr lang="zh-CN" altLang="en-US" dirty="0"/>
-              <a:t>鹰爪袭击</a:t>
-            </a:r>
-            <a:r>
-              <a:rPr lang="en-US" altLang="zh-CN" dirty="0"/>
-              <a:t>(</a:t>
-            </a:r>
-            <a:r>
-              <a:rPr lang="zh-CN" altLang="en-US" dirty="0"/>
-              <a:t>落地</a:t>
-            </a:r>
-            <a:r>
-              <a:rPr lang="en-US" altLang="zh-CN" dirty="0"/>
-              <a:t>)</a:t>
-            </a:r>
-          </a:p>
-          <a:p>
-            <a:r>
-              <a:rPr lang="zh-CN" altLang="en-US" dirty="0"/>
-              <a:t>普通攻击第四段</a:t>
-            </a:r>
-            <a:r>
-              <a:rPr lang="en-US" altLang="zh-CN" dirty="0"/>
-              <a:t>(</a:t>
-            </a:r>
-            <a:r>
-              <a:rPr lang="zh-CN" altLang="en-US" dirty="0"/>
-              <a:t>低空升空</a:t>
-            </a:r>
-            <a:r>
-              <a:rPr lang="en-US" altLang="zh-CN" dirty="0"/>
-              <a:t>)</a:t>
-            </a:r>
-            <a:endParaRPr lang="zh-CN" altLang="en-US" dirty="0"/>
-          </a:p>
-        </p:txBody>
-      </p:sp>
-      <p:sp>
-        <p:nvSpPr>
-          <p:cNvPr id="19" name="文本框 18">
-            <a:extLst>
-              <a:ext uri="{FF2B5EF4-FFF2-40B4-BE49-F238E27FC236}">
-                <a16:creationId xmlns:a16="http://schemas.microsoft.com/office/drawing/2014/main" id="{914F50E6-99B9-4FDF-B30C-7706368A08B6}"/>
-              </a:ext>
-            </a:extLst>
-          </p:cNvPr>
-          <p:cNvSpPr txBox="1"/>
-          <p:nvPr/>
-        </p:nvSpPr>
-        <p:spPr>
-          <a:xfrm>
-            <a:off x="7313005" y="4771487"/>
-            <a:ext cx="2608406" cy="646331"/>
-          </a:xfrm>
-          <a:prstGeom prst="rect">
-            <a:avLst/>
-          </a:prstGeom>
-          <a:solidFill>
-            <a:schemeClr val="bg1"/>
-          </a:solidFill>
-        </p:spPr>
-        <p:txBody>
-          <a:bodyPr wrap="none" rtlCol="0">
-            <a:spAutoFit/>
-          </a:bodyPr>
-          <a:lstStyle/>
-          <a:p>
-            <a:r>
-              <a:rPr lang="zh-CN" altLang="en-US" dirty="0"/>
-              <a:t>散华猛袭脚</a:t>
-            </a:r>
-            <a:r>
-              <a:rPr lang="en-US" altLang="zh-CN" dirty="0"/>
-              <a:t>(4-5hit </a:t>
-            </a:r>
-            <a:r>
-              <a:rPr lang="zh-CN" altLang="en-US" dirty="0"/>
-              <a:t>落地</a:t>
-            </a:r>
-            <a:r>
-              <a:rPr lang="en-US" altLang="zh-CN" dirty="0"/>
-              <a:t>)</a:t>
-            </a:r>
-          </a:p>
-          <a:p>
-            <a:r>
-              <a:rPr lang="zh-CN" altLang="en-US" dirty="0"/>
-              <a:t>鹰爪落瀑蹴</a:t>
-            </a:r>
-            <a:r>
-              <a:rPr lang="en-US" altLang="zh-CN" dirty="0"/>
-              <a:t>(4hit </a:t>
-            </a:r>
-            <a:r>
-              <a:rPr lang="zh-CN" altLang="en-US" dirty="0"/>
-              <a:t>落地</a:t>
-            </a:r>
-            <a:r>
-              <a:rPr lang="en-US" altLang="zh-CN" dirty="0"/>
-              <a:t>)</a:t>
-            </a:r>
-            <a:endParaRPr lang="zh-CN" altLang="en-US" dirty="0"/>
-          </a:p>
-        </p:txBody>
-      </p:sp>
-      <p:sp>
-        <p:nvSpPr>
-          <p:cNvPr id="20" name="文本框 19">
-            <a:extLst>
-              <a:ext uri="{FF2B5EF4-FFF2-40B4-BE49-F238E27FC236}">
-                <a16:creationId xmlns:a16="http://schemas.microsoft.com/office/drawing/2014/main" id="{48C3F571-6D01-48FE-90CB-AC30C2975873}"/>
-              </a:ext>
-            </a:extLst>
-          </p:cNvPr>
-          <p:cNvSpPr txBox="1"/>
-          <p:nvPr/>
-        </p:nvSpPr>
-        <p:spPr>
-          <a:xfrm>
-            <a:off x="1885704" y="4018043"/>
-            <a:ext cx="2282997" cy="369332"/>
-          </a:xfrm>
-          <a:prstGeom prst="rect">
-            <a:avLst/>
-          </a:prstGeom>
-          <a:noFill/>
-        </p:spPr>
-        <p:txBody>
-          <a:bodyPr wrap="none" rtlCol="0">
-            <a:spAutoFit/>
-          </a:bodyPr>
-          <a:lstStyle/>
-          <a:p>
-            <a:r>
-              <a:rPr lang="zh-CN" altLang="en-US" dirty="0"/>
-              <a:t>各种少</a:t>
-            </a:r>
-            <a:r>
-              <a:rPr lang="en-US" altLang="zh-CN" dirty="0"/>
-              <a:t>hit</a:t>
-            </a:r>
-            <a:r>
-              <a:rPr lang="zh-CN" altLang="en-US" dirty="0"/>
-              <a:t>数的属性技</a:t>
-            </a:r>
+              <a:t>注：基础法术和同属性组合升阶</a:t>
+            </a:r>
+            <a:endParaRPr lang="en-US" altLang="zh-CN" dirty="0"/>
           </a:p>
         </p:txBody>
       </p:sp>
     </p:spTree>
     <p:extLst>
       <p:ext uri="{BB962C8B-B14F-4D97-AF65-F5344CB8AC3E}">
-        <p14:creationId xmlns:p14="http://schemas.microsoft.com/office/powerpoint/2010/main" val="3314187485"/>
+        <p14:creationId xmlns:p14="http://schemas.microsoft.com/office/powerpoint/2010/main" val="49781780"/>
       </p:ext>
     </p:extLst>
   </p:cSld>

--- a/图示.pptx
+++ b/图示.pptx
@@ -12,11 +12,12 @@
     <p:sldId id="262" r:id="rId6"/>
     <p:sldId id="263" r:id="rId7"/>
     <p:sldId id="258" r:id="rId8"/>
-    <p:sldId id="267" r:id="rId9"/>
-    <p:sldId id="266" r:id="rId10"/>
-    <p:sldId id="259" r:id="rId11"/>
-    <p:sldId id="265" r:id="rId12"/>
-    <p:sldId id="264" r:id="rId13"/>
+    <p:sldId id="268" r:id="rId9"/>
+    <p:sldId id="267" r:id="rId10"/>
+    <p:sldId id="266" r:id="rId11"/>
+    <p:sldId id="259" r:id="rId12"/>
+    <p:sldId id="265" r:id="rId13"/>
+    <p:sldId id="264" r:id="rId14"/>
   </p:sldIdLst>
   <p:sldSz cx="12192000" cy="6858000"/>
   <p:notesSz cx="6858000" cy="9144000"/>
@@ -139,6 +140,7 @@
         </p14:section>
         <p14:section name="角色招式" id="{D2EFD799-6C9B-4020-835C-67B93EFF3650}">
           <p14:sldIdLst>
+            <p14:sldId id="268"/>
             <p14:sldId id="267"/>
             <p14:sldId id="266"/>
             <p14:sldId id="259"/>
@@ -302,7 +304,7 @@
           <a:p>
             <a:fld id="{E3DDA3C4-9B80-4E90-A943-39CB7BDDE635}" type="datetimeFigureOut">
               <a:rPr lang="zh-CN" altLang="en-US" smtClean="0"/>
-              <a:t>2022/2/10</a:t>
+              <a:t>2022/2/13</a:t>
             </a:fld>
             <a:endParaRPr lang="zh-CN" altLang="en-US"/>
           </a:p>
@@ -500,7 +502,7 @@
           <a:p>
             <a:fld id="{E3DDA3C4-9B80-4E90-A943-39CB7BDDE635}" type="datetimeFigureOut">
               <a:rPr lang="zh-CN" altLang="en-US" smtClean="0"/>
-              <a:t>2022/2/10</a:t>
+              <a:t>2022/2/13</a:t>
             </a:fld>
             <a:endParaRPr lang="zh-CN" altLang="en-US"/>
           </a:p>
@@ -708,7 +710,7 @@
           <a:p>
             <a:fld id="{E3DDA3C4-9B80-4E90-A943-39CB7BDDE635}" type="datetimeFigureOut">
               <a:rPr lang="zh-CN" altLang="en-US" smtClean="0"/>
-              <a:t>2022/2/10</a:t>
+              <a:t>2022/2/13</a:t>
             </a:fld>
             <a:endParaRPr lang="zh-CN" altLang="en-US"/>
           </a:p>
@@ -906,7 +908,7 @@
           <a:p>
             <a:fld id="{E3DDA3C4-9B80-4E90-A943-39CB7BDDE635}" type="datetimeFigureOut">
               <a:rPr lang="zh-CN" altLang="en-US" smtClean="0"/>
-              <a:t>2022/2/10</a:t>
+              <a:t>2022/2/13</a:t>
             </a:fld>
             <a:endParaRPr lang="zh-CN" altLang="en-US"/>
           </a:p>
@@ -1181,7 +1183,7 @@
           <a:p>
             <a:fld id="{E3DDA3C4-9B80-4E90-A943-39CB7BDDE635}" type="datetimeFigureOut">
               <a:rPr lang="zh-CN" altLang="en-US" smtClean="0"/>
-              <a:t>2022/2/10</a:t>
+              <a:t>2022/2/13</a:t>
             </a:fld>
             <a:endParaRPr lang="zh-CN" altLang="en-US"/>
           </a:p>
@@ -1446,7 +1448,7 @@
           <a:p>
             <a:fld id="{E3DDA3C4-9B80-4E90-A943-39CB7BDDE635}" type="datetimeFigureOut">
               <a:rPr lang="zh-CN" altLang="en-US" smtClean="0"/>
-              <a:t>2022/2/10</a:t>
+              <a:t>2022/2/13</a:t>
             </a:fld>
             <a:endParaRPr lang="zh-CN" altLang="en-US"/>
           </a:p>
@@ -1858,7 +1860,7 @@
           <a:p>
             <a:fld id="{E3DDA3C4-9B80-4E90-A943-39CB7BDDE635}" type="datetimeFigureOut">
               <a:rPr lang="zh-CN" altLang="en-US" smtClean="0"/>
-              <a:t>2022/2/10</a:t>
+              <a:t>2022/2/13</a:t>
             </a:fld>
             <a:endParaRPr lang="zh-CN" altLang="en-US"/>
           </a:p>
@@ -1999,7 +2001,7 @@
           <a:p>
             <a:fld id="{E3DDA3C4-9B80-4E90-A943-39CB7BDDE635}" type="datetimeFigureOut">
               <a:rPr lang="zh-CN" altLang="en-US" smtClean="0"/>
-              <a:t>2022/2/10</a:t>
+              <a:t>2022/2/13</a:t>
             </a:fld>
             <a:endParaRPr lang="zh-CN" altLang="en-US"/>
           </a:p>
@@ -2112,7 +2114,7 @@
           <a:p>
             <a:fld id="{E3DDA3C4-9B80-4E90-A943-39CB7BDDE635}" type="datetimeFigureOut">
               <a:rPr lang="zh-CN" altLang="en-US" smtClean="0"/>
-              <a:t>2022/2/10</a:t>
+              <a:t>2022/2/13</a:t>
             </a:fld>
             <a:endParaRPr lang="zh-CN" altLang="en-US"/>
           </a:p>
@@ -2423,7 +2425,7 @@
           <a:p>
             <a:fld id="{E3DDA3C4-9B80-4E90-A943-39CB7BDDE635}" type="datetimeFigureOut">
               <a:rPr lang="zh-CN" altLang="en-US" smtClean="0"/>
-              <a:t>2022/2/10</a:t>
+              <a:t>2022/2/13</a:t>
             </a:fld>
             <a:endParaRPr lang="zh-CN" altLang="en-US"/>
           </a:p>
@@ -2711,7 +2713,7 @@
           <a:p>
             <a:fld id="{E3DDA3C4-9B80-4E90-A943-39CB7BDDE635}" type="datetimeFigureOut">
               <a:rPr lang="zh-CN" altLang="en-US" smtClean="0"/>
-              <a:t>2022/2/10</a:t>
+              <a:t>2022/2/13</a:t>
             </a:fld>
             <a:endParaRPr lang="zh-CN" altLang="en-US"/>
           </a:p>
@@ -2952,7 +2954,7 @@
           <a:p>
             <a:fld id="{E3DDA3C4-9B80-4E90-A943-39CB7BDDE635}" type="datetimeFigureOut">
               <a:rPr lang="zh-CN" altLang="en-US" smtClean="0"/>
-              <a:t>2022/2/10</a:t>
+              <a:t>2022/2/13</a:t>
             </a:fld>
             <a:endParaRPr lang="zh-CN" altLang="en-US"/>
           </a:p>
@@ -4843,7 +4845,7 @@
           <p:cNvPr id="2" name="标题 1">
             <a:extLst>
               <a:ext uri="{FF2B5EF4-FFF2-40B4-BE49-F238E27FC236}">
-                <a16:creationId xmlns:a16="http://schemas.microsoft.com/office/drawing/2014/main" id="{BDDCA0CD-BECB-41F9-921C-F839C4ABCC6B}"/>
+                <a16:creationId xmlns:a16="http://schemas.microsoft.com/office/drawing/2014/main" id="{9C23BCFB-5F14-4496-8A02-355C26F7F1E7}"/>
               </a:ext>
             </a:extLst>
           </p:cNvPr>
@@ -4861,17 +4863,17 @@
           <a:p>
             <a:r>
               <a:rPr lang="zh-CN" altLang="en-US" dirty="0"/>
-              <a:t>洛的招式分类</a:t>
+              <a:t>琳薇儿的招式分类</a:t>
             </a:r>
           </a:p>
         </p:txBody>
       </p:sp>
       <p:cxnSp>
         <p:nvCxnSpPr>
-          <p:cNvPr id="4" name="直接连接符 3">
-            <a:extLst>
-              <a:ext uri="{FF2B5EF4-FFF2-40B4-BE49-F238E27FC236}">
-                <a16:creationId xmlns:a16="http://schemas.microsoft.com/office/drawing/2014/main" id="{FEA27CE9-705E-4EB6-AA45-4A7C7904E3DC}"/>
+          <p:cNvPr id="3" name="直接连接符 2">
+            <a:extLst>
+              <a:ext uri="{FF2B5EF4-FFF2-40B4-BE49-F238E27FC236}">
+                <a16:creationId xmlns:a16="http://schemas.microsoft.com/office/drawing/2014/main" id="{D4C50FE1-C0A7-45F9-BE90-3CC58EB35151}"/>
               </a:ext>
             </a:extLst>
           </p:cNvPr>
@@ -4909,10 +4911,10 @@
       </p:cxnSp>
       <p:cxnSp>
         <p:nvCxnSpPr>
-          <p:cNvPr id="6" name="直接连接符 5">
-            <a:extLst>
-              <a:ext uri="{FF2B5EF4-FFF2-40B4-BE49-F238E27FC236}">
-                <a16:creationId xmlns:a16="http://schemas.microsoft.com/office/drawing/2014/main" id="{8884567A-1CEA-422B-982A-1A4293D37859}"/>
+          <p:cNvPr id="4" name="直接连接符 3">
+            <a:extLst>
+              <a:ext uri="{FF2B5EF4-FFF2-40B4-BE49-F238E27FC236}">
+                <a16:creationId xmlns:a16="http://schemas.microsoft.com/office/drawing/2014/main" id="{8063F145-F80D-48EA-AF37-17CC44A4F728}"/>
               </a:ext>
             </a:extLst>
           </p:cNvPr>
@@ -4950,10 +4952,10 @@
       </p:cxnSp>
       <p:cxnSp>
         <p:nvCxnSpPr>
-          <p:cNvPr id="8" name="直接连接符 7">
-            <a:extLst>
-              <a:ext uri="{FF2B5EF4-FFF2-40B4-BE49-F238E27FC236}">
-                <a16:creationId xmlns:a16="http://schemas.microsoft.com/office/drawing/2014/main" id="{2840AE90-4AA9-44DC-898F-B407CA12B71A}"/>
+          <p:cNvPr id="5" name="直接连接符 4">
+            <a:extLst>
+              <a:ext uri="{FF2B5EF4-FFF2-40B4-BE49-F238E27FC236}">
+                <a16:creationId xmlns:a16="http://schemas.microsoft.com/office/drawing/2014/main" id="{0C0B13C9-C14A-4C2E-AAC7-C4BAB5569774}"/>
               </a:ext>
             </a:extLst>
           </p:cNvPr>
@@ -4993,10 +4995,10 @@
       </p:cxnSp>
       <p:sp>
         <p:nvSpPr>
-          <p:cNvPr id="12" name="文本框 11">
-            <a:extLst>
-              <a:ext uri="{FF2B5EF4-FFF2-40B4-BE49-F238E27FC236}">
-                <a16:creationId xmlns:a16="http://schemas.microsoft.com/office/drawing/2014/main" id="{B78DA853-0801-470E-8513-37BF65341B7F}"/>
+          <p:cNvPr id="6" name="文本框 5">
+            <a:extLst>
+              <a:ext uri="{FF2B5EF4-FFF2-40B4-BE49-F238E27FC236}">
+                <a16:creationId xmlns:a16="http://schemas.microsoft.com/office/drawing/2014/main" id="{7F14A121-BEF4-4497-B260-0C1376EA3EF5}"/>
               </a:ext>
             </a:extLst>
           </p:cNvPr>
@@ -5005,8 +5007,8 @@
         </p:nvSpPr>
         <p:spPr>
           <a:xfrm>
-            <a:off x="1315093" y="2263984"/>
-            <a:ext cx="1107996" cy="461665"/>
+            <a:off x="1756881" y="2075379"/>
+            <a:ext cx="3227165" cy="646331"/>
           </a:xfrm>
           <a:prstGeom prst="rect">
             <a:avLst/>
@@ -5020,18 +5022,61 @@
           <a:lstStyle/>
           <a:p>
             <a:r>
-              <a:rPr lang="zh-CN" altLang="en-US" sz="2400" dirty="0"/>
-              <a:t>输出用</a:t>
-            </a:r>
-          </a:p>
-        </p:txBody>
-      </p:sp>
-      <p:sp>
-        <p:nvSpPr>
-          <p:cNvPr id="13" name="文本框 12">
-            <a:extLst>
-              <a:ext uri="{FF2B5EF4-FFF2-40B4-BE49-F238E27FC236}">
-                <a16:creationId xmlns:a16="http://schemas.microsoft.com/office/drawing/2014/main" id="{5A70BF72-12FC-4C85-B9D4-5B71847E3B5E}"/>
+              <a:rPr lang="zh-CN" altLang="en-US" dirty="0"/>
+              <a:t>战技：</a:t>
+            </a:r>
+            <a:endParaRPr lang="en-US" altLang="zh-CN" dirty="0"/>
+          </a:p>
+          <a:p>
+            <a:r>
+              <a:rPr lang="zh-CN" altLang="en-US" dirty="0"/>
+              <a:t>水</a:t>
+            </a:r>
+            <a:r>
+              <a:rPr lang="en-US" altLang="zh-CN" dirty="0"/>
+              <a:t>/</a:t>
+            </a:r>
+            <a:r>
+              <a:rPr lang="zh-CN" altLang="en-US" dirty="0"/>
+              <a:t>风</a:t>
+            </a:r>
+            <a:r>
+              <a:rPr lang="en-US" altLang="zh-CN" dirty="0"/>
+              <a:t>/</a:t>
+            </a:r>
+            <a:r>
+              <a:rPr lang="zh-CN" altLang="en-US" dirty="0"/>
+              <a:t>光</a:t>
+            </a:r>
+            <a:r>
+              <a:rPr lang="en-US" altLang="zh-CN" dirty="0"/>
+              <a:t>-</a:t>
+            </a:r>
+            <a:r>
+              <a:rPr lang="zh-CN" altLang="en-US" dirty="0"/>
+              <a:t>地面</a:t>
+            </a:r>
+            <a:r>
+              <a:rPr lang="en-US" altLang="zh-CN" dirty="0"/>
+              <a:t>/</a:t>
+            </a:r>
+            <a:r>
+              <a:rPr lang="zh-CN" altLang="en-US" dirty="0"/>
+              <a:t>空中</a:t>
+            </a:r>
+            <a:r>
+              <a:rPr lang="en-US" altLang="zh-CN" dirty="0"/>
+              <a:t>-1AG/2AG</a:t>
+            </a:r>
+          </a:p>
+        </p:txBody>
+      </p:sp>
+      <p:sp>
+        <p:nvSpPr>
+          <p:cNvPr id="7" name="文本框 6">
+            <a:extLst>
+              <a:ext uri="{FF2B5EF4-FFF2-40B4-BE49-F238E27FC236}">
+                <a16:creationId xmlns:a16="http://schemas.microsoft.com/office/drawing/2014/main" id="{3362AFD4-FE29-48C3-B20A-2C4B1BF4B8D0}"/>
               </a:ext>
             </a:extLst>
           </p:cNvPr>
@@ -5040,8 +5085,8 @@
         </p:nvSpPr>
         <p:spPr>
           <a:xfrm>
-            <a:off x="9768912" y="2263984"/>
-            <a:ext cx="1107996" cy="461665"/>
+            <a:off x="6575460" y="1848485"/>
+            <a:ext cx="5325497" cy="1477328"/>
           </a:xfrm>
           <a:prstGeom prst="rect">
             <a:avLst/>
@@ -5055,18 +5100,107 @@
           <a:lstStyle/>
           <a:p>
             <a:r>
-              <a:rPr lang="zh-CN" altLang="en-US" sz="2400" dirty="0"/>
-              <a:t>连段用</a:t>
-            </a:r>
-          </a:p>
-        </p:txBody>
-      </p:sp>
-      <p:sp>
-        <p:nvSpPr>
-          <p:cNvPr id="14" name="文本框 13">
-            <a:extLst>
-              <a:ext uri="{FF2B5EF4-FFF2-40B4-BE49-F238E27FC236}">
-                <a16:creationId xmlns:a16="http://schemas.microsoft.com/office/drawing/2014/main" id="{070BAAC1-6272-4090-A4BA-4485171911A5}"/>
+              <a:rPr lang="zh-CN" altLang="en-US" dirty="0"/>
+              <a:t>基础法术</a:t>
+            </a:r>
+            <a:endParaRPr lang="en-US" altLang="zh-CN" dirty="0"/>
+          </a:p>
+          <a:p>
+            <a:r>
+              <a:rPr lang="zh-CN" altLang="en-US" dirty="0"/>
+              <a:t>水：流水蔓延</a:t>
+            </a:r>
+            <a:r>
+              <a:rPr lang="en-US" altLang="zh-CN" dirty="0"/>
+              <a:t>(2AG)-</a:t>
+            </a:r>
+            <a:r>
+              <a:rPr lang="zh-CN" altLang="en-US" dirty="0"/>
+              <a:t>大气冰枪</a:t>
+            </a:r>
+            <a:r>
+              <a:rPr lang="en-US" altLang="zh-CN" dirty="0"/>
+              <a:t>(3AG)-</a:t>
+            </a:r>
+            <a:r>
+              <a:rPr lang="zh-CN" altLang="en-US" dirty="0"/>
+              <a:t>潮浪汹涌</a:t>
+            </a:r>
+            <a:r>
+              <a:rPr lang="en-US" altLang="zh-CN" dirty="0"/>
+              <a:t>(4AG)</a:t>
+            </a:r>
+          </a:p>
+          <a:p>
+            <a:r>
+              <a:rPr lang="zh-CN" altLang="en-US" dirty="0"/>
+              <a:t>风：风压刃</a:t>
+            </a:r>
+            <a:r>
+              <a:rPr lang="en-US" altLang="zh-CN" dirty="0"/>
+              <a:t>(2AG)-</a:t>
+            </a:r>
+            <a:r>
+              <a:rPr lang="zh-CN" altLang="en-US" dirty="0"/>
+              <a:t>十字刀刃</a:t>
+            </a:r>
+            <a:r>
+              <a:rPr lang="en-US" altLang="zh-CN" dirty="0"/>
+              <a:t>(3AG)-</a:t>
+            </a:r>
+            <a:r>
+              <a:rPr lang="zh-CN" altLang="en-US" dirty="0"/>
+              <a:t>龙卷暴风</a:t>
+            </a:r>
+            <a:r>
+              <a:rPr lang="en-US" altLang="zh-CN" dirty="0"/>
+              <a:t>(4AG)</a:t>
+            </a:r>
+          </a:p>
+          <a:p>
+            <a:r>
+              <a:rPr lang="zh-CN" altLang="en-US" dirty="0"/>
+              <a:t>光：轰雷刃</a:t>
+            </a:r>
+            <a:r>
+              <a:rPr lang="en-US" altLang="zh-CN" dirty="0"/>
+              <a:t>(2AG)-</a:t>
+            </a:r>
+            <a:r>
+              <a:rPr lang="zh-CN" altLang="en-US" dirty="0"/>
+              <a:t>神圣之枪</a:t>
+            </a:r>
+            <a:r>
+              <a:rPr lang="en-US" altLang="zh-CN" dirty="0"/>
+              <a:t>(3AG)-</a:t>
+            </a:r>
+            <a:r>
+              <a:rPr lang="zh-CN" altLang="en-US" dirty="0"/>
+              <a:t>天赐之剑</a:t>
+            </a:r>
+            <a:r>
+              <a:rPr lang="en-US" altLang="zh-CN" dirty="0"/>
+              <a:t>(4AG)</a:t>
+            </a:r>
+          </a:p>
+          <a:p>
+            <a:r>
+              <a:rPr lang="zh-CN" altLang="en-US" dirty="0"/>
+              <a:t>火：怒火强击</a:t>
+            </a:r>
+            <a:r>
+              <a:rPr lang="en-US" altLang="zh-CN" dirty="0"/>
+              <a:t>(2AG)</a:t>
+            </a:r>
+          </a:p>
+        </p:txBody>
+      </p:sp>
+      <p:sp>
+        <p:nvSpPr>
+          <p:cNvPr id="8" name="文本框 7">
+            <a:extLst>
+              <a:ext uri="{FF2B5EF4-FFF2-40B4-BE49-F238E27FC236}">
+                <a16:creationId xmlns:a16="http://schemas.microsoft.com/office/drawing/2014/main" id="{EF05957F-BB41-40E1-A9B5-0B9F7E663751}"/>
               </a:ext>
             </a:extLst>
           </p:cNvPr>
@@ -5075,8 +5209,8 @@
         </p:nvSpPr>
         <p:spPr>
           <a:xfrm>
-            <a:off x="2270589" y="6127067"/>
-            <a:ext cx="1723549" cy="461665"/>
+            <a:off x="4602003" y="4668662"/>
+            <a:ext cx="3406702" cy="1477328"/>
           </a:xfrm>
           <a:prstGeom prst="rect">
             <a:avLst/>
@@ -5090,437 +5224,93 @@
           <a:lstStyle/>
           <a:p>
             <a:r>
-              <a:rPr lang="zh-CN" altLang="en-US" sz="2400" dirty="0"/>
-              <a:t>衔接位移用</a:t>
-            </a:r>
-          </a:p>
-        </p:txBody>
-      </p:sp>
-      <p:sp>
-        <p:nvSpPr>
-          <p:cNvPr id="15" name="文本框 14">
-            <a:extLst>
-              <a:ext uri="{FF2B5EF4-FFF2-40B4-BE49-F238E27FC236}">
-                <a16:creationId xmlns:a16="http://schemas.microsoft.com/office/drawing/2014/main" id="{123D45C3-8BCB-4AF8-B401-38E81E446102}"/>
-              </a:ext>
-            </a:extLst>
-          </p:cNvPr>
-          <p:cNvSpPr txBox="1"/>
-          <p:nvPr/>
-        </p:nvSpPr>
-        <p:spPr>
-          <a:xfrm>
-            <a:off x="1919207" y="3105834"/>
-            <a:ext cx="1107996" cy="646331"/>
-          </a:xfrm>
-          <a:prstGeom prst="rect">
-            <a:avLst/>
-          </a:prstGeom>
-          <a:noFill/>
-        </p:spPr>
-        <p:txBody>
-          <a:bodyPr wrap="none" rtlCol="0">
-            <a:spAutoFit/>
-          </a:bodyPr>
-          <a:lstStyle/>
-          <a:p>
-            <a:r>
               <a:rPr lang="zh-CN" altLang="en-US" dirty="0"/>
-              <a:t>牙砲</a:t>
+              <a:t>组合法术：</a:t>
             </a:r>
             <a:endParaRPr lang="en-US" altLang="zh-CN" dirty="0"/>
           </a:p>
           <a:p>
             <a:r>
               <a:rPr lang="zh-CN" altLang="en-US" dirty="0"/>
-              <a:t>灭神牙砲</a:t>
-            </a:r>
-          </a:p>
-        </p:txBody>
-      </p:sp>
-      <p:sp>
-        <p:nvSpPr>
-          <p:cNvPr id="16" name="文本框 15">
-            <a:extLst>
-              <a:ext uri="{FF2B5EF4-FFF2-40B4-BE49-F238E27FC236}">
-                <a16:creationId xmlns:a16="http://schemas.microsoft.com/office/drawing/2014/main" id="{081D22EB-636F-4D62-9E4A-AAFD1B4E22D9}"/>
-              </a:ext>
-            </a:extLst>
-          </p:cNvPr>
-          <p:cNvSpPr txBox="1"/>
-          <p:nvPr/>
-        </p:nvSpPr>
-        <p:spPr>
-          <a:xfrm>
-            <a:off x="8210048" y="3146476"/>
-            <a:ext cx="2140330" cy="1200329"/>
-          </a:xfrm>
-          <a:prstGeom prst="rect">
-            <a:avLst/>
-          </a:prstGeom>
-          <a:noFill/>
-        </p:spPr>
-        <p:txBody>
-          <a:bodyPr wrap="none" rtlCol="0">
-            <a:spAutoFit/>
-          </a:bodyPr>
-          <a:lstStyle/>
-          <a:p>
+              <a:t>巨大漩涡</a:t>
+            </a:r>
+            <a:r>
+              <a:rPr lang="en-US" altLang="zh-CN" dirty="0"/>
+              <a:t>=</a:t>
+            </a:r>
             <a:r>
               <a:rPr lang="zh-CN" altLang="en-US" dirty="0"/>
-              <a:t>连牙弹</a:t>
+              <a:t>流水蔓延</a:t>
             </a:r>
             <a:r>
               <a:rPr lang="en-US" altLang="zh-CN" dirty="0"/>
-              <a:t>(5hit)</a:t>
-            </a:r>
-          </a:p>
-          <a:p>
+              <a:t>+</a:t>
+            </a:r>
             <a:r>
               <a:rPr lang="zh-CN" altLang="en-US" dirty="0"/>
-              <a:t>超连牙弹</a:t>
+              <a:t>十字刀刃</a:t>
+            </a:r>
+            <a:endParaRPr lang="en-US" altLang="zh-CN" dirty="0"/>
+          </a:p>
+          <a:p>
+            <a:r>
+              <a:rPr lang="zh-CN" altLang="en-US" dirty="0"/>
+              <a:t>瞬星射击</a:t>
             </a:r>
             <a:r>
               <a:rPr lang="en-US" altLang="zh-CN" dirty="0"/>
-              <a:t>(7hit </a:t>
+              <a:t>=</a:t>
             </a:r>
             <a:r>
               <a:rPr lang="zh-CN" altLang="en-US" dirty="0"/>
-              <a:t>升空</a:t>
+              <a:t>大气冰枪</a:t>
             </a:r>
             <a:r>
               <a:rPr lang="en-US" altLang="zh-CN" dirty="0"/>
-              <a:t>)</a:t>
-            </a:r>
-          </a:p>
-          <a:p>
+              <a:t>+</a:t>
+            </a:r>
+            <a:r>
+              <a:rPr lang="zh-CN" altLang="en-US" dirty="0"/>
+              <a:t>神圣之枪</a:t>
+            </a:r>
             <a:endParaRPr lang="en-US" altLang="zh-CN" dirty="0"/>
           </a:p>
           <a:p>
             <a:r>
               <a:rPr lang="zh-CN" altLang="en-US" dirty="0"/>
-              <a:t>牙连脚</a:t>
+              <a:t>陨石风暴</a:t>
             </a:r>
             <a:r>
               <a:rPr lang="en-US" altLang="zh-CN" dirty="0"/>
-              <a:t>(4hit </a:t>
+              <a:t>=</a:t>
             </a:r>
             <a:r>
               <a:rPr lang="zh-CN" altLang="en-US" dirty="0"/>
-              <a:t>空中</a:t>
+              <a:t>怒火强击</a:t>
             </a:r>
             <a:r>
               <a:rPr lang="en-US" altLang="zh-CN" dirty="0"/>
-              <a:t>)</a:t>
-            </a:r>
-            <a:endParaRPr lang="zh-CN" altLang="en-US" dirty="0"/>
-          </a:p>
-        </p:txBody>
-      </p:sp>
-      <p:sp>
-        <p:nvSpPr>
-          <p:cNvPr id="17" name="文本框 16">
-            <a:extLst>
-              <a:ext uri="{FF2B5EF4-FFF2-40B4-BE49-F238E27FC236}">
-                <a16:creationId xmlns:a16="http://schemas.microsoft.com/office/drawing/2014/main" id="{52BEB145-A797-44BF-9E3F-744FD7233935}"/>
-              </a:ext>
-            </a:extLst>
-          </p:cNvPr>
-          <p:cNvSpPr txBox="1"/>
-          <p:nvPr/>
-        </p:nvSpPr>
-        <p:spPr>
-          <a:xfrm>
-            <a:off x="5172510" y="2510657"/>
-            <a:ext cx="1846980" cy="646331"/>
-          </a:xfrm>
-          <a:prstGeom prst="rect">
-            <a:avLst/>
-          </a:prstGeom>
-          <a:solidFill>
-            <a:schemeClr val="bg1"/>
-          </a:solidFill>
-        </p:spPr>
-        <p:txBody>
-          <a:bodyPr wrap="none" rtlCol="0">
-            <a:spAutoFit/>
-          </a:bodyPr>
-          <a:lstStyle/>
-          <a:p>
+              <a:t>+</a:t>
+            </a:r>
             <a:r>
               <a:rPr lang="zh-CN" altLang="en-US" dirty="0"/>
-              <a:t>卧狼咆虎</a:t>
-            </a:r>
-            <a:r>
-              <a:rPr lang="en-US" altLang="zh-CN" dirty="0"/>
-              <a:t>(6hit)</a:t>
-            </a:r>
+              <a:t>天赐之剑</a:t>
+            </a:r>
+            <a:endParaRPr lang="en-US" altLang="zh-CN" dirty="0"/>
           </a:p>
           <a:p>
             <a:r>
               <a:rPr lang="zh-CN" altLang="en-US" dirty="0"/>
-              <a:t>飞燕连天脚</a:t>
-            </a:r>
-            <a:r>
-              <a:rPr lang="en-US" altLang="zh-CN" dirty="0"/>
-              <a:t>(5hit)</a:t>
-            </a:r>
-          </a:p>
-        </p:txBody>
-      </p:sp>
-      <p:sp>
-        <p:nvSpPr>
-          <p:cNvPr id="18" name="文本框 17">
-            <a:extLst>
-              <a:ext uri="{FF2B5EF4-FFF2-40B4-BE49-F238E27FC236}">
-                <a16:creationId xmlns:a16="http://schemas.microsoft.com/office/drawing/2014/main" id="{70F9488E-AE33-4495-9086-800623113A2A}"/>
-              </a:ext>
-            </a:extLst>
-          </p:cNvPr>
-          <p:cNvSpPr txBox="1"/>
-          <p:nvPr/>
-        </p:nvSpPr>
-        <p:spPr>
-          <a:xfrm>
-            <a:off x="4765830" y="4743839"/>
-            <a:ext cx="2858475" cy="1477328"/>
-          </a:xfrm>
-          <a:prstGeom prst="rect">
-            <a:avLst/>
-          </a:prstGeom>
-          <a:noFill/>
-        </p:spPr>
-        <p:txBody>
-          <a:bodyPr wrap="none" rtlCol="0">
-            <a:spAutoFit/>
-          </a:bodyPr>
-          <a:lstStyle/>
-          <a:p>
-            <a:r>
-              <a:rPr lang="zh-CN" altLang="en-US" dirty="0"/>
-              <a:t>无影掌</a:t>
-            </a:r>
-            <a:r>
-              <a:rPr lang="en-US" altLang="zh-CN" dirty="0"/>
-              <a:t>(</a:t>
-            </a:r>
-            <a:r>
-              <a:rPr lang="zh-CN" altLang="en-US" dirty="0"/>
-              <a:t>突进</a:t>
-            </a:r>
-            <a:r>
-              <a:rPr lang="en-US" altLang="zh-CN" dirty="0"/>
-              <a:t>)</a:t>
-            </a:r>
-          </a:p>
-          <a:p>
-            <a:r>
-              <a:rPr lang="zh-CN" altLang="en-US" dirty="0"/>
-              <a:t>卧龙空破</a:t>
-            </a:r>
-            <a:r>
-              <a:rPr lang="en-US" altLang="zh-CN" dirty="0"/>
-              <a:t>(</a:t>
-            </a:r>
-            <a:r>
-              <a:rPr lang="zh-CN" altLang="en-US" dirty="0"/>
-              <a:t>升空</a:t>
-            </a:r>
-            <a:r>
-              <a:rPr lang="en-US" altLang="zh-CN" dirty="0"/>
-              <a:t>)</a:t>
-            </a:r>
-          </a:p>
-          <a:p>
-            <a:r>
-              <a:rPr lang="zh-CN" altLang="en-US" dirty="0"/>
-              <a:t>飞燕连脚</a:t>
-            </a:r>
-            <a:r>
-              <a:rPr lang="en-US" altLang="zh-CN" dirty="0"/>
-              <a:t>(</a:t>
-            </a:r>
-            <a:r>
-              <a:rPr lang="zh-CN" altLang="en-US" dirty="0"/>
-              <a:t>升空</a:t>
-            </a:r>
-            <a:r>
-              <a:rPr lang="en-US" altLang="zh-CN" dirty="0"/>
-              <a:t>)</a:t>
-            </a:r>
-          </a:p>
-          <a:p>
-            <a:r>
-              <a:rPr lang="zh-CN" altLang="en-US" dirty="0"/>
-              <a:t>鹰爪袭击</a:t>
-            </a:r>
-            <a:r>
-              <a:rPr lang="en-US" altLang="zh-CN" dirty="0"/>
-              <a:t>(</a:t>
-            </a:r>
-            <a:r>
-              <a:rPr lang="zh-CN" altLang="en-US" dirty="0"/>
-              <a:t>落地</a:t>
-            </a:r>
-            <a:r>
-              <a:rPr lang="en-US" altLang="zh-CN" dirty="0"/>
-              <a:t>)</a:t>
-            </a:r>
-          </a:p>
-          <a:p>
-            <a:r>
-              <a:rPr lang="zh-CN" altLang="en-US" dirty="0"/>
-              <a:t>普通攻击第四段</a:t>
-            </a:r>
-            <a:r>
-              <a:rPr lang="en-US" altLang="zh-CN" dirty="0"/>
-              <a:t>(</a:t>
-            </a:r>
-            <a:r>
-              <a:rPr lang="zh-CN" altLang="en-US" dirty="0"/>
-              <a:t>低空升空</a:t>
-            </a:r>
-            <a:r>
-              <a:rPr lang="en-US" altLang="zh-CN" dirty="0"/>
-              <a:t>)</a:t>
-            </a:r>
-            <a:endParaRPr lang="zh-CN" altLang="en-US" dirty="0"/>
-          </a:p>
-        </p:txBody>
-      </p:sp>
-      <p:sp>
-        <p:nvSpPr>
-          <p:cNvPr id="19" name="文本框 18">
-            <a:extLst>
-              <a:ext uri="{FF2B5EF4-FFF2-40B4-BE49-F238E27FC236}">
-                <a16:creationId xmlns:a16="http://schemas.microsoft.com/office/drawing/2014/main" id="{914F50E6-99B9-4FDF-B30C-7706368A08B6}"/>
-              </a:ext>
-            </a:extLst>
-          </p:cNvPr>
-          <p:cNvSpPr txBox="1"/>
-          <p:nvPr/>
-        </p:nvSpPr>
-        <p:spPr>
-          <a:xfrm>
-            <a:off x="7287038" y="4518572"/>
-            <a:ext cx="2608406" cy="923330"/>
-          </a:xfrm>
-          <a:prstGeom prst="rect">
-            <a:avLst/>
-          </a:prstGeom>
-          <a:solidFill>
-            <a:schemeClr val="bg1"/>
-          </a:solidFill>
-        </p:spPr>
-        <p:txBody>
-          <a:bodyPr wrap="none" rtlCol="0">
-            <a:spAutoFit/>
-          </a:bodyPr>
-          <a:lstStyle/>
-          <a:p>
-            <a:r>
-              <a:rPr lang="zh-CN" altLang="en-US" dirty="0"/>
-              <a:t>炎霸爆碎拳</a:t>
-            </a:r>
-            <a:r>
-              <a:rPr lang="en-US" altLang="zh-CN" dirty="0"/>
-              <a:t>(5hit </a:t>
-            </a:r>
-            <a:r>
-              <a:rPr lang="zh-CN" altLang="en-US" dirty="0"/>
-              <a:t>落地</a:t>
-            </a:r>
-            <a:r>
-              <a:rPr lang="en-US" altLang="zh-CN" dirty="0"/>
-              <a:t>)</a:t>
-            </a:r>
-          </a:p>
-          <a:p>
-            <a:r>
-              <a:rPr lang="zh-CN" altLang="en-US" dirty="0"/>
-              <a:t>散华猛袭脚</a:t>
-            </a:r>
-            <a:r>
-              <a:rPr lang="en-US" altLang="zh-CN" dirty="0"/>
-              <a:t>(4-5hit </a:t>
-            </a:r>
-            <a:r>
-              <a:rPr lang="zh-CN" altLang="en-US" dirty="0"/>
-              <a:t>落地</a:t>
-            </a:r>
-            <a:r>
-              <a:rPr lang="en-US" altLang="zh-CN" dirty="0"/>
-              <a:t>)</a:t>
-            </a:r>
-          </a:p>
-          <a:p>
-            <a:r>
-              <a:rPr lang="zh-CN" altLang="en-US" dirty="0"/>
-              <a:t>鹰爪落瀑蹴</a:t>
-            </a:r>
-            <a:r>
-              <a:rPr lang="en-US" altLang="zh-CN" dirty="0"/>
-              <a:t>(4hit </a:t>
-            </a:r>
-            <a:r>
-              <a:rPr lang="zh-CN" altLang="en-US" dirty="0"/>
-              <a:t>落地</a:t>
-            </a:r>
-            <a:r>
-              <a:rPr lang="en-US" altLang="zh-CN" dirty="0"/>
-              <a:t>)</a:t>
-            </a:r>
-            <a:endParaRPr lang="zh-CN" altLang="en-US" dirty="0"/>
-          </a:p>
-        </p:txBody>
-      </p:sp>
-      <p:sp>
-        <p:nvSpPr>
-          <p:cNvPr id="20" name="文本框 19">
-            <a:extLst>
-              <a:ext uri="{FF2B5EF4-FFF2-40B4-BE49-F238E27FC236}">
-                <a16:creationId xmlns:a16="http://schemas.microsoft.com/office/drawing/2014/main" id="{48C3F571-6D01-48FE-90CB-AC30C2975873}"/>
-              </a:ext>
-            </a:extLst>
-          </p:cNvPr>
-          <p:cNvSpPr txBox="1"/>
-          <p:nvPr/>
-        </p:nvSpPr>
-        <p:spPr>
-          <a:xfrm>
-            <a:off x="1885704" y="4018043"/>
-            <a:ext cx="2282997" cy="369332"/>
-          </a:xfrm>
-          <a:prstGeom prst="rect">
-            <a:avLst/>
-          </a:prstGeom>
-          <a:noFill/>
-        </p:spPr>
-        <p:txBody>
-          <a:bodyPr wrap="none" rtlCol="0">
-            <a:spAutoFit/>
-          </a:bodyPr>
-          <a:lstStyle/>
-          <a:p>
-            <a:r>
-              <a:rPr lang="zh-CN" altLang="en-US" dirty="0"/>
-              <a:t>各种少</a:t>
-            </a:r>
-            <a:r>
-              <a:rPr lang="en-US" altLang="zh-CN" dirty="0"/>
-              <a:t>hit</a:t>
-            </a:r>
-            <a:r>
-              <a:rPr lang="zh-CN" altLang="en-US" dirty="0"/>
-              <a:t>数的属性技</a:t>
-            </a:r>
+              <a:t>注：基础法术和同属性组合升阶</a:t>
+            </a:r>
+            <a:endParaRPr lang="en-US" altLang="zh-CN" dirty="0"/>
           </a:p>
         </p:txBody>
       </p:sp>
     </p:spTree>
     <p:extLst>
       <p:ext uri="{BB962C8B-B14F-4D97-AF65-F5344CB8AC3E}">
-        <p14:creationId xmlns:p14="http://schemas.microsoft.com/office/powerpoint/2010/main" val="3314187485"/>
+        <p14:creationId xmlns:p14="http://schemas.microsoft.com/office/powerpoint/2010/main" val="49781780"/>
       </p:ext>
     </p:extLst>
   </p:cSld>
@@ -5552,6 +5342,715 @@
           <p:cNvPr id="2" name="标题 1">
             <a:extLst>
               <a:ext uri="{FF2B5EF4-FFF2-40B4-BE49-F238E27FC236}">
+                <a16:creationId xmlns:a16="http://schemas.microsoft.com/office/drawing/2014/main" id="{BDDCA0CD-BECB-41F9-921C-F839C4ABCC6B}"/>
+              </a:ext>
+            </a:extLst>
+          </p:cNvPr>
+          <p:cNvSpPr>
+            <a:spLocks noGrp="1"/>
+          </p:cNvSpPr>
+          <p:nvPr>
+            <p:ph type="title"/>
+          </p:nvPr>
+        </p:nvSpPr>
+        <p:spPr/>
+        <p:txBody>
+          <a:bodyPr/>
+          <a:lstStyle/>
+          <a:p>
+            <a:r>
+              <a:rPr lang="zh-CN" altLang="en-US" dirty="0"/>
+              <a:t>洛的招式分类</a:t>
+            </a:r>
+          </a:p>
+        </p:txBody>
+      </p:sp>
+      <p:cxnSp>
+        <p:nvCxnSpPr>
+          <p:cNvPr id="4" name="直接连接符 3">
+            <a:extLst>
+              <a:ext uri="{FF2B5EF4-FFF2-40B4-BE49-F238E27FC236}">
+                <a16:creationId xmlns:a16="http://schemas.microsoft.com/office/drawing/2014/main" id="{FEA27CE9-705E-4EB6-AA45-4A7C7904E3DC}"/>
+              </a:ext>
+            </a:extLst>
+          </p:cNvPr>
+          <p:cNvCxnSpPr/>
+          <p:nvPr/>
+        </p:nvCxnSpPr>
+        <p:spPr>
+          <a:xfrm>
+            <a:off x="6096000" y="1993187"/>
+            <a:ext cx="0" cy="1952089"/>
+          </a:xfrm>
+          <a:prstGeom prst="line">
+            <a:avLst/>
+          </a:prstGeom>
+          <a:ln w="28575">
+            <a:solidFill>
+              <a:schemeClr val="tx1"/>
+            </a:solidFill>
+          </a:ln>
+        </p:spPr>
+        <p:style>
+          <a:lnRef idx="1">
+            <a:schemeClr val="accent1"/>
+          </a:lnRef>
+          <a:fillRef idx="0">
+            <a:schemeClr val="accent1"/>
+          </a:fillRef>
+          <a:effectRef idx="0">
+            <a:schemeClr val="accent1"/>
+          </a:effectRef>
+          <a:fontRef idx="minor">
+            <a:schemeClr val="tx1"/>
+          </a:fontRef>
+        </p:style>
+      </p:cxnSp>
+      <p:cxnSp>
+        <p:nvCxnSpPr>
+          <p:cNvPr id="6" name="直接连接符 5">
+            <a:extLst>
+              <a:ext uri="{FF2B5EF4-FFF2-40B4-BE49-F238E27FC236}">
+                <a16:creationId xmlns:a16="http://schemas.microsoft.com/office/drawing/2014/main" id="{8884567A-1CEA-422B-982A-1A4293D37859}"/>
+              </a:ext>
+            </a:extLst>
+          </p:cNvPr>
+          <p:cNvCxnSpPr/>
+          <p:nvPr/>
+        </p:nvCxnSpPr>
+        <p:spPr>
+          <a:xfrm flipH="1">
+            <a:off x="2270589" y="3955551"/>
+            <a:ext cx="3825411" cy="1910993"/>
+          </a:xfrm>
+          <a:prstGeom prst="line">
+            <a:avLst/>
+          </a:prstGeom>
+          <a:ln w="28575">
+            <a:solidFill>
+              <a:schemeClr val="tx1"/>
+            </a:solidFill>
+          </a:ln>
+        </p:spPr>
+        <p:style>
+          <a:lnRef idx="1">
+            <a:schemeClr val="accent1"/>
+          </a:lnRef>
+          <a:fillRef idx="0">
+            <a:schemeClr val="accent1"/>
+          </a:fillRef>
+          <a:effectRef idx="0">
+            <a:schemeClr val="accent1"/>
+          </a:effectRef>
+          <a:fontRef idx="minor">
+            <a:schemeClr val="tx1"/>
+          </a:fontRef>
+        </p:style>
+      </p:cxnSp>
+      <p:cxnSp>
+        <p:nvCxnSpPr>
+          <p:cNvPr id="8" name="直接连接符 7">
+            <a:extLst>
+              <a:ext uri="{FF2B5EF4-FFF2-40B4-BE49-F238E27FC236}">
+                <a16:creationId xmlns:a16="http://schemas.microsoft.com/office/drawing/2014/main" id="{2840AE90-4AA9-44DC-898F-B407CA12B71A}"/>
+              </a:ext>
+            </a:extLst>
+          </p:cNvPr>
+          <p:cNvCxnSpPr>
+            <a:cxnSpLocks/>
+          </p:cNvCxnSpPr>
+          <p:nvPr/>
+        </p:nvCxnSpPr>
+        <p:spPr>
+          <a:xfrm>
+            <a:off x="6096000" y="3945276"/>
+            <a:ext cx="3825411" cy="1921268"/>
+          </a:xfrm>
+          <a:prstGeom prst="line">
+            <a:avLst/>
+          </a:prstGeom>
+          <a:ln w="28575">
+            <a:solidFill>
+              <a:schemeClr val="tx1"/>
+            </a:solidFill>
+          </a:ln>
+        </p:spPr>
+        <p:style>
+          <a:lnRef idx="1">
+            <a:schemeClr val="accent1"/>
+          </a:lnRef>
+          <a:fillRef idx="0">
+            <a:schemeClr val="accent1"/>
+          </a:fillRef>
+          <a:effectRef idx="0">
+            <a:schemeClr val="accent1"/>
+          </a:effectRef>
+          <a:fontRef idx="minor">
+            <a:schemeClr val="tx1"/>
+          </a:fontRef>
+        </p:style>
+      </p:cxnSp>
+      <p:sp>
+        <p:nvSpPr>
+          <p:cNvPr id="12" name="文本框 11">
+            <a:extLst>
+              <a:ext uri="{FF2B5EF4-FFF2-40B4-BE49-F238E27FC236}">
+                <a16:creationId xmlns:a16="http://schemas.microsoft.com/office/drawing/2014/main" id="{B78DA853-0801-470E-8513-37BF65341B7F}"/>
+              </a:ext>
+            </a:extLst>
+          </p:cNvPr>
+          <p:cNvSpPr txBox="1"/>
+          <p:nvPr/>
+        </p:nvSpPr>
+        <p:spPr>
+          <a:xfrm>
+            <a:off x="1315093" y="2263984"/>
+            <a:ext cx="1107996" cy="461665"/>
+          </a:xfrm>
+          <a:prstGeom prst="rect">
+            <a:avLst/>
+          </a:prstGeom>
+          <a:noFill/>
+        </p:spPr>
+        <p:txBody>
+          <a:bodyPr wrap="none" rtlCol="0">
+            <a:spAutoFit/>
+          </a:bodyPr>
+          <a:lstStyle/>
+          <a:p>
+            <a:r>
+              <a:rPr lang="zh-CN" altLang="en-US" sz="2400" dirty="0"/>
+              <a:t>输出用</a:t>
+            </a:r>
+          </a:p>
+        </p:txBody>
+      </p:sp>
+      <p:sp>
+        <p:nvSpPr>
+          <p:cNvPr id="13" name="文本框 12">
+            <a:extLst>
+              <a:ext uri="{FF2B5EF4-FFF2-40B4-BE49-F238E27FC236}">
+                <a16:creationId xmlns:a16="http://schemas.microsoft.com/office/drawing/2014/main" id="{5A70BF72-12FC-4C85-B9D4-5B71847E3B5E}"/>
+              </a:ext>
+            </a:extLst>
+          </p:cNvPr>
+          <p:cNvSpPr txBox="1"/>
+          <p:nvPr/>
+        </p:nvSpPr>
+        <p:spPr>
+          <a:xfrm>
+            <a:off x="9768912" y="2263984"/>
+            <a:ext cx="1107996" cy="461665"/>
+          </a:xfrm>
+          <a:prstGeom prst="rect">
+            <a:avLst/>
+          </a:prstGeom>
+          <a:noFill/>
+        </p:spPr>
+        <p:txBody>
+          <a:bodyPr wrap="none" rtlCol="0">
+            <a:spAutoFit/>
+          </a:bodyPr>
+          <a:lstStyle/>
+          <a:p>
+            <a:r>
+              <a:rPr lang="zh-CN" altLang="en-US" sz="2400" dirty="0"/>
+              <a:t>连段用</a:t>
+            </a:r>
+          </a:p>
+        </p:txBody>
+      </p:sp>
+      <p:sp>
+        <p:nvSpPr>
+          <p:cNvPr id="14" name="文本框 13">
+            <a:extLst>
+              <a:ext uri="{FF2B5EF4-FFF2-40B4-BE49-F238E27FC236}">
+                <a16:creationId xmlns:a16="http://schemas.microsoft.com/office/drawing/2014/main" id="{070BAAC1-6272-4090-A4BA-4485171911A5}"/>
+              </a:ext>
+            </a:extLst>
+          </p:cNvPr>
+          <p:cNvSpPr txBox="1"/>
+          <p:nvPr/>
+        </p:nvSpPr>
+        <p:spPr>
+          <a:xfrm>
+            <a:off x="2270589" y="6127067"/>
+            <a:ext cx="1723549" cy="461665"/>
+          </a:xfrm>
+          <a:prstGeom prst="rect">
+            <a:avLst/>
+          </a:prstGeom>
+          <a:noFill/>
+        </p:spPr>
+        <p:txBody>
+          <a:bodyPr wrap="none" rtlCol="0">
+            <a:spAutoFit/>
+          </a:bodyPr>
+          <a:lstStyle/>
+          <a:p>
+            <a:r>
+              <a:rPr lang="zh-CN" altLang="en-US" sz="2400" dirty="0"/>
+              <a:t>衔接位移用</a:t>
+            </a:r>
+          </a:p>
+        </p:txBody>
+      </p:sp>
+      <p:sp>
+        <p:nvSpPr>
+          <p:cNvPr id="15" name="文本框 14">
+            <a:extLst>
+              <a:ext uri="{FF2B5EF4-FFF2-40B4-BE49-F238E27FC236}">
+                <a16:creationId xmlns:a16="http://schemas.microsoft.com/office/drawing/2014/main" id="{123D45C3-8BCB-4AF8-B401-38E81E446102}"/>
+              </a:ext>
+            </a:extLst>
+          </p:cNvPr>
+          <p:cNvSpPr txBox="1"/>
+          <p:nvPr/>
+        </p:nvSpPr>
+        <p:spPr>
+          <a:xfrm>
+            <a:off x="1919207" y="3105834"/>
+            <a:ext cx="1107996" cy="646331"/>
+          </a:xfrm>
+          <a:prstGeom prst="rect">
+            <a:avLst/>
+          </a:prstGeom>
+          <a:noFill/>
+        </p:spPr>
+        <p:txBody>
+          <a:bodyPr wrap="none" rtlCol="0">
+            <a:spAutoFit/>
+          </a:bodyPr>
+          <a:lstStyle/>
+          <a:p>
+            <a:r>
+              <a:rPr lang="zh-CN" altLang="en-US" dirty="0"/>
+              <a:t>牙砲</a:t>
+            </a:r>
+            <a:endParaRPr lang="en-US" altLang="zh-CN" dirty="0"/>
+          </a:p>
+          <a:p>
+            <a:r>
+              <a:rPr lang="zh-CN" altLang="en-US" dirty="0"/>
+              <a:t>灭神牙砲</a:t>
+            </a:r>
+          </a:p>
+        </p:txBody>
+      </p:sp>
+      <p:sp>
+        <p:nvSpPr>
+          <p:cNvPr id="16" name="文本框 15">
+            <a:extLst>
+              <a:ext uri="{FF2B5EF4-FFF2-40B4-BE49-F238E27FC236}">
+                <a16:creationId xmlns:a16="http://schemas.microsoft.com/office/drawing/2014/main" id="{081D22EB-636F-4D62-9E4A-AAFD1B4E22D9}"/>
+              </a:ext>
+            </a:extLst>
+          </p:cNvPr>
+          <p:cNvSpPr txBox="1"/>
+          <p:nvPr/>
+        </p:nvSpPr>
+        <p:spPr>
+          <a:xfrm>
+            <a:off x="8210048" y="3146476"/>
+            <a:ext cx="2140330" cy="1200329"/>
+          </a:xfrm>
+          <a:prstGeom prst="rect">
+            <a:avLst/>
+          </a:prstGeom>
+          <a:noFill/>
+        </p:spPr>
+        <p:txBody>
+          <a:bodyPr wrap="none" rtlCol="0">
+            <a:spAutoFit/>
+          </a:bodyPr>
+          <a:lstStyle/>
+          <a:p>
+            <a:r>
+              <a:rPr lang="zh-CN" altLang="en-US" dirty="0"/>
+              <a:t>连牙弹</a:t>
+            </a:r>
+            <a:r>
+              <a:rPr lang="en-US" altLang="zh-CN" dirty="0"/>
+              <a:t>(5hit)</a:t>
+            </a:r>
+          </a:p>
+          <a:p>
+            <a:r>
+              <a:rPr lang="zh-CN" altLang="en-US" dirty="0"/>
+              <a:t>超连牙弹</a:t>
+            </a:r>
+            <a:r>
+              <a:rPr lang="en-US" altLang="zh-CN" dirty="0"/>
+              <a:t>(7hit </a:t>
+            </a:r>
+            <a:r>
+              <a:rPr lang="zh-CN" altLang="en-US" dirty="0"/>
+              <a:t>升空</a:t>
+            </a:r>
+            <a:r>
+              <a:rPr lang="en-US" altLang="zh-CN" dirty="0"/>
+              <a:t>)</a:t>
+            </a:r>
+          </a:p>
+          <a:p>
+            <a:endParaRPr lang="en-US" altLang="zh-CN" dirty="0"/>
+          </a:p>
+          <a:p>
+            <a:r>
+              <a:rPr lang="zh-CN" altLang="en-US" dirty="0"/>
+              <a:t>牙连脚</a:t>
+            </a:r>
+            <a:r>
+              <a:rPr lang="en-US" altLang="zh-CN" dirty="0"/>
+              <a:t>(4hit </a:t>
+            </a:r>
+            <a:r>
+              <a:rPr lang="zh-CN" altLang="en-US" dirty="0"/>
+              <a:t>空中</a:t>
+            </a:r>
+            <a:r>
+              <a:rPr lang="en-US" altLang="zh-CN" dirty="0"/>
+              <a:t>)</a:t>
+            </a:r>
+            <a:endParaRPr lang="zh-CN" altLang="en-US" dirty="0"/>
+          </a:p>
+        </p:txBody>
+      </p:sp>
+      <p:sp>
+        <p:nvSpPr>
+          <p:cNvPr id="17" name="文本框 16">
+            <a:extLst>
+              <a:ext uri="{FF2B5EF4-FFF2-40B4-BE49-F238E27FC236}">
+                <a16:creationId xmlns:a16="http://schemas.microsoft.com/office/drawing/2014/main" id="{52BEB145-A797-44BF-9E3F-744FD7233935}"/>
+              </a:ext>
+            </a:extLst>
+          </p:cNvPr>
+          <p:cNvSpPr txBox="1"/>
+          <p:nvPr/>
+        </p:nvSpPr>
+        <p:spPr>
+          <a:xfrm>
+            <a:off x="5172510" y="2510657"/>
+            <a:ext cx="1846980" cy="646331"/>
+          </a:xfrm>
+          <a:prstGeom prst="rect">
+            <a:avLst/>
+          </a:prstGeom>
+          <a:solidFill>
+            <a:schemeClr val="bg1"/>
+          </a:solidFill>
+        </p:spPr>
+        <p:txBody>
+          <a:bodyPr wrap="none" rtlCol="0">
+            <a:spAutoFit/>
+          </a:bodyPr>
+          <a:lstStyle/>
+          <a:p>
+            <a:r>
+              <a:rPr lang="zh-CN" altLang="en-US" dirty="0"/>
+              <a:t>卧狼咆虎</a:t>
+            </a:r>
+            <a:r>
+              <a:rPr lang="en-US" altLang="zh-CN" dirty="0"/>
+              <a:t>(6hit)</a:t>
+            </a:r>
+          </a:p>
+          <a:p>
+            <a:r>
+              <a:rPr lang="zh-CN" altLang="en-US" dirty="0"/>
+              <a:t>飞燕连天脚</a:t>
+            </a:r>
+            <a:r>
+              <a:rPr lang="en-US" altLang="zh-CN" dirty="0"/>
+              <a:t>(5hit)</a:t>
+            </a:r>
+          </a:p>
+        </p:txBody>
+      </p:sp>
+      <p:sp>
+        <p:nvSpPr>
+          <p:cNvPr id="18" name="文本框 17">
+            <a:extLst>
+              <a:ext uri="{FF2B5EF4-FFF2-40B4-BE49-F238E27FC236}">
+                <a16:creationId xmlns:a16="http://schemas.microsoft.com/office/drawing/2014/main" id="{70F9488E-AE33-4495-9086-800623113A2A}"/>
+              </a:ext>
+            </a:extLst>
+          </p:cNvPr>
+          <p:cNvSpPr txBox="1"/>
+          <p:nvPr/>
+        </p:nvSpPr>
+        <p:spPr>
+          <a:xfrm>
+            <a:off x="4765830" y="4743839"/>
+            <a:ext cx="2858475" cy="1477328"/>
+          </a:xfrm>
+          <a:prstGeom prst="rect">
+            <a:avLst/>
+          </a:prstGeom>
+          <a:noFill/>
+        </p:spPr>
+        <p:txBody>
+          <a:bodyPr wrap="none" rtlCol="0">
+            <a:spAutoFit/>
+          </a:bodyPr>
+          <a:lstStyle/>
+          <a:p>
+            <a:r>
+              <a:rPr lang="zh-CN" altLang="en-US" dirty="0"/>
+              <a:t>无影掌</a:t>
+            </a:r>
+            <a:r>
+              <a:rPr lang="en-US" altLang="zh-CN" dirty="0"/>
+              <a:t>(</a:t>
+            </a:r>
+            <a:r>
+              <a:rPr lang="zh-CN" altLang="en-US" dirty="0"/>
+              <a:t>突进</a:t>
+            </a:r>
+            <a:r>
+              <a:rPr lang="en-US" altLang="zh-CN" dirty="0"/>
+              <a:t>)</a:t>
+            </a:r>
+          </a:p>
+          <a:p>
+            <a:r>
+              <a:rPr lang="zh-CN" altLang="en-US" dirty="0"/>
+              <a:t>卧龙空破</a:t>
+            </a:r>
+            <a:r>
+              <a:rPr lang="en-US" altLang="zh-CN" dirty="0"/>
+              <a:t>(</a:t>
+            </a:r>
+            <a:r>
+              <a:rPr lang="zh-CN" altLang="en-US" dirty="0"/>
+              <a:t>升空</a:t>
+            </a:r>
+            <a:r>
+              <a:rPr lang="en-US" altLang="zh-CN" dirty="0"/>
+              <a:t>)</a:t>
+            </a:r>
+          </a:p>
+          <a:p>
+            <a:r>
+              <a:rPr lang="zh-CN" altLang="en-US" dirty="0"/>
+              <a:t>飞燕连脚</a:t>
+            </a:r>
+            <a:r>
+              <a:rPr lang="en-US" altLang="zh-CN" dirty="0"/>
+              <a:t>(</a:t>
+            </a:r>
+            <a:r>
+              <a:rPr lang="zh-CN" altLang="en-US" dirty="0"/>
+              <a:t>升空</a:t>
+            </a:r>
+            <a:r>
+              <a:rPr lang="en-US" altLang="zh-CN" dirty="0"/>
+              <a:t>)</a:t>
+            </a:r>
+          </a:p>
+          <a:p>
+            <a:r>
+              <a:rPr lang="zh-CN" altLang="en-US" dirty="0"/>
+              <a:t>鹰爪袭击</a:t>
+            </a:r>
+            <a:r>
+              <a:rPr lang="en-US" altLang="zh-CN" dirty="0"/>
+              <a:t>(</a:t>
+            </a:r>
+            <a:r>
+              <a:rPr lang="zh-CN" altLang="en-US" dirty="0"/>
+              <a:t>落地</a:t>
+            </a:r>
+            <a:r>
+              <a:rPr lang="en-US" altLang="zh-CN" dirty="0"/>
+              <a:t>)</a:t>
+            </a:r>
+          </a:p>
+          <a:p>
+            <a:r>
+              <a:rPr lang="zh-CN" altLang="en-US" dirty="0"/>
+              <a:t>普通攻击第四段</a:t>
+            </a:r>
+            <a:r>
+              <a:rPr lang="en-US" altLang="zh-CN" dirty="0"/>
+              <a:t>(</a:t>
+            </a:r>
+            <a:r>
+              <a:rPr lang="zh-CN" altLang="en-US" dirty="0"/>
+              <a:t>低空升空</a:t>
+            </a:r>
+            <a:r>
+              <a:rPr lang="en-US" altLang="zh-CN" dirty="0"/>
+              <a:t>)</a:t>
+            </a:r>
+            <a:endParaRPr lang="zh-CN" altLang="en-US" dirty="0"/>
+          </a:p>
+        </p:txBody>
+      </p:sp>
+      <p:sp>
+        <p:nvSpPr>
+          <p:cNvPr id="19" name="文本框 18">
+            <a:extLst>
+              <a:ext uri="{FF2B5EF4-FFF2-40B4-BE49-F238E27FC236}">
+                <a16:creationId xmlns:a16="http://schemas.microsoft.com/office/drawing/2014/main" id="{914F50E6-99B9-4FDF-B30C-7706368A08B6}"/>
+              </a:ext>
+            </a:extLst>
+          </p:cNvPr>
+          <p:cNvSpPr txBox="1"/>
+          <p:nvPr/>
+        </p:nvSpPr>
+        <p:spPr>
+          <a:xfrm>
+            <a:off x="7287038" y="4518572"/>
+            <a:ext cx="2608406" cy="923330"/>
+          </a:xfrm>
+          <a:prstGeom prst="rect">
+            <a:avLst/>
+          </a:prstGeom>
+          <a:solidFill>
+            <a:schemeClr val="bg1"/>
+          </a:solidFill>
+        </p:spPr>
+        <p:txBody>
+          <a:bodyPr wrap="none" rtlCol="0">
+            <a:spAutoFit/>
+          </a:bodyPr>
+          <a:lstStyle/>
+          <a:p>
+            <a:r>
+              <a:rPr lang="zh-CN" altLang="en-US" dirty="0"/>
+              <a:t>炎霸爆碎拳</a:t>
+            </a:r>
+            <a:r>
+              <a:rPr lang="en-US" altLang="zh-CN" dirty="0"/>
+              <a:t>(5hit </a:t>
+            </a:r>
+            <a:r>
+              <a:rPr lang="zh-CN" altLang="en-US" dirty="0"/>
+              <a:t>落地</a:t>
+            </a:r>
+            <a:r>
+              <a:rPr lang="en-US" altLang="zh-CN" dirty="0"/>
+              <a:t>)</a:t>
+            </a:r>
+          </a:p>
+          <a:p>
+            <a:r>
+              <a:rPr lang="zh-CN" altLang="en-US" dirty="0"/>
+              <a:t>散华猛袭脚</a:t>
+            </a:r>
+            <a:r>
+              <a:rPr lang="en-US" altLang="zh-CN" dirty="0"/>
+              <a:t>(4-5hit </a:t>
+            </a:r>
+            <a:r>
+              <a:rPr lang="zh-CN" altLang="en-US" dirty="0"/>
+              <a:t>落地</a:t>
+            </a:r>
+            <a:r>
+              <a:rPr lang="en-US" altLang="zh-CN" dirty="0"/>
+              <a:t>)</a:t>
+            </a:r>
+          </a:p>
+          <a:p>
+            <a:r>
+              <a:rPr lang="zh-CN" altLang="en-US" dirty="0"/>
+              <a:t>鹰爪落瀑蹴</a:t>
+            </a:r>
+            <a:r>
+              <a:rPr lang="en-US" altLang="zh-CN" dirty="0"/>
+              <a:t>(4hit </a:t>
+            </a:r>
+            <a:r>
+              <a:rPr lang="zh-CN" altLang="en-US" dirty="0"/>
+              <a:t>落地</a:t>
+            </a:r>
+            <a:r>
+              <a:rPr lang="en-US" altLang="zh-CN" dirty="0"/>
+              <a:t>)</a:t>
+            </a:r>
+            <a:endParaRPr lang="zh-CN" altLang="en-US" dirty="0"/>
+          </a:p>
+        </p:txBody>
+      </p:sp>
+      <p:sp>
+        <p:nvSpPr>
+          <p:cNvPr id="20" name="文本框 19">
+            <a:extLst>
+              <a:ext uri="{FF2B5EF4-FFF2-40B4-BE49-F238E27FC236}">
+                <a16:creationId xmlns:a16="http://schemas.microsoft.com/office/drawing/2014/main" id="{48C3F571-6D01-48FE-90CB-AC30C2975873}"/>
+              </a:ext>
+            </a:extLst>
+          </p:cNvPr>
+          <p:cNvSpPr txBox="1"/>
+          <p:nvPr/>
+        </p:nvSpPr>
+        <p:spPr>
+          <a:xfrm>
+            <a:off x="1885704" y="4018043"/>
+            <a:ext cx="2282997" cy="369332"/>
+          </a:xfrm>
+          <a:prstGeom prst="rect">
+            <a:avLst/>
+          </a:prstGeom>
+          <a:noFill/>
+        </p:spPr>
+        <p:txBody>
+          <a:bodyPr wrap="none" rtlCol="0">
+            <a:spAutoFit/>
+          </a:bodyPr>
+          <a:lstStyle/>
+          <a:p>
+            <a:r>
+              <a:rPr lang="zh-CN" altLang="en-US" dirty="0"/>
+              <a:t>各种少</a:t>
+            </a:r>
+            <a:r>
+              <a:rPr lang="en-US" altLang="zh-CN" dirty="0"/>
+              <a:t>hit</a:t>
+            </a:r>
+            <a:r>
+              <a:rPr lang="zh-CN" altLang="en-US" dirty="0"/>
+              <a:t>数的属性技</a:t>
+            </a:r>
+          </a:p>
+        </p:txBody>
+      </p:sp>
+    </p:spTree>
+    <p:extLst>
+      <p:ext uri="{BB962C8B-B14F-4D97-AF65-F5344CB8AC3E}">
+        <p14:creationId xmlns:p14="http://schemas.microsoft.com/office/powerpoint/2010/main" val="3314187485"/>
+      </p:ext>
+    </p:extLst>
+  </p:cSld>
+  <p:clrMapOvr>
+    <a:masterClrMapping/>
+  </p:clrMapOvr>
+</p:sld>
+</file>
+
+<file path=ppt/slides/slide12.xml><?xml version="1.0" encoding="utf-8"?>
+<p:sld xmlns:a="http://schemas.openxmlformats.org/drawingml/2006/main" xmlns:r="http://schemas.openxmlformats.org/officeDocument/2006/relationships" xmlns:p="http://schemas.openxmlformats.org/presentationml/2006/main">
+  <p:cSld>
+    <p:spTree>
+      <p:nvGrpSpPr>
+        <p:cNvPr id="1" name=""/>
+        <p:cNvGrpSpPr/>
+        <p:nvPr/>
+      </p:nvGrpSpPr>
+      <p:grpSpPr>
+        <a:xfrm>
+          <a:off x="0" y="0"/>
+          <a:ext cx="0" cy="0"/>
+          <a:chOff x="0" y="0"/>
+          <a:chExt cx="0" cy="0"/>
+        </a:xfrm>
+      </p:grpSpPr>
+      <p:sp>
+        <p:nvSpPr>
+          <p:cNvPr id="2" name="标题 1">
+            <a:extLst>
+              <a:ext uri="{FF2B5EF4-FFF2-40B4-BE49-F238E27FC236}">
                 <a16:creationId xmlns:a16="http://schemas.microsoft.com/office/drawing/2014/main" id="{41B5655C-6564-45B7-B53F-16A3CF0E5EE2}"/>
               </a:ext>
             </a:extLst>
@@ -5945,7 +6444,7 @@
 </p:sld>
 </file>
 
-<file path=ppt/slides/slide12.xml><?xml version="1.0" encoding="utf-8"?>
+<file path=ppt/slides/slide13.xml><?xml version="1.0" encoding="utf-8"?>
 <p:sld xmlns:a="http://schemas.openxmlformats.org/drawingml/2006/main" xmlns:r="http://schemas.openxmlformats.org/officeDocument/2006/relationships" xmlns:p="http://schemas.openxmlformats.org/presentationml/2006/main">
   <p:cSld>
     <p:spTree>
@@ -11849,7 +12348,7 @@
           <p:cNvPr id="2" name="标题 1">
             <a:extLst>
               <a:ext uri="{FF2B5EF4-FFF2-40B4-BE49-F238E27FC236}">
-                <a16:creationId xmlns:a16="http://schemas.microsoft.com/office/drawing/2014/main" id="{A2BFD830-B67B-4657-89B6-95B9E6B73FB0}"/>
+                <a16:creationId xmlns:a16="http://schemas.microsoft.com/office/drawing/2014/main" id="{7EE5896D-7C5C-4ADF-A5A9-29FF9E913E1D}"/>
               </a:ext>
             </a:extLst>
           </p:cNvPr>
@@ -11867,17 +12366,292 @@
           <a:p>
             <a:r>
               <a:rPr lang="zh-CN" altLang="en-US" dirty="0"/>
-              <a:t>希侬的招式分类</a:t>
-            </a:r>
+              <a:t>奥尔芬的招式分类</a:t>
+            </a:r>
+          </a:p>
+        </p:txBody>
+      </p:sp>
+      <p:sp>
+        <p:nvSpPr>
+          <p:cNvPr id="3" name="矩形 2">
+            <a:extLst>
+              <a:ext uri="{FF2B5EF4-FFF2-40B4-BE49-F238E27FC236}">
+                <a16:creationId xmlns:a16="http://schemas.microsoft.com/office/drawing/2014/main" id="{BB027216-F7BB-4CEB-9B62-EEB22452654F}"/>
+              </a:ext>
+            </a:extLst>
+          </p:cNvPr>
+          <p:cNvSpPr/>
+          <p:nvPr/>
+        </p:nvSpPr>
+        <p:spPr>
+          <a:xfrm>
+            <a:off x="791966" y="1702941"/>
+            <a:ext cx="10561834" cy="1882740"/>
+          </a:xfrm>
+          <a:prstGeom prst="rect">
+            <a:avLst/>
+          </a:prstGeom>
+          <a:noFill/>
+          <a:ln w="28575">
+            <a:solidFill>
+              <a:schemeClr val="tx1"/>
+            </a:solidFill>
+          </a:ln>
+        </p:spPr>
+        <p:style>
+          <a:lnRef idx="2">
+            <a:schemeClr val="accent1">
+              <a:shade val="50000"/>
+            </a:schemeClr>
+          </a:lnRef>
+          <a:fillRef idx="1">
+            <a:schemeClr val="accent1"/>
+          </a:fillRef>
+          <a:effectRef idx="0">
+            <a:schemeClr val="accent1"/>
+          </a:effectRef>
+          <a:fontRef idx="minor">
+            <a:schemeClr val="lt1"/>
+          </a:fontRef>
+        </p:style>
+        <p:txBody>
+          <a:bodyPr rtlCol="0" anchor="ctr"/>
+          <a:lstStyle/>
+          <a:p>
+            <a:pPr algn="ctr"/>
+            <a:endParaRPr lang="zh-CN" altLang="en-US"/>
+          </a:p>
+        </p:txBody>
+      </p:sp>
+      <p:sp>
+        <p:nvSpPr>
+          <p:cNvPr id="4" name="文本框 3">
+            <a:extLst>
+              <a:ext uri="{FF2B5EF4-FFF2-40B4-BE49-F238E27FC236}">
+                <a16:creationId xmlns:a16="http://schemas.microsoft.com/office/drawing/2014/main" id="{A3398FCC-E4CF-41E0-B4B3-00F95F9B091E}"/>
+              </a:ext>
+            </a:extLst>
+          </p:cNvPr>
+          <p:cNvSpPr txBox="1"/>
+          <p:nvPr/>
+        </p:nvSpPr>
+        <p:spPr>
+          <a:xfrm>
+            <a:off x="838200" y="1859622"/>
+            <a:ext cx="697627" cy="400110"/>
+          </a:xfrm>
+          <a:prstGeom prst="rect">
+            <a:avLst/>
+          </a:prstGeom>
+          <a:noFill/>
+        </p:spPr>
+        <p:txBody>
+          <a:bodyPr wrap="none" rtlCol="0">
+            <a:spAutoFit/>
+          </a:bodyPr>
+          <a:lstStyle/>
+          <a:p>
+            <a:r>
+              <a:rPr lang="zh-CN" altLang="en-US" sz="2000" dirty="0"/>
+              <a:t>地面</a:t>
+            </a:r>
+          </a:p>
+        </p:txBody>
+      </p:sp>
+      <p:sp>
+        <p:nvSpPr>
+          <p:cNvPr id="5" name="文本框 4">
+            <a:extLst>
+              <a:ext uri="{FF2B5EF4-FFF2-40B4-BE49-F238E27FC236}">
+                <a16:creationId xmlns:a16="http://schemas.microsoft.com/office/drawing/2014/main" id="{248CA95E-2BD1-4B01-A84E-7AAADEA24BA4}"/>
+              </a:ext>
+            </a:extLst>
+          </p:cNvPr>
+          <p:cNvSpPr txBox="1"/>
+          <p:nvPr/>
+        </p:nvSpPr>
+        <p:spPr>
+          <a:xfrm>
+            <a:off x="2054831" y="1951672"/>
+            <a:ext cx="2257349" cy="1477328"/>
+          </a:xfrm>
+          <a:prstGeom prst="rect">
+            <a:avLst/>
+          </a:prstGeom>
+          <a:noFill/>
+        </p:spPr>
+        <p:txBody>
+          <a:bodyPr wrap="none" rtlCol="0">
+            <a:spAutoFit/>
+          </a:bodyPr>
+          <a:lstStyle/>
+          <a:p>
+            <a:r>
+              <a:rPr lang="zh-CN" altLang="en-US" dirty="0"/>
+              <a:t>打桩：</a:t>
+            </a:r>
+            <a:endParaRPr lang="en-US" altLang="zh-CN" dirty="0"/>
+          </a:p>
+          <a:p>
+            <a:r>
+              <a:rPr lang="zh-CN" altLang="en-US" dirty="0"/>
+              <a:t>轰霸斩</a:t>
+            </a:r>
+            <a:endParaRPr lang="en-US" altLang="zh-CN" dirty="0"/>
+          </a:p>
+          <a:p>
+            <a:r>
+              <a:rPr lang="zh-CN" altLang="en-US" dirty="0"/>
+              <a:t>飞燕刀</a:t>
+            </a:r>
+            <a:r>
+              <a:rPr lang="en-US" altLang="zh-CN" dirty="0">
+                <a:sym typeface="Wingdings" panose="05000000000000000000" pitchFamily="2" charset="2"/>
+              </a:rPr>
+              <a:t></a:t>
+            </a:r>
+            <a:r>
+              <a:rPr lang="zh-CN" altLang="en-US" dirty="0">
+                <a:sym typeface="Wingdings" panose="05000000000000000000" pitchFamily="2" charset="2"/>
+              </a:rPr>
+              <a:t>真空双燕刃</a:t>
+            </a:r>
+            <a:endParaRPr lang="en-US" altLang="zh-CN" dirty="0">
+              <a:sym typeface="Wingdings" panose="05000000000000000000" pitchFamily="2" charset="2"/>
+            </a:endParaRPr>
+          </a:p>
+          <a:p>
+            <a:r>
+              <a:rPr lang="zh-CN" altLang="en-US" dirty="0">
+                <a:sym typeface="Wingdings" panose="05000000000000000000" pitchFamily="2" charset="2"/>
+              </a:rPr>
+              <a:t>秋沙雨</a:t>
+            </a:r>
+            <a:endParaRPr lang="en-US" altLang="zh-CN" dirty="0">
+              <a:sym typeface="Wingdings" panose="05000000000000000000" pitchFamily="2" charset="2"/>
+            </a:endParaRPr>
+          </a:p>
+          <a:p>
+            <a:r>
+              <a:rPr lang="en-US" altLang="zh-CN" dirty="0">
+                <a:sym typeface="Wingdings" panose="05000000000000000000" pitchFamily="2" charset="2"/>
+              </a:rPr>
+              <a:t>…</a:t>
+            </a:r>
+            <a:endParaRPr lang="en-US" altLang="zh-CN" dirty="0"/>
+          </a:p>
+        </p:txBody>
+      </p:sp>
+      <p:sp>
+        <p:nvSpPr>
+          <p:cNvPr id="6" name="文本框 5">
+            <a:extLst>
+              <a:ext uri="{FF2B5EF4-FFF2-40B4-BE49-F238E27FC236}">
+                <a16:creationId xmlns:a16="http://schemas.microsoft.com/office/drawing/2014/main" id="{2DE61A04-DF41-43DF-8DE2-BCC216260AE8}"/>
+              </a:ext>
+            </a:extLst>
+          </p:cNvPr>
+          <p:cNvSpPr txBox="1"/>
+          <p:nvPr/>
+        </p:nvSpPr>
+        <p:spPr>
+          <a:xfrm>
+            <a:off x="5589733" y="1807685"/>
+            <a:ext cx="1465466" cy="646331"/>
+          </a:xfrm>
+          <a:prstGeom prst="rect">
+            <a:avLst/>
+          </a:prstGeom>
+          <a:noFill/>
+        </p:spPr>
+        <p:txBody>
+          <a:bodyPr wrap="none" rtlCol="0">
+            <a:spAutoFit/>
+          </a:bodyPr>
+          <a:lstStyle/>
+          <a:p>
+            <a:r>
+              <a:rPr lang="zh-CN" altLang="en-US" dirty="0"/>
+              <a:t>远距离：</a:t>
+            </a:r>
+            <a:endParaRPr lang="en-US" altLang="zh-CN" dirty="0"/>
+          </a:p>
+          <a:p>
+            <a:r>
+              <a:rPr lang="zh-CN" altLang="en-US" dirty="0"/>
+              <a:t>魔神剑</a:t>
+            </a:r>
+            <a:r>
+              <a:rPr lang="en-US" altLang="zh-CN" dirty="0"/>
+              <a:t>(</a:t>
+            </a:r>
+            <a:r>
+              <a:rPr lang="zh-CN" altLang="en-US" dirty="0"/>
+              <a:t>双牙</a:t>
+            </a:r>
+            <a:r>
+              <a:rPr lang="en-US" altLang="zh-CN" dirty="0"/>
+              <a:t>)</a:t>
+            </a:r>
+          </a:p>
+        </p:txBody>
+      </p:sp>
+      <p:sp>
+        <p:nvSpPr>
+          <p:cNvPr id="7" name="文本框 6">
+            <a:extLst>
+              <a:ext uri="{FF2B5EF4-FFF2-40B4-BE49-F238E27FC236}">
+                <a16:creationId xmlns:a16="http://schemas.microsoft.com/office/drawing/2014/main" id="{53F094E4-7C05-4AFF-9825-0ACE7A8CB893}"/>
+              </a:ext>
+            </a:extLst>
+          </p:cNvPr>
+          <p:cNvSpPr txBox="1"/>
+          <p:nvPr/>
+        </p:nvSpPr>
+        <p:spPr>
+          <a:xfrm>
+            <a:off x="5589733" y="2455577"/>
+            <a:ext cx="1338828" cy="923330"/>
+          </a:xfrm>
+          <a:prstGeom prst="rect">
+            <a:avLst/>
+          </a:prstGeom>
+          <a:noFill/>
+        </p:spPr>
+        <p:txBody>
+          <a:bodyPr wrap="none" rtlCol="0">
+            <a:spAutoFit/>
+          </a:bodyPr>
+          <a:lstStyle/>
+          <a:p>
+            <a:r>
+              <a:rPr lang="zh-CN" altLang="en-US" dirty="0"/>
+              <a:t>突进：</a:t>
+            </a:r>
+            <a:endParaRPr lang="en-US" altLang="zh-CN" dirty="0"/>
+          </a:p>
+          <a:p>
+            <a:r>
+              <a:rPr lang="zh-CN" altLang="en-US" dirty="0"/>
+              <a:t>瞬迅剑</a:t>
+            </a:r>
+            <a:endParaRPr lang="en-US" altLang="zh-CN" dirty="0"/>
+          </a:p>
+          <a:p>
+            <a:r>
+              <a:rPr lang="zh-CN" altLang="en-US" dirty="0"/>
+              <a:t>空破绝掌击</a:t>
+            </a:r>
+            <a:endParaRPr lang="en-US" altLang="zh-CN" dirty="0"/>
           </a:p>
         </p:txBody>
       </p:sp>
       <p:cxnSp>
         <p:nvCxnSpPr>
-          <p:cNvPr id="3" name="直接连接符 2">
-            <a:extLst>
-              <a:ext uri="{FF2B5EF4-FFF2-40B4-BE49-F238E27FC236}">
-                <a16:creationId xmlns:a16="http://schemas.microsoft.com/office/drawing/2014/main" id="{5AC67411-9ED7-468F-8134-D877D5E241C2}"/>
+          <p:cNvPr id="9" name="直接连接符 8">
+            <a:extLst>
+              <a:ext uri="{FF2B5EF4-FFF2-40B4-BE49-F238E27FC236}">
+                <a16:creationId xmlns:a16="http://schemas.microsoft.com/office/drawing/2014/main" id="{630BA712-B671-43BD-ABFF-DD7B4B4A3AA9}"/>
               </a:ext>
             </a:extLst>
           </p:cNvPr>
@@ -11886,8 +12660,483 @@
         </p:nvCxnSpPr>
         <p:spPr>
           <a:xfrm>
-            <a:off x="6096000" y="1993187"/>
-            <a:ext cx="0" cy="1952089"/>
+            <a:off x="5034337" y="1859622"/>
+            <a:ext cx="0" cy="1569378"/>
+          </a:xfrm>
+          <a:prstGeom prst="line">
+            <a:avLst/>
+          </a:prstGeom>
+          <a:ln w="28575">
+            <a:solidFill>
+              <a:schemeClr val="tx1"/>
+            </a:solidFill>
+          </a:ln>
+        </p:spPr>
+        <p:style>
+          <a:lnRef idx="1">
+            <a:schemeClr val="accent1"/>
+          </a:lnRef>
+          <a:fillRef idx="0">
+            <a:schemeClr val="accent1"/>
+          </a:fillRef>
+          <a:effectRef idx="0">
+            <a:schemeClr val="accent1"/>
+          </a:effectRef>
+          <a:fontRef idx="minor">
+            <a:schemeClr val="tx1"/>
+          </a:fontRef>
+        </p:style>
+      </p:cxnSp>
+      <p:sp>
+        <p:nvSpPr>
+          <p:cNvPr id="10" name="矩形 9">
+            <a:extLst>
+              <a:ext uri="{FF2B5EF4-FFF2-40B4-BE49-F238E27FC236}">
+                <a16:creationId xmlns:a16="http://schemas.microsoft.com/office/drawing/2014/main" id="{97EA9F00-92EB-4C3D-AD62-81B93FF6D9F6}"/>
+              </a:ext>
+            </a:extLst>
+          </p:cNvPr>
+          <p:cNvSpPr/>
+          <p:nvPr/>
+        </p:nvSpPr>
+        <p:spPr>
+          <a:xfrm>
+            <a:off x="791966" y="3922159"/>
+            <a:ext cx="3173859" cy="1882740"/>
+          </a:xfrm>
+          <a:prstGeom prst="rect">
+            <a:avLst/>
+          </a:prstGeom>
+          <a:noFill/>
+          <a:ln w="28575">
+            <a:solidFill>
+              <a:schemeClr val="tx1"/>
+            </a:solidFill>
+          </a:ln>
+        </p:spPr>
+        <p:style>
+          <a:lnRef idx="2">
+            <a:schemeClr val="accent1">
+              <a:shade val="50000"/>
+            </a:schemeClr>
+          </a:lnRef>
+          <a:fillRef idx="1">
+            <a:schemeClr val="accent1"/>
+          </a:fillRef>
+          <a:effectRef idx="0">
+            <a:schemeClr val="accent1"/>
+          </a:effectRef>
+          <a:fontRef idx="minor">
+            <a:schemeClr val="lt1"/>
+          </a:fontRef>
+        </p:style>
+        <p:txBody>
+          <a:bodyPr rtlCol="0" anchor="ctr"/>
+          <a:lstStyle/>
+          <a:p>
+            <a:pPr algn="ctr"/>
+            <a:endParaRPr lang="zh-CN" altLang="en-US"/>
+          </a:p>
+        </p:txBody>
+      </p:sp>
+      <p:sp>
+        <p:nvSpPr>
+          <p:cNvPr id="11" name="文本框 10">
+            <a:extLst>
+              <a:ext uri="{FF2B5EF4-FFF2-40B4-BE49-F238E27FC236}">
+                <a16:creationId xmlns:a16="http://schemas.microsoft.com/office/drawing/2014/main" id="{8CA2DC3A-CC82-4830-861C-AF18ACA044A5}"/>
+              </a:ext>
+            </a:extLst>
+          </p:cNvPr>
+          <p:cNvSpPr txBox="1"/>
+          <p:nvPr/>
+        </p:nvSpPr>
+        <p:spPr>
+          <a:xfrm>
+            <a:off x="838200" y="4048600"/>
+            <a:ext cx="1210588" cy="400110"/>
+          </a:xfrm>
+          <a:prstGeom prst="rect">
+            <a:avLst/>
+          </a:prstGeom>
+          <a:noFill/>
+        </p:spPr>
+        <p:txBody>
+          <a:bodyPr wrap="none" rtlCol="0">
+            <a:spAutoFit/>
+          </a:bodyPr>
+          <a:lstStyle/>
+          <a:p>
+            <a:r>
+              <a:rPr lang="zh-CN" altLang="en-US" sz="2000" dirty="0"/>
+              <a:t>空地衔接</a:t>
+            </a:r>
+          </a:p>
+        </p:txBody>
+      </p:sp>
+      <p:sp>
+        <p:nvSpPr>
+          <p:cNvPr id="12" name="文本框 11">
+            <a:extLst>
+              <a:ext uri="{FF2B5EF4-FFF2-40B4-BE49-F238E27FC236}">
+                <a16:creationId xmlns:a16="http://schemas.microsoft.com/office/drawing/2014/main" id="{BB4DF75A-3FC1-45BA-A572-0D4D72A80364}"/>
+              </a:ext>
+            </a:extLst>
+          </p:cNvPr>
+          <p:cNvSpPr txBox="1"/>
+          <p:nvPr/>
+        </p:nvSpPr>
+        <p:spPr>
+          <a:xfrm>
+            <a:off x="2095022" y="4448710"/>
+            <a:ext cx="877163" cy="1200329"/>
+          </a:xfrm>
+          <a:prstGeom prst="rect">
+            <a:avLst/>
+          </a:prstGeom>
+          <a:noFill/>
+        </p:spPr>
+        <p:txBody>
+          <a:bodyPr wrap="none" rtlCol="0">
+            <a:spAutoFit/>
+          </a:bodyPr>
+          <a:lstStyle/>
+          <a:p>
+            <a:r>
+              <a:rPr lang="zh-CN" altLang="en-US" dirty="0"/>
+              <a:t>升龙刹</a:t>
+            </a:r>
+            <a:endParaRPr lang="en-US" altLang="zh-CN" dirty="0"/>
+          </a:p>
+          <a:p>
+            <a:r>
+              <a:rPr lang="zh-CN" altLang="en-US" dirty="0"/>
+              <a:t>瞬雷</a:t>
+            </a:r>
+            <a:endParaRPr lang="en-US" altLang="zh-CN" dirty="0"/>
+          </a:p>
+          <a:p>
+            <a:r>
+              <a:rPr lang="zh-CN" altLang="en-US" dirty="0"/>
+              <a:t>阳炎</a:t>
+            </a:r>
+            <a:endParaRPr lang="en-US" altLang="zh-CN" dirty="0"/>
+          </a:p>
+          <a:p>
+            <a:r>
+              <a:rPr lang="en-US" altLang="zh-CN" dirty="0"/>
+              <a:t>…</a:t>
+            </a:r>
+            <a:endParaRPr lang="zh-CN" altLang="en-US" dirty="0"/>
+          </a:p>
+        </p:txBody>
+      </p:sp>
+      <p:sp>
+        <p:nvSpPr>
+          <p:cNvPr id="13" name="矩形 12">
+            <a:extLst>
+              <a:ext uri="{FF2B5EF4-FFF2-40B4-BE49-F238E27FC236}">
+                <a16:creationId xmlns:a16="http://schemas.microsoft.com/office/drawing/2014/main" id="{DC8E3967-EE0B-40CA-A882-5048BA9EB329}"/>
+              </a:ext>
+            </a:extLst>
+          </p:cNvPr>
+          <p:cNvSpPr/>
+          <p:nvPr/>
+        </p:nvSpPr>
+        <p:spPr>
+          <a:xfrm>
+            <a:off x="4509070" y="3922159"/>
+            <a:ext cx="6844730" cy="1882740"/>
+          </a:xfrm>
+          <a:prstGeom prst="rect">
+            <a:avLst/>
+          </a:prstGeom>
+          <a:noFill/>
+          <a:ln w="28575">
+            <a:solidFill>
+              <a:schemeClr val="tx1"/>
+            </a:solidFill>
+          </a:ln>
+        </p:spPr>
+        <p:style>
+          <a:lnRef idx="2">
+            <a:schemeClr val="accent1">
+              <a:shade val="50000"/>
+            </a:schemeClr>
+          </a:lnRef>
+          <a:fillRef idx="1">
+            <a:schemeClr val="accent1"/>
+          </a:fillRef>
+          <a:effectRef idx="0">
+            <a:schemeClr val="accent1"/>
+          </a:effectRef>
+          <a:fontRef idx="minor">
+            <a:schemeClr val="lt1"/>
+          </a:fontRef>
+        </p:style>
+        <p:txBody>
+          <a:bodyPr rtlCol="0" anchor="ctr"/>
+          <a:lstStyle/>
+          <a:p>
+            <a:pPr algn="ctr"/>
+            <a:endParaRPr lang="zh-CN" altLang="en-US"/>
+          </a:p>
+        </p:txBody>
+      </p:sp>
+      <p:sp>
+        <p:nvSpPr>
+          <p:cNvPr id="14" name="文本框 13">
+            <a:extLst>
+              <a:ext uri="{FF2B5EF4-FFF2-40B4-BE49-F238E27FC236}">
+                <a16:creationId xmlns:a16="http://schemas.microsoft.com/office/drawing/2014/main" id="{F2E028BE-8EA6-408C-8E22-D42069DF8A3D}"/>
+              </a:ext>
+            </a:extLst>
+          </p:cNvPr>
+          <p:cNvSpPr txBox="1"/>
+          <p:nvPr/>
+        </p:nvSpPr>
+        <p:spPr>
+          <a:xfrm>
+            <a:off x="4571254" y="4048600"/>
+            <a:ext cx="697627" cy="400110"/>
+          </a:xfrm>
+          <a:prstGeom prst="rect">
+            <a:avLst/>
+          </a:prstGeom>
+          <a:noFill/>
+        </p:spPr>
+        <p:txBody>
+          <a:bodyPr wrap="none" rtlCol="0">
+            <a:spAutoFit/>
+          </a:bodyPr>
+          <a:lstStyle/>
+          <a:p>
+            <a:r>
+              <a:rPr lang="zh-CN" altLang="en-US" sz="2000" dirty="0"/>
+              <a:t>空中</a:t>
+            </a:r>
+          </a:p>
+        </p:txBody>
+      </p:sp>
+      <p:sp>
+        <p:nvSpPr>
+          <p:cNvPr id="15" name="文本框 14">
+            <a:extLst>
+              <a:ext uri="{FF2B5EF4-FFF2-40B4-BE49-F238E27FC236}">
+                <a16:creationId xmlns:a16="http://schemas.microsoft.com/office/drawing/2014/main" id="{D35C9E4A-3110-4235-B5C2-CB001EEBC95C}"/>
+              </a:ext>
+            </a:extLst>
+          </p:cNvPr>
+          <p:cNvSpPr txBox="1"/>
+          <p:nvPr/>
+        </p:nvSpPr>
+        <p:spPr>
+          <a:xfrm>
+            <a:off x="5445303" y="4084851"/>
+            <a:ext cx="877163" cy="1477328"/>
+          </a:xfrm>
+          <a:prstGeom prst="rect">
+            <a:avLst/>
+          </a:prstGeom>
+          <a:noFill/>
+        </p:spPr>
+        <p:txBody>
+          <a:bodyPr wrap="none" rtlCol="0">
+            <a:spAutoFit/>
+          </a:bodyPr>
+          <a:lstStyle/>
+          <a:p>
+            <a:r>
+              <a:rPr lang="zh-CN" altLang="en-US" dirty="0"/>
+              <a:t>打桩：</a:t>
+            </a:r>
+            <a:endParaRPr lang="en-US" altLang="zh-CN" dirty="0"/>
+          </a:p>
+          <a:p>
+            <a:r>
+              <a:rPr lang="zh-CN" altLang="en-US" dirty="0"/>
+              <a:t>流星尘</a:t>
+            </a:r>
+            <a:endParaRPr lang="en-US" altLang="zh-CN" dirty="0"/>
+          </a:p>
+          <a:p>
+            <a:r>
+              <a:rPr lang="zh-CN" altLang="en-US" dirty="0"/>
+              <a:t>圆月</a:t>
+            </a:r>
+            <a:endParaRPr lang="en-US" altLang="zh-CN" dirty="0"/>
+          </a:p>
+          <a:p>
+            <a:r>
+              <a:rPr lang="zh-CN" altLang="en-US" dirty="0"/>
+              <a:t>风神剑</a:t>
+            </a:r>
+            <a:endParaRPr lang="en-US" altLang="zh-CN" dirty="0"/>
+          </a:p>
+          <a:p>
+            <a:r>
+              <a:rPr lang="zh-CN" altLang="en-US" dirty="0"/>
+              <a:t>裂空闪</a:t>
+            </a:r>
+            <a:endParaRPr lang="en-US" altLang="zh-CN" dirty="0"/>
+          </a:p>
+        </p:txBody>
+      </p:sp>
+      <p:sp>
+        <p:nvSpPr>
+          <p:cNvPr id="16" name="文本框 15">
+            <a:extLst>
+              <a:ext uri="{FF2B5EF4-FFF2-40B4-BE49-F238E27FC236}">
+                <a16:creationId xmlns:a16="http://schemas.microsoft.com/office/drawing/2014/main" id="{540FA978-B136-47BF-8A09-772CFDABE46E}"/>
+              </a:ext>
+            </a:extLst>
+          </p:cNvPr>
+          <p:cNvSpPr txBox="1"/>
+          <p:nvPr/>
+        </p:nvSpPr>
+        <p:spPr>
+          <a:xfrm>
+            <a:off x="8530662" y="3987045"/>
+            <a:ext cx="2329484" cy="1200329"/>
+          </a:xfrm>
+          <a:prstGeom prst="rect">
+            <a:avLst/>
+          </a:prstGeom>
+          <a:noFill/>
+        </p:spPr>
+        <p:txBody>
+          <a:bodyPr wrap="none" rtlCol="0">
+            <a:spAutoFit/>
+          </a:bodyPr>
+          <a:lstStyle/>
+          <a:p>
+            <a:r>
+              <a:rPr lang="zh-CN" altLang="en-US" dirty="0"/>
+              <a:t>终结技</a:t>
+            </a:r>
+            <a:r>
+              <a:rPr lang="en-US" altLang="zh-CN" dirty="0"/>
+              <a:t>(</a:t>
+            </a:r>
+            <a:r>
+              <a:rPr lang="zh-CN" altLang="en-US" dirty="0"/>
+              <a:t>会将敌人击飞</a:t>
+            </a:r>
+            <a:endParaRPr lang="en-US" altLang="zh-CN" dirty="0"/>
+          </a:p>
+          <a:p>
+            <a:r>
+              <a:rPr lang="zh-CN" altLang="en-US" dirty="0"/>
+              <a:t>中断空连</a:t>
+            </a:r>
+            <a:r>
+              <a:rPr lang="en-US" altLang="zh-CN" dirty="0"/>
+              <a:t>)</a:t>
+            </a:r>
+            <a:r>
+              <a:rPr lang="zh-CN" altLang="en-US" dirty="0"/>
+              <a:t>：</a:t>
+            </a:r>
+            <a:endParaRPr lang="en-US" altLang="zh-CN" dirty="0"/>
+          </a:p>
+          <a:p>
+            <a:r>
+              <a:rPr lang="en-US" altLang="zh-CN" dirty="0"/>
+              <a:t>(</a:t>
+            </a:r>
+            <a:r>
+              <a:rPr lang="zh-CN" altLang="en-US" dirty="0"/>
+              <a:t>迅雷</a:t>
+            </a:r>
+            <a:r>
+              <a:rPr lang="en-US" altLang="zh-CN" dirty="0"/>
+              <a:t>)</a:t>
+            </a:r>
+            <a:r>
+              <a:rPr lang="zh-CN" altLang="en-US" dirty="0"/>
+              <a:t>崩袭击</a:t>
+            </a:r>
+            <a:endParaRPr lang="en-US" altLang="zh-CN" dirty="0"/>
+          </a:p>
+          <a:p>
+            <a:r>
+              <a:rPr lang="zh-CN" altLang="en-US" dirty="0"/>
+              <a:t>闪空翔裂破</a:t>
+            </a:r>
+            <a:endParaRPr lang="en-US" altLang="zh-CN" dirty="0"/>
+          </a:p>
+        </p:txBody>
+      </p:sp>
+      <p:sp>
+        <p:nvSpPr>
+          <p:cNvPr id="17" name="文本框 16">
+            <a:extLst>
+              <a:ext uri="{FF2B5EF4-FFF2-40B4-BE49-F238E27FC236}">
+                <a16:creationId xmlns:a16="http://schemas.microsoft.com/office/drawing/2014/main" id="{26CE3CF8-333D-42DC-83CF-FD2724C4B63C}"/>
+              </a:ext>
+            </a:extLst>
+          </p:cNvPr>
+          <p:cNvSpPr txBox="1"/>
+          <p:nvPr/>
+        </p:nvSpPr>
+        <p:spPr>
+          <a:xfrm>
+            <a:off x="8471766" y="1849819"/>
+            <a:ext cx="1473480" cy="646331"/>
+          </a:xfrm>
+          <a:prstGeom prst="rect">
+            <a:avLst/>
+          </a:prstGeom>
+          <a:noFill/>
+        </p:spPr>
+        <p:txBody>
+          <a:bodyPr wrap="none" rtlCol="0">
+            <a:spAutoFit/>
+          </a:bodyPr>
+          <a:lstStyle/>
+          <a:p>
+            <a:r>
+              <a:rPr lang="zh-CN" altLang="en-US" dirty="0"/>
+              <a:t>其他：</a:t>
+            </a:r>
+            <a:endParaRPr lang="en-US" altLang="zh-CN" dirty="0"/>
+          </a:p>
+          <a:p>
+            <a:r>
+              <a:rPr lang="zh-CN" altLang="en-US" dirty="0"/>
+              <a:t>铁截斩</a:t>
+            </a:r>
+            <a:r>
+              <a:rPr lang="en-US" altLang="zh-CN" dirty="0"/>
+              <a:t>(</a:t>
+            </a:r>
+            <a:r>
+              <a:rPr lang="zh-CN" altLang="en-US" dirty="0"/>
+              <a:t>防反</a:t>
+            </a:r>
+            <a:r>
+              <a:rPr lang="en-US" altLang="zh-CN" dirty="0"/>
+              <a:t>)</a:t>
+            </a:r>
+          </a:p>
+        </p:txBody>
+      </p:sp>
+      <p:cxnSp>
+        <p:nvCxnSpPr>
+          <p:cNvPr id="18" name="直接连接符 17">
+            <a:extLst>
+              <a:ext uri="{FF2B5EF4-FFF2-40B4-BE49-F238E27FC236}">
+                <a16:creationId xmlns:a16="http://schemas.microsoft.com/office/drawing/2014/main" id="{75E44ACA-55F0-4B98-9E46-ECBF05228102}"/>
+              </a:ext>
+            </a:extLst>
+          </p:cNvPr>
+          <p:cNvCxnSpPr/>
+          <p:nvPr/>
+        </p:nvCxnSpPr>
+        <p:spPr>
+          <a:xfrm>
+            <a:off x="7931435" y="1859622"/>
+            <a:ext cx="0" cy="1569378"/>
           </a:xfrm>
           <a:prstGeom prst="line">
             <a:avLst/>
@@ -11915,10 +13164,10 @@
       </p:cxnSp>
       <p:cxnSp>
         <p:nvCxnSpPr>
-          <p:cNvPr id="4" name="直接连接符 3">
-            <a:extLst>
-              <a:ext uri="{FF2B5EF4-FFF2-40B4-BE49-F238E27FC236}">
-                <a16:creationId xmlns:a16="http://schemas.microsoft.com/office/drawing/2014/main" id="{DDF02953-8970-4797-B137-5A1E142F6313}"/>
+          <p:cNvPr id="19" name="直接连接符 18">
+            <a:extLst>
+              <a:ext uri="{FF2B5EF4-FFF2-40B4-BE49-F238E27FC236}">
+                <a16:creationId xmlns:a16="http://schemas.microsoft.com/office/drawing/2014/main" id="{2EFC5111-A4C1-4D16-AC73-A515E7D5387F}"/>
               </a:ext>
             </a:extLst>
           </p:cNvPr>
@@ -11926,9 +13175,9 @@
           <p:nvPr/>
         </p:nvCxnSpPr>
         <p:spPr>
-          <a:xfrm flipH="1">
-            <a:off x="2270589" y="3955551"/>
-            <a:ext cx="3825411" cy="1910993"/>
+          <a:xfrm>
+            <a:off x="7684856" y="4078840"/>
+            <a:ext cx="0" cy="1569378"/>
           </a:xfrm>
           <a:prstGeom prst="line">
             <a:avLst/>
@@ -11954,197 +13203,10 @@
           </a:fontRef>
         </p:style>
       </p:cxnSp>
-      <p:cxnSp>
-        <p:nvCxnSpPr>
-          <p:cNvPr id="5" name="直接连接符 4">
-            <a:extLst>
-              <a:ext uri="{FF2B5EF4-FFF2-40B4-BE49-F238E27FC236}">
-                <a16:creationId xmlns:a16="http://schemas.microsoft.com/office/drawing/2014/main" id="{7A1E4976-F49D-43F5-AE36-9D25B01EB814}"/>
-              </a:ext>
-            </a:extLst>
-          </p:cNvPr>
-          <p:cNvCxnSpPr>
-            <a:cxnSpLocks/>
-          </p:cNvCxnSpPr>
-          <p:nvPr/>
-        </p:nvCxnSpPr>
-        <p:spPr>
-          <a:xfrm>
-            <a:off x="6096000" y="3945276"/>
-            <a:ext cx="3825411" cy="1921268"/>
-          </a:xfrm>
-          <a:prstGeom prst="line">
-            <a:avLst/>
-          </a:prstGeom>
-          <a:ln w="28575">
-            <a:solidFill>
-              <a:schemeClr val="tx1"/>
-            </a:solidFill>
-          </a:ln>
-        </p:spPr>
-        <p:style>
-          <a:lnRef idx="1">
-            <a:schemeClr val="accent1"/>
-          </a:lnRef>
-          <a:fillRef idx="0">
-            <a:schemeClr val="accent1"/>
-          </a:fillRef>
-          <a:effectRef idx="0">
-            <a:schemeClr val="accent1"/>
-          </a:effectRef>
-          <a:fontRef idx="minor">
-            <a:schemeClr val="tx1"/>
-          </a:fontRef>
-        </p:style>
-      </p:cxnSp>
-      <p:sp>
-        <p:nvSpPr>
-          <p:cNvPr id="6" name="文本框 5">
-            <a:extLst>
-              <a:ext uri="{FF2B5EF4-FFF2-40B4-BE49-F238E27FC236}">
-                <a16:creationId xmlns:a16="http://schemas.microsoft.com/office/drawing/2014/main" id="{63751AEA-17E2-4254-BB74-9D106630AF0C}"/>
-              </a:ext>
-            </a:extLst>
-          </p:cNvPr>
-          <p:cNvSpPr txBox="1"/>
-          <p:nvPr/>
-        </p:nvSpPr>
-        <p:spPr>
-          <a:xfrm>
-            <a:off x="2424701" y="2533117"/>
-            <a:ext cx="1107996" cy="369332"/>
-          </a:xfrm>
-          <a:prstGeom prst="rect">
-            <a:avLst/>
-          </a:prstGeom>
-          <a:noFill/>
-        </p:spPr>
-        <p:txBody>
-          <a:bodyPr wrap="none" rtlCol="0">
-            <a:spAutoFit/>
-          </a:bodyPr>
-          <a:lstStyle/>
-          <a:p>
-            <a:r>
-              <a:rPr lang="zh-CN" altLang="en-US" dirty="0"/>
-              <a:t>普通战技</a:t>
-            </a:r>
-          </a:p>
-        </p:txBody>
-      </p:sp>
-      <p:sp>
-        <p:nvSpPr>
-          <p:cNvPr id="7" name="文本框 6">
-            <a:extLst>
-              <a:ext uri="{FF2B5EF4-FFF2-40B4-BE49-F238E27FC236}">
-                <a16:creationId xmlns:a16="http://schemas.microsoft.com/office/drawing/2014/main" id="{E58FFF5F-6E12-4B26-AD9E-1E8D54E2F607}"/>
-              </a:ext>
-            </a:extLst>
-          </p:cNvPr>
-          <p:cNvSpPr txBox="1"/>
-          <p:nvPr/>
-        </p:nvSpPr>
-        <p:spPr>
-          <a:xfrm>
-            <a:off x="7161087" y="2266930"/>
-            <a:ext cx="3647152" cy="646331"/>
-          </a:xfrm>
-          <a:prstGeom prst="rect">
-            <a:avLst/>
-          </a:prstGeom>
-          <a:noFill/>
-        </p:spPr>
-        <p:txBody>
-          <a:bodyPr wrap="none" rtlCol="0">
-            <a:spAutoFit/>
-          </a:bodyPr>
-          <a:lstStyle/>
-          <a:p>
-            <a:r>
-              <a:rPr lang="zh-CN" altLang="en-US" dirty="0"/>
-              <a:t>炸弹技能：</a:t>
-            </a:r>
-            <a:endParaRPr lang="en-US" altLang="zh-CN" dirty="0"/>
-          </a:p>
-          <a:p>
-            <a:r>
-              <a:rPr lang="zh-CN" altLang="en-US" dirty="0"/>
-              <a:t>长按可消耗特殊弹药使用进阶形态</a:t>
-            </a:r>
-          </a:p>
-        </p:txBody>
-      </p:sp>
-      <p:sp>
-        <p:nvSpPr>
-          <p:cNvPr id="8" name="文本框 7">
-            <a:extLst>
-              <a:ext uri="{FF2B5EF4-FFF2-40B4-BE49-F238E27FC236}">
-                <a16:creationId xmlns:a16="http://schemas.microsoft.com/office/drawing/2014/main" id="{FC07481E-0346-41C8-AF89-46D555B5F4E0}"/>
-              </a:ext>
-            </a:extLst>
-          </p:cNvPr>
-          <p:cNvSpPr txBox="1"/>
-          <p:nvPr/>
-        </p:nvSpPr>
-        <p:spPr>
-          <a:xfrm>
-            <a:off x="4614808" y="4732811"/>
-            <a:ext cx="2073003" cy="1477328"/>
-          </a:xfrm>
-          <a:prstGeom prst="rect">
-            <a:avLst/>
-          </a:prstGeom>
-          <a:noFill/>
-        </p:spPr>
-        <p:txBody>
-          <a:bodyPr wrap="none" rtlCol="0">
-            <a:spAutoFit/>
-          </a:bodyPr>
-          <a:lstStyle/>
-          <a:p>
-            <a:r>
-              <a:rPr lang="zh-CN" altLang="en-US" dirty="0"/>
-              <a:t>治疗术</a:t>
-            </a:r>
-            <a:endParaRPr lang="en-US" altLang="zh-CN" dirty="0"/>
-          </a:p>
-          <a:p>
-            <a:endParaRPr lang="en-US" altLang="zh-CN" dirty="0"/>
-          </a:p>
-          <a:p>
-            <a:r>
-              <a:rPr lang="zh-CN" altLang="en-US" dirty="0"/>
-              <a:t>攻击法术：</a:t>
-            </a:r>
-            <a:endParaRPr lang="en-US" altLang="zh-CN" dirty="0"/>
-          </a:p>
-          <a:p>
-            <a:r>
-              <a:rPr lang="zh-CN" altLang="en-US" dirty="0"/>
-              <a:t>火属性：</a:t>
-            </a:r>
-            <a:r>
-              <a:rPr lang="en-US" altLang="zh-CN" dirty="0"/>
-              <a:t>2AG-4AG</a:t>
-            </a:r>
-          </a:p>
-          <a:p>
-            <a:r>
-              <a:rPr lang="zh-CN" altLang="en-US" dirty="0"/>
-              <a:t>水属性：</a:t>
-            </a:r>
-            <a:r>
-              <a:rPr lang="en-US" altLang="zh-CN" dirty="0"/>
-              <a:t>2AG</a:t>
-            </a:r>
-            <a:endParaRPr lang="zh-CN" altLang="en-US" dirty="0"/>
-          </a:p>
-        </p:txBody>
-      </p:sp>
     </p:spTree>
     <p:extLst>
       <p:ext uri="{BB962C8B-B14F-4D97-AF65-F5344CB8AC3E}">
-        <p14:creationId xmlns:p14="http://schemas.microsoft.com/office/powerpoint/2010/main" val="3286365879"/>
+        <p14:creationId xmlns:p14="http://schemas.microsoft.com/office/powerpoint/2010/main" val="704608302"/>
       </p:ext>
     </p:extLst>
   </p:cSld>
@@ -12176,7 +13238,7 @@
           <p:cNvPr id="2" name="标题 1">
             <a:extLst>
               <a:ext uri="{FF2B5EF4-FFF2-40B4-BE49-F238E27FC236}">
-                <a16:creationId xmlns:a16="http://schemas.microsoft.com/office/drawing/2014/main" id="{9C23BCFB-5F14-4496-8A02-355C26F7F1E7}"/>
+                <a16:creationId xmlns:a16="http://schemas.microsoft.com/office/drawing/2014/main" id="{A2BFD830-B67B-4657-89B6-95B9E6B73FB0}"/>
               </a:ext>
             </a:extLst>
           </p:cNvPr>
@@ -12194,7 +13256,7 @@
           <a:p>
             <a:r>
               <a:rPr lang="zh-CN" altLang="en-US" dirty="0"/>
-              <a:t>琳薇儿的招式分类</a:t>
+              <a:t>希侬的招式分类</a:t>
             </a:r>
           </a:p>
         </p:txBody>
@@ -12204,7 +13266,7 @@
           <p:cNvPr id="3" name="直接连接符 2">
             <a:extLst>
               <a:ext uri="{FF2B5EF4-FFF2-40B4-BE49-F238E27FC236}">
-                <a16:creationId xmlns:a16="http://schemas.microsoft.com/office/drawing/2014/main" id="{D4C50FE1-C0A7-45F9-BE90-3CC58EB35151}"/>
+                <a16:creationId xmlns:a16="http://schemas.microsoft.com/office/drawing/2014/main" id="{5AC67411-9ED7-468F-8134-D877D5E241C2}"/>
               </a:ext>
             </a:extLst>
           </p:cNvPr>
@@ -12245,7 +13307,7 @@
           <p:cNvPr id="4" name="直接连接符 3">
             <a:extLst>
               <a:ext uri="{FF2B5EF4-FFF2-40B4-BE49-F238E27FC236}">
-                <a16:creationId xmlns:a16="http://schemas.microsoft.com/office/drawing/2014/main" id="{8063F145-F80D-48EA-AF37-17CC44A4F728}"/>
+                <a16:creationId xmlns:a16="http://schemas.microsoft.com/office/drawing/2014/main" id="{DDF02953-8970-4797-B137-5A1E142F6313}"/>
               </a:ext>
             </a:extLst>
           </p:cNvPr>
@@ -12286,7 +13348,7 @@
           <p:cNvPr id="5" name="直接连接符 4">
             <a:extLst>
               <a:ext uri="{FF2B5EF4-FFF2-40B4-BE49-F238E27FC236}">
-                <a16:creationId xmlns:a16="http://schemas.microsoft.com/office/drawing/2014/main" id="{0C0B13C9-C14A-4C2E-AAC7-C4BAB5569774}"/>
+                <a16:creationId xmlns:a16="http://schemas.microsoft.com/office/drawing/2014/main" id="{7A1E4976-F49D-43F5-AE36-9D25B01EB814}"/>
               </a:ext>
             </a:extLst>
           </p:cNvPr>
@@ -12329,7 +13391,7 @@
           <p:cNvPr id="6" name="文本框 5">
             <a:extLst>
               <a:ext uri="{FF2B5EF4-FFF2-40B4-BE49-F238E27FC236}">
-                <a16:creationId xmlns:a16="http://schemas.microsoft.com/office/drawing/2014/main" id="{7F14A121-BEF4-4497-B260-0C1376EA3EF5}"/>
+                <a16:creationId xmlns:a16="http://schemas.microsoft.com/office/drawing/2014/main" id="{63751AEA-17E2-4254-BB74-9D106630AF0C}"/>
               </a:ext>
             </a:extLst>
           </p:cNvPr>
@@ -12338,8 +13400,8 @@
         </p:nvSpPr>
         <p:spPr>
           <a:xfrm>
-            <a:off x="1756881" y="2075379"/>
-            <a:ext cx="3227165" cy="646331"/>
+            <a:off x="2424701" y="2533117"/>
+            <a:ext cx="1107996" cy="369332"/>
           </a:xfrm>
           <a:prstGeom prst="rect">
             <a:avLst/>
@@ -12354,50 +13416,7 @@
           <a:p>
             <a:r>
               <a:rPr lang="zh-CN" altLang="en-US" dirty="0"/>
-              <a:t>战技：</a:t>
-            </a:r>
-            <a:endParaRPr lang="en-US" altLang="zh-CN" dirty="0"/>
-          </a:p>
-          <a:p>
-            <a:r>
-              <a:rPr lang="zh-CN" altLang="en-US" dirty="0"/>
-              <a:t>水</a:t>
-            </a:r>
-            <a:r>
-              <a:rPr lang="en-US" altLang="zh-CN" dirty="0"/>
-              <a:t>/</a:t>
-            </a:r>
-            <a:r>
-              <a:rPr lang="zh-CN" altLang="en-US" dirty="0"/>
-              <a:t>风</a:t>
-            </a:r>
-            <a:r>
-              <a:rPr lang="en-US" altLang="zh-CN" dirty="0"/>
-              <a:t>/</a:t>
-            </a:r>
-            <a:r>
-              <a:rPr lang="zh-CN" altLang="en-US" dirty="0"/>
-              <a:t>光</a:t>
-            </a:r>
-            <a:r>
-              <a:rPr lang="en-US" altLang="zh-CN" dirty="0"/>
-              <a:t>-</a:t>
-            </a:r>
-            <a:r>
-              <a:rPr lang="zh-CN" altLang="en-US" dirty="0"/>
-              <a:t>地面</a:t>
-            </a:r>
-            <a:r>
-              <a:rPr lang="en-US" altLang="zh-CN" dirty="0"/>
-              <a:t>/</a:t>
-            </a:r>
-            <a:r>
-              <a:rPr lang="zh-CN" altLang="en-US" dirty="0"/>
-              <a:t>空中</a:t>
-            </a:r>
-            <a:r>
-              <a:rPr lang="en-US" altLang="zh-CN" dirty="0"/>
-              <a:t>-1AG/2AG</a:t>
+              <a:t>普通战技</a:t>
             </a:r>
           </a:p>
         </p:txBody>
@@ -12407,7 +13426,7 @@
           <p:cNvPr id="7" name="文本框 6">
             <a:extLst>
               <a:ext uri="{FF2B5EF4-FFF2-40B4-BE49-F238E27FC236}">
-                <a16:creationId xmlns:a16="http://schemas.microsoft.com/office/drawing/2014/main" id="{3362AFD4-FE29-48C3-B20A-2C4B1BF4B8D0}"/>
+                <a16:creationId xmlns:a16="http://schemas.microsoft.com/office/drawing/2014/main" id="{E58FFF5F-6E12-4B26-AD9E-1E8D54E2F607}"/>
               </a:ext>
             </a:extLst>
           </p:cNvPr>
@@ -12416,8 +13435,8 @@
         </p:nvSpPr>
         <p:spPr>
           <a:xfrm>
-            <a:off x="6575460" y="1848485"/>
-            <a:ext cx="5325497" cy="1477328"/>
+            <a:off x="7161087" y="2266930"/>
+            <a:ext cx="3647152" cy="646331"/>
           </a:xfrm>
           <a:prstGeom prst="rect">
             <a:avLst/>
@@ -12432,96 +13451,14 @@
           <a:p>
             <a:r>
               <a:rPr lang="zh-CN" altLang="en-US" dirty="0"/>
-              <a:t>基础法术</a:t>
+              <a:t>炸弹技能：</a:t>
             </a:r>
             <a:endParaRPr lang="en-US" altLang="zh-CN" dirty="0"/>
           </a:p>
           <a:p>
             <a:r>
               <a:rPr lang="zh-CN" altLang="en-US" dirty="0"/>
-              <a:t>水：流水蔓延</a:t>
-            </a:r>
-            <a:r>
-              <a:rPr lang="en-US" altLang="zh-CN" dirty="0"/>
-              <a:t>(2AG)-</a:t>
-            </a:r>
-            <a:r>
-              <a:rPr lang="zh-CN" altLang="en-US" dirty="0"/>
-              <a:t>大气冰枪</a:t>
-            </a:r>
-            <a:r>
-              <a:rPr lang="en-US" altLang="zh-CN" dirty="0"/>
-              <a:t>(3AG)-</a:t>
-            </a:r>
-            <a:r>
-              <a:rPr lang="zh-CN" altLang="en-US" dirty="0"/>
-              <a:t>潮浪汹涌</a:t>
-            </a:r>
-            <a:r>
-              <a:rPr lang="en-US" altLang="zh-CN" dirty="0"/>
-              <a:t>(4AG)</a:t>
-            </a:r>
-          </a:p>
-          <a:p>
-            <a:r>
-              <a:rPr lang="zh-CN" altLang="en-US" dirty="0"/>
-              <a:t>风：风压刃</a:t>
-            </a:r>
-            <a:r>
-              <a:rPr lang="en-US" altLang="zh-CN" dirty="0"/>
-              <a:t>(2AG)-</a:t>
-            </a:r>
-            <a:r>
-              <a:rPr lang="zh-CN" altLang="en-US" dirty="0"/>
-              <a:t>十字刀刃</a:t>
-            </a:r>
-            <a:r>
-              <a:rPr lang="en-US" altLang="zh-CN" dirty="0"/>
-              <a:t>(3AG)-</a:t>
-            </a:r>
-            <a:r>
-              <a:rPr lang="zh-CN" altLang="en-US" dirty="0"/>
-              <a:t>龙卷暴风</a:t>
-            </a:r>
-            <a:r>
-              <a:rPr lang="en-US" altLang="zh-CN" dirty="0"/>
-              <a:t>(4AG)</a:t>
-            </a:r>
-          </a:p>
-          <a:p>
-            <a:r>
-              <a:rPr lang="zh-CN" altLang="en-US" dirty="0"/>
-              <a:t>光：轰雷刃</a:t>
-            </a:r>
-            <a:r>
-              <a:rPr lang="en-US" altLang="zh-CN" dirty="0"/>
-              <a:t>(2AG)-</a:t>
-            </a:r>
-            <a:r>
-              <a:rPr lang="zh-CN" altLang="en-US" dirty="0"/>
-              <a:t>神圣之枪</a:t>
-            </a:r>
-            <a:r>
-              <a:rPr lang="en-US" altLang="zh-CN" dirty="0"/>
-              <a:t>(3AG)-</a:t>
-            </a:r>
-            <a:r>
-              <a:rPr lang="zh-CN" altLang="en-US" dirty="0"/>
-              <a:t>天赐之剑</a:t>
-            </a:r>
-            <a:r>
-              <a:rPr lang="en-US" altLang="zh-CN" dirty="0"/>
-              <a:t>(4AG)</a:t>
-            </a:r>
-          </a:p>
-          <a:p>
-            <a:r>
-              <a:rPr lang="zh-CN" altLang="en-US" dirty="0"/>
-              <a:t>火：怒火强击</a:t>
-            </a:r>
-            <a:r>
-              <a:rPr lang="en-US" altLang="zh-CN" dirty="0"/>
-              <a:t>(2AG)</a:t>
+              <a:t>长按可消耗特殊弹药使用进阶形态</a:t>
             </a:r>
           </a:p>
         </p:txBody>
@@ -12531,7 +13468,7 @@
           <p:cNvPr id="8" name="文本框 7">
             <a:extLst>
               <a:ext uri="{FF2B5EF4-FFF2-40B4-BE49-F238E27FC236}">
-                <a16:creationId xmlns:a16="http://schemas.microsoft.com/office/drawing/2014/main" id="{EF05957F-BB41-40E1-A9B5-0B9F7E663751}"/>
+                <a16:creationId xmlns:a16="http://schemas.microsoft.com/office/drawing/2014/main" id="{FC07481E-0346-41C8-AF89-46D555B5F4E0}"/>
               </a:ext>
             </a:extLst>
           </p:cNvPr>
@@ -12540,8 +13477,8 @@
         </p:nvSpPr>
         <p:spPr>
           <a:xfrm>
-            <a:off x="4602003" y="4668662"/>
-            <a:ext cx="3406702" cy="1477328"/>
+            <a:off x="4614808" y="4732811"/>
+            <a:ext cx="2073003" cy="1477328"/>
           </a:xfrm>
           <a:prstGeom prst="rect">
             <a:avLst/>
@@ -12556,92 +13493,47 @@
           <a:p>
             <a:r>
               <a:rPr lang="zh-CN" altLang="en-US" dirty="0"/>
-              <a:t>组合法术：</a:t>
+              <a:t>治疗术</a:t>
             </a:r>
             <a:endParaRPr lang="en-US" altLang="zh-CN" dirty="0"/>
           </a:p>
           <a:p>
+            <a:endParaRPr lang="en-US" altLang="zh-CN" dirty="0"/>
+          </a:p>
+          <a:p>
             <a:r>
               <a:rPr lang="zh-CN" altLang="en-US" dirty="0"/>
-              <a:t>巨大漩涡</a:t>
+              <a:t>攻击法术：</a:t>
+            </a:r>
+            <a:endParaRPr lang="en-US" altLang="zh-CN" dirty="0"/>
+          </a:p>
+          <a:p>
+            <a:r>
+              <a:rPr lang="zh-CN" altLang="en-US" dirty="0"/>
+              <a:t>火属性：</a:t>
             </a:r>
             <a:r>
               <a:rPr lang="en-US" altLang="zh-CN" dirty="0"/>
-              <a:t>=</a:t>
-            </a:r>
+              <a:t>2AG-4AG</a:t>
+            </a:r>
+          </a:p>
+          <a:p>
             <a:r>
               <a:rPr lang="zh-CN" altLang="en-US" dirty="0"/>
-              <a:t>流水蔓延</a:t>
+              <a:t>水属性：</a:t>
             </a:r>
             <a:r>
               <a:rPr lang="en-US" altLang="zh-CN" dirty="0"/>
-              <a:t>+</a:t>
-            </a:r>
-            <a:r>
-              <a:rPr lang="zh-CN" altLang="en-US" dirty="0"/>
-              <a:t>十字刀刃</a:t>
-            </a:r>
-            <a:endParaRPr lang="en-US" altLang="zh-CN" dirty="0"/>
-          </a:p>
-          <a:p>
-            <a:r>
-              <a:rPr lang="zh-CN" altLang="en-US" dirty="0"/>
-              <a:t>瞬星射击</a:t>
-            </a:r>
-            <a:r>
-              <a:rPr lang="en-US" altLang="zh-CN" dirty="0"/>
-              <a:t>=</a:t>
-            </a:r>
-            <a:r>
-              <a:rPr lang="zh-CN" altLang="en-US" dirty="0"/>
-              <a:t>大气冰枪</a:t>
-            </a:r>
-            <a:r>
-              <a:rPr lang="en-US" altLang="zh-CN" dirty="0"/>
-              <a:t>+</a:t>
-            </a:r>
-            <a:r>
-              <a:rPr lang="zh-CN" altLang="en-US" dirty="0"/>
-              <a:t>神圣之枪</a:t>
-            </a:r>
-            <a:endParaRPr lang="en-US" altLang="zh-CN" dirty="0"/>
-          </a:p>
-          <a:p>
-            <a:r>
-              <a:rPr lang="zh-CN" altLang="en-US" dirty="0"/>
-              <a:t>陨石风暴</a:t>
-            </a:r>
-            <a:r>
-              <a:rPr lang="en-US" altLang="zh-CN" dirty="0"/>
-              <a:t>=</a:t>
-            </a:r>
-            <a:r>
-              <a:rPr lang="zh-CN" altLang="en-US" dirty="0"/>
-              <a:t>怒火强击</a:t>
-            </a:r>
-            <a:r>
-              <a:rPr lang="en-US" altLang="zh-CN" dirty="0"/>
-              <a:t>+</a:t>
-            </a:r>
-            <a:r>
-              <a:rPr lang="zh-CN" altLang="en-US" dirty="0"/>
-              <a:t>天赐之剑</a:t>
-            </a:r>
-            <a:endParaRPr lang="en-US" altLang="zh-CN" dirty="0"/>
-          </a:p>
-          <a:p>
-            <a:r>
-              <a:rPr lang="zh-CN" altLang="en-US" dirty="0"/>
-              <a:t>注：基础法术和同属性组合升阶</a:t>
-            </a:r>
-            <a:endParaRPr lang="en-US" altLang="zh-CN" dirty="0"/>
+              <a:t>2AG</a:t>
+            </a:r>
+            <a:endParaRPr lang="zh-CN" altLang="en-US" dirty="0"/>
           </a:p>
         </p:txBody>
       </p:sp>
     </p:spTree>
     <p:extLst>
       <p:ext uri="{BB962C8B-B14F-4D97-AF65-F5344CB8AC3E}">
-        <p14:creationId xmlns:p14="http://schemas.microsoft.com/office/powerpoint/2010/main" val="49781780"/>
+        <p14:creationId xmlns:p14="http://schemas.microsoft.com/office/powerpoint/2010/main" val="3286365879"/>
       </p:ext>
     </p:extLst>
   </p:cSld>
